--- a/Trunk/cfunited09/DeployingAppsWithAnt/Deploying Apps with Ant.pptx
+++ b/Trunk/cfunited09/DeployingAppsWithAnt/Deploying Apps with Ant.pptx
@@ -4,10 +4,15 @@
   <p:sldMasterIdLst>
     <p:sldMasterId id="2147483648" r:id="rId1"/>
   </p:sldMasterIdLst>
+  <p:notesMasterIdLst>
+    <p:notesMasterId r:id="rId7"/>
+  </p:notesMasterIdLst>
   <p:sldIdLst>
     <p:sldId id="256" r:id="rId2"/>
-    <p:sldId id="258" r:id="rId3"/>
-    <p:sldId id="257" r:id="rId4"/>
+    <p:sldId id="257" r:id="rId3"/>
+    <p:sldId id="258" r:id="rId4"/>
+    <p:sldId id="259" r:id="rId5"/>
+    <p:sldId id="260" r:id="rId6"/>
   </p:sldIdLst>
   <p:sldSz cx="9144000" cy="6858000" type="screen4x3"/>
   <p:notesSz cx="6858000" cy="9144000"/>
@@ -15,92 +20,122 @@
     <a:defPPr>
       <a:defRPr lang="en-US"/>
     </a:defPPr>
-    <a:lvl1pPr marL="0" algn="l" defTabSz="457200" rtl="0" eaLnBrk="1" latinLnBrk="0" hangingPunct="1">
-      <a:defRPr sz="1800" kern="1200">
+    <a:lvl1pPr algn="l" rtl="0" fontAlgn="base">
+      <a:spcBef>
+        <a:spcPct val="0"/>
+      </a:spcBef>
+      <a:spcAft>
+        <a:spcPct val="0"/>
+      </a:spcAft>
+      <a:defRPr sz="2400" kern="1200">
         <a:solidFill>
           <a:schemeClr val="tx1"/>
         </a:solidFill>
-        <a:latin typeface="+mn-lt"/>
+        <a:latin typeface="Times New Roman" pitchFamily="-65" charset="0"/>
         <a:ea typeface="+mn-ea"/>
         <a:cs typeface="+mn-cs"/>
       </a:defRPr>
     </a:lvl1pPr>
-    <a:lvl2pPr marL="457200" algn="l" defTabSz="457200" rtl="0" eaLnBrk="1" latinLnBrk="0" hangingPunct="1">
-      <a:defRPr sz="1800" kern="1200">
+    <a:lvl2pPr marL="457200" algn="l" rtl="0" fontAlgn="base">
+      <a:spcBef>
+        <a:spcPct val="0"/>
+      </a:spcBef>
+      <a:spcAft>
+        <a:spcPct val="0"/>
+      </a:spcAft>
+      <a:defRPr sz="2400" kern="1200">
         <a:solidFill>
           <a:schemeClr val="tx1"/>
         </a:solidFill>
-        <a:latin typeface="+mn-lt"/>
+        <a:latin typeface="Times New Roman" pitchFamily="-65" charset="0"/>
         <a:ea typeface="+mn-ea"/>
         <a:cs typeface="+mn-cs"/>
       </a:defRPr>
     </a:lvl2pPr>
-    <a:lvl3pPr marL="914400" algn="l" defTabSz="457200" rtl="0" eaLnBrk="1" latinLnBrk="0" hangingPunct="1">
-      <a:defRPr sz="1800" kern="1200">
+    <a:lvl3pPr marL="914400" algn="l" rtl="0" fontAlgn="base">
+      <a:spcBef>
+        <a:spcPct val="0"/>
+      </a:spcBef>
+      <a:spcAft>
+        <a:spcPct val="0"/>
+      </a:spcAft>
+      <a:defRPr sz="2400" kern="1200">
         <a:solidFill>
           <a:schemeClr val="tx1"/>
         </a:solidFill>
-        <a:latin typeface="+mn-lt"/>
+        <a:latin typeface="Times New Roman" pitchFamily="-65" charset="0"/>
         <a:ea typeface="+mn-ea"/>
         <a:cs typeface="+mn-cs"/>
       </a:defRPr>
     </a:lvl3pPr>
-    <a:lvl4pPr marL="1371600" algn="l" defTabSz="457200" rtl="0" eaLnBrk="1" latinLnBrk="0" hangingPunct="1">
-      <a:defRPr sz="1800" kern="1200">
+    <a:lvl4pPr marL="1371600" algn="l" rtl="0" fontAlgn="base">
+      <a:spcBef>
+        <a:spcPct val="0"/>
+      </a:spcBef>
+      <a:spcAft>
+        <a:spcPct val="0"/>
+      </a:spcAft>
+      <a:defRPr sz="2400" kern="1200">
         <a:solidFill>
           <a:schemeClr val="tx1"/>
         </a:solidFill>
-        <a:latin typeface="+mn-lt"/>
+        <a:latin typeface="Times New Roman" pitchFamily="-65" charset="0"/>
         <a:ea typeface="+mn-ea"/>
         <a:cs typeface="+mn-cs"/>
       </a:defRPr>
     </a:lvl4pPr>
-    <a:lvl5pPr marL="1828800" algn="l" defTabSz="457200" rtl="0" eaLnBrk="1" latinLnBrk="0" hangingPunct="1">
-      <a:defRPr sz="1800" kern="1200">
+    <a:lvl5pPr marL="1828800" algn="l" rtl="0" fontAlgn="base">
+      <a:spcBef>
+        <a:spcPct val="0"/>
+      </a:spcBef>
+      <a:spcAft>
+        <a:spcPct val="0"/>
+      </a:spcAft>
+      <a:defRPr sz="2400" kern="1200">
         <a:solidFill>
           <a:schemeClr val="tx1"/>
         </a:solidFill>
-        <a:latin typeface="+mn-lt"/>
+        <a:latin typeface="Times New Roman" pitchFamily="-65" charset="0"/>
         <a:ea typeface="+mn-ea"/>
         <a:cs typeface="+mn-cs"/>
       </a:defRPr>
     </a:lvl5pPr>
     <a:lvl6pPr marL="2286000" algn="l" defTabSz="457200" rtl="0" eaLnBrk="1" latinLnBrk="0" hangingPunct="1">
-      <a:defRPr sz="1800" kern="1200">
+      <a:defRPr sz="2400" kern="1200">
         <a:solidFill>
           <a:schemeClr val="tx1"/>
         </a:solidFill>
-        <a:latin typeface="+mn-lt"/>
+        <a:latin typeface="Times New Roman" pitchFamily="-65" charset="0"/>
         <a:ea typeface="+mn-ea"/>
         <a:cs typeface="+mn-cs"/>
       </a:defRPr>
     </a:lvl6pPr>
     <a:lvl7pPr marL="2743200" algn="l" defTabSz="457200" rtl="0" eaLnBrk="1" latinLnBrk="0" hangingPunct="1">
-      <a:defRPr sz="1800" kern="1200">
+      <a:defRPr sz="2400" kern="1200">
         <a:solidFill>
           <a:schemeClr val="tx1"/>
         </a:solidFill>
-        <a:latin typeface="+mn-lt"/>
+        <a:latin typeface="Times New Roman" pitchFamily="-65" charset="0"/>
         <a:ea typeface="+mn-ea"/>
         <a:cs typeface="+mn-cs"/>
       </a:defRPr>
     </a:lvl7pPr>
     <a:lvl8pPr marL="3200400" algn="l" defTabSz="457200" rtl="0" eaLnBrk="1" latinLnBrk="0" hangingPunct="1">
-      <a:defRPr sz="1800" kern="1200">
+      <a:defRPr sz="2400" kern="1200">
         <a:solidFill>
           <a:schemeClr val="tx1"/>
         </a:solidFill>
-        <a:latin typeface="+mn-lt"/>
+        <a:latin typeface="Times New Roman" pitchFamily="-65" charset="0"/>
         <a:ea typeface="+mn-ea"/>
         <a:cs typeface="+mn-cs"/>
       </a:defRPr>
     </a:lvl8pPr>
     <a:lvl9pPr marL="3657600" algn="l" defTabSz="457200" rtl="0" eaLnBrk="1" latinLnBrk="0" hangingPunct="1">
-      <a:defRPr sz="1800" kern="1200">
+      <a:defRPr sz="2400" kern="1200">
         <a:solidFill>
           <a:schemeClr val="tx1"/>
         </a:solidFill>
-        <a:latin typeface="+mn-lt"/>
+        <a:latin typeface="Times New Roman" pitchFamily="-65" charset="0"/>
         <a:ea typeface="+mn-ea"/>
         <a:cs typeface="+mn-cs"/>
       </a:defRPr>
@@ -109,9 +144,17 @@
 </p:presentation>
 </file>
 
-<file path=ppt/slideLayouts/slideLayout1.xml><?xml version="1.0" encoding="utf-8"?>
-<p:sldLayout xmlns:a="http://schemas.openxmlformats.org/drawingml/2006/main" xmlns:r="http://schemas.openxmlformats.org/officeDocument/2006/relationships" xmlns:mc="http://schemas.openxmlformats.org/markup-compatibility/2006" xmlns:mv="urn:schemas-microsoft-com:mac:vml" xmlns:p="http://schemas.openxmlformats.org/presentationml/2006/main" mc:Ignorable="mv" mc:PreserveAttributes="mv:*" type="title" preserve="1">
-  <p:cSld name="Title Slide">
+<file path=ppt/notesMasters/notesMaster1.xml><?xml version="1.0" encoding="utf-8"?>
+<p:notesMaster xmlns:a="http://schemas.openxmlformats.org/drawingml/2006/main" xmlns:r="http://schemas.openxmlformats.org/officeDocument/2006/relationships" xmlns:mc="http://schemas.openxmlformats.org/markup-compatibility/2006" xmlns:mv="urn:schemas-microsoft-com:mac:vml" xmlns:p="http://schemas.openxmlformats.org/presentationml/2006/main" mc:Ignorable="mv" mc:PreserveAttributes="mv:*">
+  <p:cSld>
+    <p:bg>
+      <p:bgPr>
+        <a:solidFill>
+          <a:schemeClr val="bg1"/>
+        </a:solidFill>
+        <a:effectLst/>
+      </p:bgPr>
+    </p:bg>
     <p:spTree>
       <p:nvGrpSpPr>
         <p:cNvPr id="1" name=""/>
@@ -128,9 +171,921 @@
       </p:grpSpPr>
       <p:sp>
         <p:nvSpPr>
-          <p:cNvPr id="2" name="Title 1"/>
+          <p:cNvPr id="5122" name="Rectangle 2"/>
+          <p:cNvSpPr>
+            <a:spLocks noGrp="1" noChangeArrowheads="1"/>
+          </p:cNvSpPr>
+          <p:nvPr>
+            <p:ph type="hdr" sz="quarter"/>
+          </p:nvPr>
+        </p:nvSpPr>
+        <p:spPr bwMode="auto">
+          <a:xfrm>
+            <a:off x="0" y="0"/>
+            <a:ext cx="2971800" cy="457200"/>
+          </a:xfrm>
+          <a:prstGeom prst="rect">
+            <a:avLst/>
+          </a:prstGeom>
+          <a:noFill/>
+          <a:ln w="9525">
+            <a:noFill/>
+            <a:miter lim="800000"/>
+            <a:headEnd/>
+            <a:tailEnd/>
+          </a:ln>
+          <a:effectLst/>
+        </p:spPr>
+        <p:txBody>
+          <a:bodyPr vert="horz" wrap="square" lIns="91440" tIns="45720" rIns="91440" bIns="45720" numCol="1" anchor="t" anchorCtr="0" compatLnSpc="1">
+            <a:prstTxWarp prst="textNoShape">
+              <a:avLst/>
+            </a:prstTxWarp>
+          </a:bodyPr>
+          <a:lstStyle>
+            <a:lvl1pPr>
+              <a:defRPr sz="1200"/>
+            </a:lvl1pPr>
+          </a:lstStyle>
+          <a:p>
+            <a:endParaRPr lang="en-US"/>
+          </a:p>
+        </p:txBody>
+      </p:sp>
+      <p:sp>
+        <p:nvSpPr>
+          <p:cNvPr id="5123" name="Rectangle 3"/>
+          <p:cNvSpPr>
+            <a:spLocks noGrp="1" noChangeArrowheads="1"/>
+          </p:cNvSpPr>
+          <p:nvPr>
+            <p:ph type="dt" idx="1"/>
+          </p:nvPr>
+        </p:nvSpPr>
+        <p:spPr bwMode="auto">
+          <a:xfrm>
+            <a:off x="3886200" y="0"/>
+            <a:ext cx="2971800" cy="457200"/>
+          </a:xfrm>
+          <a:prstGeom prst="rect">
+            <a:avLst/>
+          </a:prstGeom>
+          <a:noFill/>
+          <a:ln w="9525">
+            <a:noFill/>
+            <a:miter lim="800000"/>
+            <a:headEnd/>
+            <a:tailEnd/>
+          </a:ln>
+          <a:effectLst/>
+        </p:spPr>
+        <p:txBody>
+          <a:bodyPr vert="horz" wrap="square" lIns="91440" tIns="45720" rIns="91440" bIns="45720" numCol="1" anchor="t" anchorCtr="0" compatLnSpc="1">
+            <a:prstTxWarp prst="textNoShape">
+              <a:avLst/>
+            </a:prstTxWarp>
+          </a:bodyPr>
+          <a:lstStyle>
+            <a:lvl1pPr algn="r">
+              <a:defRPr sz="1200"/>
+            </a:lvl1pPr>
+          </a:lstStyle>
+          <a:p>
+            <a:endParaRPr lang="en-US"/>
+          </a:p>
+        </p:txBody>
+      </p:sp>
+      <p:sp>
+        <p:nvSpPr>
+          <p:cNvPr id="5124" name="Rectangle 4"/>
+          <p:cNvSpPr>
+            <a:spLocks noChangeArrowheads="1" noTextEdit="1"/>
+          </p:cNvSpPr>
+          <p:nvPr>
+            <p:ph type="sldImg" idx="2"/>
+          </p:nvPr>
+        </p:nvSpPr>
+        <p:spPr bwMode="auto">
+          <a:xfrm>
+            <a:off x="1143000" y="685800"/>
+            <a:ext cx="4572000" cy="3429000"/>
+          </a:xfrm>
+          <a:prstGeom prst="rect">
+            <a:avLst/>
+          </a:prstGeom>
+          <a:noFill/>
+          <a:ln w="9525">
+            <a:solidFill>
+              <a:srgbClr val="000000"/>
+            </a:solidFill>
+            <a:miter lim="800000"/>
+            <a:headEnd/>
+            <a:tailEnd/>
+          </a:ln>
+          <a:effectLst/>
+        </p:spPr>
+      </p:sp>
+      <p:sp>
+        <p:nvSpPr>
+          <p:cNvPr id="5125" name="Rectangle 5"/>
+          <p:cNvSpPr>
+            <a:spLocks noGrp="1" noChangeArrowheads="1"/>
+          </p:cNvSpPr>
+          <p:nvPr>
+            <p:ph type="body" sz="quarter" idx="3"/>
+          </p:nvPr>
+        </p:nvSpPr>
+        <p:spPr bwMode="auto">
+          <a:xfrm>
+            <a:off x="914400" y="4343400"/>
+            <a:ext cx="5029200" cy="4114800"/>
+          </a:xfrm>
+          <a:prstGeom prst="rect">
+            <a:avLst/>
+          </a:prstGeom>
+          <a:noFill/>
+          <a:ln w="9525">
+            <a:noFill/>
+            <a:miter lim="800000"/>
+            <a:headEnd/>
+            <a:tailEnd/>
+          </a:ln>
+          <a:effectLst/>
+        </p:spPr>
+        <p:txBody>
+          <a:bodyPr vert="horz" wrap="square" lIns="91440" tIns="45720" rIns="91440" bIns="45720" numCol="1" anchor="t" anchorCtr="0" compatLnSpc="1">
+            <a:prstTxWarp prst="textNoShape">
+              <a:avLst/>
+            </a:prstTxWarp>
+          </a:bodyPr>
+          <a:lstStyle/>
+          <a:p>
+            <a:pPr lvl="0"/>
+            <a:r>
+              <a:rPr lang="en-US"/>
+              <a:t>Click to edit Master text styles</a:t>
+            </a:r>
+          </a:p>
+          <a:p>
+            <a:pPr lvl="1"/>
+            <a:r>
+              <a:rPr lang="en-US"/>
+              <a:t>Second level</a:t>
+            </a:r>
+          </a:p>
+          <a:p>
+            <a:pPr lvl="2"/>
+            <a:r>
+              <a:rPr lang="en-US"/>
+              <a:t>Third level</a:t>
+            </a:r>
+          </a:p>
+          <a:p>
+            <a:pPr lvl="3"/>
+            <a:r>
+              <a:rPr lang="en-US"/>
+              <a:t>Fourth level</a:t>
+            </a:r>
+          </a:p>
+          <a:p>
+            <a:pPr lvl="4"/>
+            <a:r>
+              <a:rPr lang="en-US"/>
+              <a:t>Fifth level</a:t>
+            </a:r>
+          </a:p>
+        </p:txBody>
+      </p:sp>
+      <p:sp>
+        <p:nvSpPr>
+          <p:cNvPr id="5126" name="Rectangle 6"/>
+          <p:cNvSpPr>
+            <a:spLocks noGrp="1" noChangeArrowheads="1"/>
+          </p:cNvSpPr>
+          <p:nvPr>
+            <p:ph type="ftr" sz="quarter" idx="4"/>
+          </p:nvPr>
+        </p:nvSpPr>
+        <p:spPr bwMode="auto">
+          <a:xfrm>
+            <a:off x="0" y="8686800"/>
+            <a:ext cx="2971800" cy="457200"/>
+          </a:xfrm>
+          <a:prstGeom prst="rect">
+            <a:avLst/>
+          </a:prstGeom>
+          <a:noFill/>
+          <a:ln w="9525">
+            <a:noFill/>
+            <a:miter lim="800000"/>
+            <a:headEnd/>
+            <a:tailEnd/>
+          </a:ln>
+          <a:effectLst/>
+        </p:spPr>
+        <p:txBody>
+          <a:bodyPr vert="horz" wrap="square" lIns="91440" tIns="45720" rIns="91440" bIns="45720" numCol="1" anchor="b" anchorCtr="0" compatLnSpc="1">
+            <a:prstTxWarp prst="textNoShape">
+              <a:avLst/>
+            </a:prstTxWarp>
+          </a:bodyPr>
+          <a:lstStyle>
+            <a:lvl1pPr>
+              <a:defRPr sz="1200"/>
+            </a:lvl1pPr>
+          </a:lstStyle>
+          <a:p>
+            <a:endParaRPr lang="en-US"/>
+          </a:p>
+        </p:txBody>
+      </p:sp>
+      <p:sp>
+        <p:nvSpPr>
+          <p:cNvPr id="5127" name="Rectangle 7"/>
+          <p:cNvSpPr>
+            <a:spLocks noGrp="1" noChangeArrowheads="1"/>
+          </p:cNvSpPr>
+          <p:nvPr>
+            <p:ph type="sldNum" sz="quarter" idx="5"/>
+          </p:nvPr>
+        </p:nvSpPr>
+        <p:spPr bwMode="auto">
+          <a:xfrm>
+            <a:off x="3886200" y="8686800"/>
+            <a:ext cx="2971800" cy="457200"/>
+          </a:xfrm>
+          <a:prstGeom prst="rect">
+            <a:avLst/>
+          </a:prstGeom>
+          <a:noFill/>
+          <a:ln w="9525">
+            <a:noFill/>
+            <a:miter lim="800000"/>
+            <a:headEnd/>
+            <a:tailEnd/>
+          </a:ln>
+          <a:effectLst/>
+        </p:spPr>
+        <p:txBody>
+          <a:bodyPr vert="horz" wrap="square" lIns="91440" tIns="45720" rIns="91440" bIns="45720" numCol="1" anchor="b" anchorCtr="0" compatLnSpc="1">
+            <a:prstTxWarp prst="textNoShape">
+              <a:avLst/>
+            </a:prstTxWarp>
+          </a:bodyPr>
+          <a:lstStyle>
+            <a:lvl1pPr algn="r">
+              <a:defRPr sz="1200"/>
+            </a:lvl1pPr>
+          </a:lstStyle>
+          <a:p>
+            <a:fld id="{B5F5531F-3E44-EB4B-BD64-F626A713B454}" type="slidenum">
+              <a:rPr lang="en-US"/>
+              <a:pPr/>
+              <a:t>‹#›</a:t>
+            </a:fld>
+            <a:endParaRPr lang="en-US"/>
+          </a:p>
+        </p:txBody>
+      </p:sp>
+    </p:spTree>
+  </p:cSld>
+  <p:clrMap bg1="lt1" tx1="dk1" bg2="lt2" tx2="dk2" accent1="accent1" accent2="accent2" accent3="accent3" accent4="accent4" accent5="accent5" accent6="accent6" hlink="hlink" folHlink="folHlink"/>
+  <p:notesStyle>
+    <a:lvl1pPr algn="l" rtl="0" fontAlgn="base">
+      <a:spcBef>
+        <a:spcPct val="30000"/>
+      </a:spcBef>
+      <a:spcAft>
+        <a:spcPct val="0"/>
+      </a:spcAft>
+      <a:defRPr sz="1200" kern="1200">
+        <a:solidFill>
+          <a:schemeClr val="tx1"/>
+        </a:solidFill>
+        <a:latin typeface="Times New Roman" pitchFamily="-65" charset="0"/>
+        <a:ea typeface="+mn-ea"/>
+        <a:cs typeface="+mn-cs"/>
+      </a:defRPr>
+    </a:lvl1pPr>
+    <a:lvl2pPr marL="457200" algn="l" rtl="0" fontAlgn="base">
+      <a:spcBef>
+        <a:spcPct val="30000"/>
+      </a:spcBef>
+      <a:spcAft>
+        <a:spcPct val="0"/>
+      </a:spcAft>
+      <a:defRPr sz="1200" kern="1200">
+        <a:solidFill>
+          <a:schemeClr val="tx1"/>
+        </a:solidFill>
+        <a:latin typeface="Times New Roman" pitchFamily="-65" charset="0"/>
+        <a:ea typeface="ＭＳ Ｐゴシック" pitchFamily="-65" charset="-128"/>
+        <a:cs typeface="+mn-cs"/>
+      </a:defRPr>
+    </a:lvl2pPr>
+    <a:lvl3pPr marL="914400" algn="l" rtl="0" fontAlgn="base">
+      <a:spcBef>
+        <a:spcPct val="30000"/>
+      </a:spcBef>
+      <a:spcAft>
+        <a:spcPct val="0"/>
+      </a:spcAft>
+      <a:defRPr sz="1200" kern="1200">
+        <a:solidFill>
+          <a:schemeClr val="tx1"/>
+        </a:solidFill>
+        <a:latin typeface="Times New Roman" pitchFamily="-65" charset="0"/>
+        <a:ea typeface="ＭＳ Ｐゴシック" pitchFamily="-65" charset="-128"/>
+        <a:cs typeface="+mn-cs"/>
+      </a:defRPr>
+    </a:lvl3pPr>
+    <a:lvl4pPr marL="1371600" algn="l" rtl="0" fontAlgn="base">
+      <a:spcBef>
+        <a:spcPct val="30000"/>
+      </a:spcBef>
+      <a:spcAft>
+        <a:spcPct val="0"/>
+      </a:spcAft>
+      <a:defRPr sz="1200" kern="1200">
+        <a:solidFill>
+          <a:schemeClr val="tx1"/>
+        </a:solidFill>
+        <a:latin typeface="Times New Roman" pitchFamily="-65" charset="0"/>
+        <a:ea typeface="ＭＳ Ｐゴシック" pitchFamily="-65" charset="-128"/>
+        <a:cs typeface="+mn-cs"/>
+      </a:defRPr>
+    </a:lvl4pPr>
+    <a:lvl5pPr marL="1828800" algn="l" rtl="0" fontAlgn="base">
+      <a:spcBef>
+        <a:spcPct val="30000"/>
+      </a:spcBef>
+      <a:spcAft>
+        <a:spcPct val="0"/>
+      </a:spcAft>
+      <a:defRPr sz="1200" kern="1200">
+        <a:solidFill>
+          <a:schemeClr val="tx1"/>
+        </a:solidFill>
+        <a:latin typeface="Times New Roman" pitchFamily="-65" charset="0"/>
+        <a:ea typeface="ＭＳ Ｐゴシック" pitchFamily="-65" charset="-128"/>
+        <a:cs typeface="+mn-cs"/>
+      </a:defRPr>
+    </a:lvl5pPr>
+    <a:lvl6pPr marL="2286000" algn="l" defTabSz="457200" rtl="0" eaLnBrk="1" latinLnBrk="0" hangingPunct="1">
+      <a:defRPr sz="1200" kern="1200">
+        <a:solidFill>
+          <a:schemeClr val="tx1"/>
+        </a:solidFill>
+        <a:latin typeface="+mn-lt"/>
+        <a:ea typeface="+mn-ea"/>
+        <a:cs typeface="+mn-cs"/>
+      </a:defRPr>
+    </a:lvl6pPr>
+    <a:lvl7pPr marL="2743200" algn="l" defTabSz="457200" rtl="0" eaLnBrk="1" latinLnBrk="0" hangingPunct="1">
+      <a:defRPr sz="1200" kern="1200">
+        <a:solidFill>
+          <a:schemeClr val="tx1"/>
+        </a:solidFill>
+        <a:latin typeface="+mn-lt"/>
+        <a:ea typeface="+mn-ea"/>
+        <a:cs typeface="+mn-cs"/>
+      </a:defRPr>
+    </a:lvl7pPr>
+    <a:lvl8pPr marL="3200400" algn="l" defTabSz="457200" rtl="0" eaLnBrk="1" latinLnBrk="0" hangingPunct="1">
+      <a:defRPr sz="1200" kern="1200">
+        <a:solidFill>
+          <a:schemeClr val="tx1"/>
+        </a:solidFill>
+        <a:latin typeface="+mn-lt"/>
+        <a:ea typeface="+mn-ea"/>
+        <a:cs typeface="+mn-cs"/>
+      </a:defRPr>
+    </a:lvl8pPr>
+    <a:lvl9pPr marL="3657600" algn="l" defTabSz="457200" rtl="0" eaLnBrk="1" latinLnBrk="0" hangingPunct="1">
+      <a:defRPr sz="1200" kern="1200">
+        <a:solidFill>
+          <a:schemeClr val="tx1"/>
+        </a:solidFill>
+        <a:latin typeface="+mn-lt"/>
+        <a:ea typeface="+mn-ea"/>
+        <a:cs typeface="+mn-cs"/>
+      </a:defRPr>
+    </a:lvl9pPr>
+  </p:notesStyle>
+</p:notesMaster>
+</file>
+
+<file path=ppt/notesSlides/notesSlide1.xml><?xml version="1.0" encoding="utf-8"?>
+<p:notes xmlns:a="http://schemas.openxmlformats.org/drawingml/2006/main" xmlns:r="http://schemas.openxmlformats.org/officeDocument/2006/relationships" xmlns:mc="http://schemas.openxmlformats.org/markup-compatibility/2006" xmlns:mv="urn:schemas-microsoft-com:mac:vml" xmlns:p="http://schemas.openxmlformats.org/presentationml/2006/main" mc:Ignorable="mv" mc:PreserveAttributes="mv:*">
+  <p:cSld>
+    <p:spTree>
+      <p:nvGrpSpPr>
+        <p:cNvPr id="1" name=""/>
+        <p:cNvGrpSpPr/>
+        <p:nvPr/>
+      </p:nvGrpSpPr>
+      <p:grpSpPr>
+        <a:xfrm>
+          <a:off x="0" y="0"/>
+          <a:ext cx="0" cy="0"/>
+          <a:chOff x="0" y="0"/>
+          <a:chExt cx="0" cy="0"/>
+        </a:xfrm>
+      </p:grpSpPr>
+      <p:sp>
+        <p:nvSpPr>
+          <p:cNvPr id="2" name="Slide Image Placeholder 1"/>
+          <p:cNvSpPr>
+            <a:spLocks noGrp="1" noRot="1" noChangeAspect="1"/>
+          </p:cNvSpPr>
+          <p:nvPr>
+            <p:ph type="sldImg"/>
+          </p:nvPr>
+        </p:nvSpPr>
+        <p:spPr/>
+      </p:sp>
+      <p:sp>
+        <p:nvSpPr>
+          <p:cNvPr id="3" name="Notes Placeholder 2"/>
           <p:cNvSpPr>
             <a:spLocks noGrp="1"/>
+          </p:cNvSpPr>
+          <p:nvPr>
+            <p:ph type="body" idx="1"/>
+          </p:nvPr>
+        </p:nvSpPr>
+        <p:spPr/>
+        <p:txBody>
+          <a:bodyPr>
+            <a:normAutofit/>
+          </a:bodyPr>
+          <a:lstStyle/>
+          <a:p>
+            <a:r>
+              <a:rPr lang="en-US" dirty="0" smtClean="0"/>
+              <a:t>Note that we’d love to work with companies</a:t>
+            </a:r>
+            <a:r>
+              <a:rPr lang="en-US" baseline="0" dirty="0" smtClean="0"/>
+              <a:t> to help them accomplish their goals.</a:t>
+            </a:r>
+            <a:endParaRPr lang="en-US" dirty="0"/>
+          </a:p>
+        </p:txBody>
+      </p:sp>
+      <p:sp>
+        <p:nvSpPr>
+          <p:cNvPr id="4" name="Slide Number Placeholder 3"/>
+          <p:cNvSpPr>
+            <a:spLocks noGrp="1"/>
+          </p:cNvSpPr>
+          <p:nvPr>
+            <p:ph type="sldNum" sz="quarter" idx="10"/>
+          </p:nvPr>
+        </p:nvSpPr>
+        <p:spPr/>
+        <p:txBody>
+          <a:bodyPr/>
+          <a:lstStyle/>
+          <a:p>
+            <a:fld id="{B5F5531F-3E44-EB4B-BD64-F626A713B454}" type="slidenum">
+              <a:rPr lang="en-US" smtClean="0"/>
+              <a:pPr/>
+              <a:t>2</a:t>
+            </a:fld>
+            <a:endParaRPr lang="en-US"/>
+          </a:p>
+        </p:txBody>
+      </p:sp>
+    </p:spTree>
+  </p:cSld>
+  <p:clrMapOvr>
+    <a:masterClrMapping/>
+  </p:clrMapOvr>
+</p:notes>
+</file>
+
+<file path=ppt/notesSlides/notesSlide2.xml><?xml version="1.0" encoding="utf-8"?>
+<p:notes xmlns:a="http://schemas.openxmlformats.org/drawingml/2006/main" xmlns:r="http://schemas.openxmlformats.org/officeDocument/2006/relationships" xmlns:mc="http://schemas.openxmlformats.org/markup-compatibility/2006" xmlns:mv="urn:schemas-microsoft-com:mac:vml" xmlns:p="http://schemas.openxmlformats.org/presentationml/2006/main" mc:Ignorable="mv" mc:PreserveAttributes="mv:*">
+  <p:cSld>
+    <p:spTree>
+      <p:nvGrpSpPr>
+        <p:cNvPr id="1" name=""/>
+        <p:cNvGrpSpPr/>
+        <p:nvPr/>
+      </p:nvGrpSpPr>
+      <p:grpSpPr>
+        <a:xfrm>
+          <a:off x="0" y="0"/>
+          <a:ext cx="0" cy="0"/>
+          <a:chOff x="0" y="0"/>
+          <a:chExt cx="0" cy="0"/>
+        </a:xfrm>
+      </p:grpSpPr>
+      <p:sp>
+        <p:nvSpPr>
+          <p:cNvPr id="2" name="Slide Image Placeholder 1"/>
+          <p:cNvSpPr>
+            <a:spLocks noGrp="1" noRot="1" noChangeAspect="1"/>
+          </p:cNvSpPr>
+          <p:nvPr>
+            <p:ph type="sldImg"/>
+          </p:nvPr>
+        </p:nvSpPr>
+        <p:spPr/>
+      </p:sp>
+      <p:sp>
+        <p:nvSpPr>
+          <p:cNvPr id="3" name="Notes Placeholder 2"/>
+          <p:cNvSpPr>
+            <a:spLocks noGrp="1"/>
+          </p:cNvSpPr>
+          <p:nvPr>
+            <p:ph type="body" idx="1"/>
+          </p:nvPr>
+        </p:nvSpPr>
+        <p:spPr/>
+        <p:txBody>
+          <a:bodyPr>
+            <a:normAutofit/>
+          </a:bodyPr>
+          <a:lstStyle/>
+          <a:p>
+            <a:r>
+              <a:rPr lang="en-US" dirty="0" smtClean="0"/>
+              <a:t>Ask if anyone</a:t>
+            </a:r>
+            <a:r>
+              <a:rPr lang="en-US" baseline="0" dirty="0" smtClean="0"/>
+              <a:t> else can think of something you may need to do when deploying an application.</a:t>
+            </a:r>
+            <a:endParaRPr lang="en-US" dirty="0"/>
+          </a:p>
+        </p:txBody>
+      </p:sp>
+      <p:sp>
+        <p:nvSpPr>
+          <p:cNvPr id="4" name="Slide Number Placeholder 3"/>
+          <p:cNvSpPr>
+            <a:spLocks noGrp="1"/>
+          </p:cNvSpPr>
+          <p:nvPr>
+            <p:ph type="sldNum" sz="quarter" idx="10"/>
+          </p:nvPr>
+        </p:nvSpPr>
+        <p:spPr/>
+        <p:txBody>
+          <a:bodyPr/>
+          <a:lstStyle/>
+          <a:p>
+            <a:fld id="{B5F5531F-3E44-EB4B-BD64-F626A713B454}" type="slidenum">
+              <a:rPr lang="en-US" smtClean="0"/>
+              <a:pPr/>
+              <a:t>3</a:t>
+            </a:fld>
+            <a:endParaRPr lang="en-US"/>
+          </a:p>
+        </p:txBody>
+      </p:sp>
+    </p:spTree>
+  </p:cSld>
+  <p:clrMapOvr>
+    <a:masterClrMapping/>
+  </p:clrMapOvr>
+</p:notes>
+</file>
+
+<file path=ppt/notesSlides/notesSlide3.xml><?xml version="1.0" encoding="utf-8"?>
+<p:notes xmlns:a="http://schemas.openxmlformats.org/drawingml/2006/main" xmlns:r="http://schemas.openxmlformats.org/officeDocument/2006/relationships" xmlns:mc="http://schemas.openxmlformats.org/markup-compatibility/2006" xmlns:mv="urn:schemas-microsoft-com:mac:vml" xmlns:p="http://schemas.openxmlformats.org/presentationml/2006/main" mc:Ignorable="mv" mc:PreserveAttributes="mv:*">
+  <p:cSld>
+    <p:spTree>
+      <p:nvGrpSpPr>
+        <p:cNvPr id="1" name=""/>
+        <p:cNvGrpSpPr/>
+        <p:nvPr/>
+      </p:nvGrpSpPr>
+      <p:grpSpPr>
+        <a:xfrm>
+          <a:off x="0" y="0"/>
+          <a:ext cx="0" cy="0"/>
+          <a:chOff x="0" y="0"/>
+          <a:chExt cx="0" cy="0"/>
+        </a:xfrm>
+      </p:grpSpPr>
+      <p:sp>
+        <p:nvSpPr>
+          <p:cNvPr id="2" name="Slide Image Placeholder 1"/>
+          <p:cNvSpPr>
+            <a:spLocks noGrp="1" noRot="1" noChangeAspect="1"/>
+          </p:cNvSpPr>
+          <p:nvPr>
+            <p:ph type="sldImg"/>
+          </p:nvPr>
+        </p:nvSpPr>
+        <p:spPr/>
+      </p:sp>
+      <p:sp>
+        <p:nvSpPr>
+          <p:cNvPr id="3" name="Notes Placeholder 2"/>
+          <p:cNvSpPr>
+            <a:spLocks noGrp="1"/>
+          </p:cNvSpPr>
+          <p:nvPr>
+            <p:ph type="body" idx="1"/>
+          </p:nvPr>
+        </p:nvSpPr>
+        <p:spPr/>
+        <p:txBody>
+          <a:bodyPr>
+            <a:normAutofit/>
+          </a:bodyPr>
+          <a:lstStyle/>
+          <a:p>
+            <a:r>
+              <a:rPr lang="en-US" dirty="0" smtClean="0"/>
+              <a:t>Ask</a:t>
+            </a:r>
+            <a:r>
+              <a:rPr lang="en-US" baseline="0" dirty="0" smtClean="0"/>
+              <a:t> others what they do?</a:t>
+            </a:r>
+          </a:p>
+          <a:p>
+            <a:endParaRPr lang="en-US" baseline="0" dirty="0" smtClean="0"/>
+          </a:p>
+          <a:p>
+            <a:r>
+              <a:rPr lang="en-US" baseline="0" dirty="0" smtClean="0"/>
+              <a:t>Some people have processes where they take a server offline, or put up a “maintenance” message then update each server, one at a time.</a:t>
+            </a:r>
+          </a:p>
+          <a:p>
+            <a:endParaRPr lang="en-US" baseline="0" dirty="0" smtClean="0"/>
+          </a:p>
+          <a:p>
+            <a:r>
+              <a:rPr lang="en-US" baseline="0" dirty="0" smtClean="0"/>
+              <a:t>Can be a very complex process.</a:t>
+            </a:r>
+            <a:endParaRPr lang="en-US" dirty="0"/>
+          </a:p>
+        </p:txBody>
+      </p:sp>
+      <p:sp>
+        <p:nvSpPr>
+          <p:cNvPr id="4" name="Slide Number Placeholder 3"/>
+          <p:cNvSpPr>
+            <a:spLocks noGrp="1"/>
+          </p:cNvSpPr>
+          <p:nvPr>
+            <p:ph type="sldNum" sz="quarter" idx="10"/>
+          </p:nvPr>
+        </p:nvSpPr>
+        <p:spPr/>
+        <p:txBody>
+          <a:bodyPr/>
+          <a:lstStyle/>
+          <a:p>
+            <a:fld id="{B5F5531F-3E44-EB4B-BD64-F626A713B454}" type="slidenum">
+              <a:rPr lang="en-US" smtClean="0"/>
+              <a:pPr/>
+              <a:t>4</a:t>
+            </a:fld>
+            <a:endParaRPr lang="en-US"/>
+          </a:p>
+        </p:txBody>
+      </p:sp>
+    </p:spTree>
+  </p:cSld>
+  <p:clrMapOvr>
+    <a:masterClrMapping/>
+  </p:clrMapOvr>
+</p:notes>
+</file>
+
+<file path=ppt/notesSlides/notesSlide4.xml><?xml version="1.0" encoding="utf-8"?>
+<p:notes xmlns:a="http://schemas.openxmlformats.org/drawingml/2006/main" xmlns:r="http://schemas.openxmlformats.org/officeDocument/2006/relationships" xmlns:mc="http://schemas.openxmlformats.org/markup-compatibility/2006" xmlns:mv="urn:schemas-microsoft-com:mac:vml" xmlns:p="http://schemas.openxmlformats.org/presentationml/2006/main" mc:Ignorable="mv" mc:PreserveAttributes="mv:*">
+  <p:cSld>
+    <p:spTree>
+      <p:nvGrpSpPr>
+        <p:cNvPr id="1" name=""/>
+        <p:cNvGrpSpPr/>
+        <p:nvPr/>
+      </p:nvGrpSpPr>
+      <p:grpSpPr>
+        <a:xfrm>
+          <a:off x="0" y="0"/>
+          <a:ext cx="0" cy="0"/>
+          <a:chOff x="0" y="0"/>
+          <a:chExt cx="0" cy="0"/>
+        </a:xfrm>
+      </p:grpSpPr>
+      <p:sp>
+        <p:nvSpPr>
+          <p:cNvPr id="2" name="Slide Image Placeholder 1"/>
+          <p:cNvSpPr>
+            <a:spLocks noGrp="1" noRot="1" noChangeAspect="1"/>
+          </p:cNvSpPr>
+          <p:nvPr>
+            <p:ph type="sldImg"/>
+          </p:nvPr>
+        </p:nvSpPr>
+        <p:spPr/>
+      </p:sp>
+      <p:sp>
+        <p:nvSpPr>
+          <p:cNvPr id="3" name="Notes Placeholder 2"/>
+          <p:cNvSpPr>
+            <a:spLocks noGrp="1"/>
+          </p:cNvSpPr>
+          <p:nvPr>
+            <p:ph type="body" idx="1"/>
+          </p:nvPr>
+        </p:nvSpPr>
+        <p:spPr/>
+        <p:txBody>
+          <a:bodyPr>
+            <a:normAutofit lnSpcReduction="10000"/>
+          </a:bodyPr>
+          <a:lstStyle/>
+          <a:p>
+            <a:r>
+              <a:rPr lang="en-US" dirty="0" smtClean="0"/>
+              <a:t>At this point, my “customer” will yell out to me that he needs the title changed on his site.</a:t>
+            </a:r>
+          </a:p>
+          <a:p>
+            <a:endParaRPr lang="en-US" dirty="0" smtClean="0"/>
+          </a:p>
+          <a:p>
+            <a:r>
+              <a:rPr lang="en-US" dirty="0" smtClean="0"/>
+              <a:t>show the example application locally</a:t>
+            </a:r>
+            <a:endParaRPr lang="en-US" baseline="0" dirty="0" smtClean="0"/>
+          </a:p>
+          <a:p>
+            <a:endParaRPr lang="en-US" baseline="0" dirty="0" smtClean="0"/>
+          </a:p>
+          <a:p>
+            <a:r>
+              <a:rPr lang="en-US" baseline="0" dirty="0" smtClean="0"/>
+              <a:t>change the title.</a:t>
+            </a:r>
+          </a:p>
+          <a:p>
+            <a:endParaRPr lang="en-US" baseline="0" dirty="0" smtClean="0"/>
+          </a:p>
+          <a:p>
+            <a:r>
+              <a:rPr lang="en-US" dirty="0" smtClean="0"/>
+              <a:t>Commit</a:t>
+            </a:r>
+            <a:r>
+              <a:rPr lang="en-US" baseline="0" dirty="0" smtClean="0"/>
+              <a:t> to SVN</a:t>
+            </a:r>
+          </a:p>
+          <a:p>
+            <a:endParaRPr lang="en-US" baseline="0" dirty="0" smtClean="0"/>
+          </a:p>
+          <a:p>
+            <a:r>
+              <a:rPr lang="en-US" baseline="0" dirty="0" smtClean="0"/>
+              <a:t>Export from </a:t>
+            </a:r>
+            <a:r>
+              <a:rPr lang="en-US" baseline="0" dirty="0" err="1" smtClean="0"/>
+              <a:t>svn</a:t>
+            </a:r>
+            <a:endParaRPr lang="en-US" baseline="0" dirty="0" smtClean="0"/>
+          </a:p>
+          <a:p>
+            <a:endParaRPr lang="en-US" baseline="0" dirty="0" smtClean="0"/>
+          </a:p>
+          <a:p>
+            <a:r>
+              <a:rPr lang="en-US" baseline="0" dirty="0" smtClean="0"/>
+              <a:t>FTP to server</a:t>
+            </a:r>
+          </a:p>
+          <a:p>
+            <a:endParaRPr lang="en-US" baseline="0" dirty="0" smtClean="0"/>
+          </a:p>
+          <a:p>
+            <a:r>
+              <a:rPr lang="en-US" baseline="0" dirty="0" smtClean="0"/>
+              <a:t>Show the public website…</a:t>
+            </a:r>
+          </a:p>
+          <a:p>
+            <a:endParaRPr lang="en-US" baseline="0" dirty="0" smtClean="0"/>
+          </a:p>
+          <a:p>
+            <a:r>
+              <a:rPr lang="en-US" baseline="0" dirty="0" smtClean="0"/>
+              <a:t>Oh no an error!  (Talk about how this problem is very common)</a:t>
+            </a:r>
+          </a:p>
+          <a:p>
+            <a:endParaRPr lang="en-US" baseline="0" dirty="0" smtClean="0"/>
+          </a:p>
+          <a:p>
+            <a:r>
+              <a:rPr lang="en-US" baseline="0" dirty="0" smtClean="0"/>
+              <a:t>Edit the exported app’s </a:t>
+            </a:r>
+            <a:r>
+              <a:rPr lang="en-US" baseline="0" dirty="0" err="1" smtClean="0"/>
+              <a:t>datasource</a:t>
+            </a:r>
+            <a:r>
+              <a:rPr lang="en-US" baseline="0" dirty="0" smtClean="0"/>
+              <a:t> configuration (cfu09ant.com) and republish</a:t>
+            </a:r>
+          </a:p>
+          <a:p>
+            <a:endParaRPr lang="en-US" baseline="0" dirty="0" smtClean="0"/>
+          </a:p>
+          <a:p>
+            <a:r>
+              <a:rPr lang="en-US" baseline="0" dirty="0" smtClean="0"/>
+              <a:t>If I screw up talk about how easy this is to </a:t>
+            </a:r>
+            <a:r>
+              <a:rPr lang="en-US" baseline="0" smtClean="0"/>
+              <a:t>screw up</a:t>
+            </a:r>
+            <a:endParaRPr lang="en-US" baseline="0" dirty="0" smtClean="0"/>
+          </a:p>
+        </p:txBody>
+      </p:sp>
+      <p:sp>
+        <p:nvSpPr>
+          <p:cNvPr id="4" name="Slide Number Placeholder 3"/>
+          <p:cNvSpPr>
+            <a:spLocks noGrp="1"/>
+          </p:cNvSpPr>
+          <p:nvPr>
+            <p:ph type="sldNum" sz="quarter" idx="10"/>
+          </p:nvPr>
+        </p:nvSpPr>
+        <p:spPr/>
+        <p:txBody>
+          <a:bodyPr/>
+          <a:lstStyle/>
+          <a:p>
+            <a:fld id="{B5F5531F-3E44-EB4B-BD64-F626A713B454}" type="slidenum">
+              <a:rPr lang="en-US" smtClean="0"/>
+              <a:pPr/>
+              <a:t>5</a:t>
+            </a:fld>
+            <a:endParaRPr lang="en-US"/>
+          </a:p>
+        </p:txBody>
+      </p:sp>
+    </p:spTree>
+  </p:cSld>
+  <p:clrMapOvr>
+    <a:masterClrMapping/>
+  </p:clrMapOvr>
+</p:notes>
+</file>
+
+<file path=ppt/slideLayouts/slideLayout1.xml><?xml version="1.0" encoding="utf-8"?>
+<p:sldLayout xmlns:a="http://schemas.openxmlformats.org/drawingml/2006/main" xmlns:r="http://schemas.openxmlformats.org/officeDocument/2006/relationships" xmlns:mc="http://schemas.openxmlformats.org/markup-compatibility/2006" xmlns:mv="urn:schemas-microsoft-com:mac:vml" xmlns:p="http://schemas.openxmlformats.org/presentationml/2006/main" mc:Ignorable="mv" mc:PreserveAttributes="mv:*" showMasterSp="0" type="title" preserve="1">
+  <p:cSld name="Title Slide">
+    <p:bg>
+      <p:bgPr>
+        <a:blipFill dpi="0" rotWithShape="0">
+          <a:blip r:embed="rId2"/>
+          <a:srcRect/>
+          <a:stretch>
+            <a:fillRect/>
+          </a:stretch>
+        </a:blipFill>
+        <a:effectLst/>
+      </p:bgPr>
+    </p:bg>
+    <p:spTree>
+      <p:nvGrpSpPr>
+        <p:cNvPr id="1" name=""/>
+        <p:cNvGrpSpPr/>
+        <p:nvPr/>
+      </p:nvGrpSpPr>
+      <p:grpSpPr>
+        <a:xfrm>
+          <a:off x="0" y="0"/>
+          <a:ext cx="0" cy="0"/>
+          <a:chOff x="0" y="0"/>
+          <a:chExt cx="0" cy="0"/>
+        </a:xfrm>
+      </p:grpSpPr>
+      <p:sp>
+        <p:nvSpPr>
+          <p:cNvPr id="6147" name="Rectangle 3"/>
+          <p:cNvSpPr>
+            <a:spLocks noGrp="1" noChangeArrowheads="1"/>
           </p:cNvSpPr>
           <p:nvPr>
             <p:ph type="ctrTitle"/>
@@ -138,27 +1093,42 @@
         </p:nvSpPr>
         <p:spPr>
           <a:xfrm>
-            <a:off x="685800" y="2130425"/>
-            <a:ext cx="7772400" cy="1470025"/>
+            <a:off x="1524000" y="2209800"/>
+            <a:ext cx="6019800" cy="2057400"/>
           </a:xfrm>
+          <a:effectLst>
+            <a:outerShdw blurRad="63500" dist="38099" dir="2700000" algn="ctr" rotWithShape="0">
+              <a:schemeClr val="bg2">
+                <a:alpha val="74998"/>
+              </a:schemeClr>
+            </a:outerShdw>
+          </a:effectLst>
         </p:spPr>
         <p:txBody>
           <a:bodyPr/>
-          <a:lstStyle/>
-          <a:p>
-            <a:r>
-              <a:rPr lang="en-US" smtClean="0"/>
-              <a:t>Click to edit Master title style</a:t>
-            </a:r>
-            <a:endParaRPr lang="en-US"/>
-          </a:p>
-        </p:txBody>
-      </p:sp>
-      <p:sp>
-        <p:nvSpPr>
-          <p:cNvPr id="3" name="Subtitle 2"/>
-          <p:cNvSpPr>
-            <a:spLocks noGrp="1"/>
+          <a:lstStyle>
+            <a:lvl1pPr algn="ctr">
+              <a:defRPr sz="3600">
+                <a:solidFill>
+                  <a:schemeClr val="bg1"/>
+                </a:solidFill>
+                <a:effectLst/>
+              </a:defRPr>
+            </a:lvl1pPr>
+          </a:lstStyle>
+          <a:p>
+            <a:r>
+              <a:rPr lang="en-US"/>
+              <a:t>Title of presentation</a:t>
+            </a:r>
+          </a:p>
+        </p:txBody>
+      </p:sp>
+      <p:sp>
+        <p:nvSpPr>
+          <p:cNvPr id="6148" name="Rectangle 4"/>
+          <p:cNvSpPr>
+            <a:spLocks noGrp="1" noChangeArrowheads="1"/>
           </p:cNvSpPr>
           <p:nvPr>
             <p:ph type="subTitle" idx="1"/>
@@ -166,175 +1136,119 @@
         </p:nvSpPr>
         <p:spPr>
           <a:xfrm>
-            <a:off x="1371600" y="3886200"/>
-            <a:ext cx="6400800" cy="1752600"/>
+            <a:off x="1524000" y="4495800"/>
+            <a:ext cx="6096000" cy="990600"/>
           </a:xfrm>
         </p:spPr>
         <p:txBody>
           <a:bodyPr/>
           <a:lstStyle>
             <a:lvl1pPr marL="0" indent="0" algn="ctr">
-              <a:buNone/>
-              <a:defRPr>
+              <a:buFont typeface="Wingdings" pitchFamily="-65" charset="2"/>
+              <a:buNone/>
+              <a:defRPr sz="2400">
                 <a:solidFill>
-                  <a:schemeClr val="tx1">
-                    <a:tint val="75000"/>
-                  </a:schemeClr>
+                  <a:srgbClr val="66CCFF"/>
                 </a:solidFill>
               </a:defRPr>
             </a:lvl1pPr>
-            <a:lvl2pPr marL="457200" indent="0" algn="ctr">
-              <a:buNone/>
-              <a:defRPr>
-                <a:solidFill>
-                  <a:schemeClr val="tx1">
-                    <a:tint val="75000"/>
-                  </a:schemeClr>
-                </a:solidFill>
-              </a:defRPr>
-            </a:lvl2pPr>
-            <a:lvl3pPr marL="914400" indent="0" algn="ctr">
-              <a:buNone/>
-              <a:defRPr>
-                <a:solidFill>
-                  <a:schemeClr val="tx1">
-                    <a:tint val="75000"/>
-                  </a:schemeClr>
-                </a:solidFill>
-              </a:defRPr>
-            </a:lvl3pPr>
-            <a:lvl4pPr marL="1371600" indent="0" algn="ctr">
-              <a:buNone/>
-              <a:defRPr>
-                <a:solidFill>
-                  <a:schemeClr val="tx1">
-                    <a:tint val="75000"/>
-                  </a:schemeClr>
-                </a:solidFill>
-              </a:defRPr>
-            </a:lvl4pPr>
-            <a:lvl5pPr marL="1828800" indent="0" algn="ctr">
-              <a:buNone/>
-              <a:defRPr>
-                <a:solidFill>
-                  <a:schemeClr val="tx1">
-                    <a:tint val="75000"/>
-                  </a:schemeClr>
-                </a:solidFill>
-              </a:defRPr>
-            </a:lvl5pPr>
-            <a:lvl6pPr marL="2286000" indent="0" algn="ctr">
-              <a:buNone/>
-              <a:defRPr>
-                <a:solidFill>
-                  <a:schemeClr val="tx1">
-                    <a:tint val="75000"/>
-                  </a:schemeClr>
-                </a:solidFill>
-              </a:defRPr>
-            </a:lvl6pPr>
-            <a:lvl7pPr marL="2743200" indent="0" algn="ctr">
-              <a:buNone/>
-              <a:defRPr>
-                <a:solidFill>
-                  <a:schemeClr val="tx1">
-                    <a:tint val="75000"/>
-                  </a:schemeClr>
-                </a:solidFill>
-              </a:defRPr>
-            </a:lvl7pPr>
-            <a:lvl8pPr marL="3200400" indent="0" algn="ctr">
-              <a:buNone/>
-              <a:defRPr>
-                <a:solidFill>
-                  <a:schemeClr val="tx1">
-                    <a:tint val="75000"/>
-                  </a:schemeClr>
-                </a:solidFill>
-              </a:defRPr>
-            </a:lvl8pPr>
-            <a:lvl9pPr marL="3657600" indent="0" algn="ctr">
-              <a:buNone/>
-              <a:defRPr>
-                <a:solidFill>
-                  <a:schemeClr val="tx1">
-                    <a:tint val="75000"/>
-                  </a:schemeClr>
-                </a:solidFill>
-              </a:defRPr>
-            </a:lvl9pPr>
           </a:lstStyle>
           <a:p>
             <a:r>
-              <a:rPr lang="en-US" smtClean="0"/>
-              <a:t>Click to edit Master subtitle style</a:t>
-            </a:r>
+              <a:rPr lang="en-US"/>
+              <a:t>Name of presenter</a:t>
+            </a:r>
+          </a:p>
+        </p:txBody>
+      </p:sp>
+      <p:sp>
+        <p:nvSpPr>
+          <p:cNvPr id="6154" name="Text Box 10"/>
+          <p:cNvSpPr txBox="1">
+            <a:spLocks noChangeArrowheads="1"/>
+          </p:cNvSpPr>
+          <p:nvPr userDrawn="1"/>
+        </p:nvSpPr>
+        <p:spPr bwMode="auto">
+          <a:xfrm>
+            <a:off x="685800" y="6553200"/>
+            <a:ext cx="7924800" cy="457200"/>
+          </a:xfrm>
+          <a:prstGeom prst="rect">
+            <a:avLst/>
+          </a:prstGeom>
+          <a:noFill/>
+          <a:ln w="9525">
+            <a:noFill/>
+            <a:miter lim="800000"/>
+            <a:headEnd/>
+            <a:tailEnd/>
+          </a:ln>
+          <a:effectLst/>
+        </p:spPr>
+        <p:txBody>
+          <a:bodyPr>
+            <a:prstTxWarp prst="textNoShape">
+              <a:avLst/>
+            </a:prstTxWarp>
+            <a:spAutoFit/>
+          </a:bodyPr>
+          <a:lstStyle/>
+          <a:p>
+            <a:pPr>
+              <a:spcBef>
+                <a:spcPct val="50000"/>
+              </a:spcBef>
+            </a:pPr>
             <a:endParaRPr lang="en-US"/>
           </a:p>
         </p:txBody>
       </p:sp>
       <p:sp>
         <p:nvSpPr>
-          <p:cNvPr id="4" name="Date Placeholder 3"/>
-          <p:cNvSpPr>
-            <a:spLocks noGrp="1"/>
-          </p:cNvSpPr>
-          <p:nvPr>
-            <p:ph type="dt" sz="half" idx="10"/>
-          </p:nvPr>
-        </p:nvSpPr>
-        <p:spPr/>
-        <p:txBody>
-          <a:bodyPr/>
+          <p:cNvPr id="6157" name="Text Box 13"/>
+          <p:cNvSpPr txBox="1">
+            <a:spLocks noChangeArrowheads="1"/>
+          </p:cNvSpPr>
+          <p:nvPr userDrawn="1"/>
+        </p:nvSpPr>
+        <p:spPr bwMode="auto">
+          <a:xfrm>
+            <a:off x="1447800" y="6400800"/>
+            <a:ext cx="1676400" cy="274638"/>
+          </a:xfrm>
+          <a:prstGeom prst="rect">
+            <a:avLst/>
+          </a:prstGeom>
+          <a:noFill/>
+          <a:ln w="9525">
+            <a:noFill/>
+            <a:miter lim="800000"/>
+            <a:headEnd/>
+            <a:tailEnd/>
+          </a:ln>
+          <a:effectLst/>
+        </p:spPr>
+        <p:txBody>
+          <a:bodyPr>
+            <a:prstTxWarp prst="textNoShape">
+              <a:avLst/>
+            </a:prstTxWarp>
+            <a:spAutoFit/>
+          </a:bodyPr>
           <a:lstStyle/>
           <a:p>
-            <a:fld id="{7169D307-61E4-9046-BCEE-719766925D1B}" type="datetimeFigureOut">
-              <a:rPr lang="en-US" smtClean="0"/>
-              <a:t>7/13/09</a:t>
-            </a:fld>
-            <a:endParaRPr lang="en-US"/>
-          </a:p>
-        </p:txBody>
-      </p:sp>
-      <p:sp>
-        <p:nvSpPr>
-          <p:cNvPr id="5" name="Footer Placeholder 4"/>
-          <p:cNvSpPr>
-            <a:spLocks noGrp="1"/>
-          </p:cNvSpPr>
-          <p:nvPr>
-            <p:ph type="ftr" sz="quarter" idx="11"/>
-          </p:nvPr>
-        </p:nvSpPr>
-        <p:spPr/>
-        <p:txBody>
-          <a:bodyPr/>
-          <a:lstStyle/>
-          <a:p>
-            <a:endParaRPr lang="en-US"/>
-          </a:p>
-        </p:txBody>
-      </p:sp>
-      <p:sp>
-        <p:nvSpPr>
-          <p:cNvPr id="6" name="Slide Number Placeholder 5"/>
-          <p:cNvSpPr>
-            <a:spLocks noGrp="1"/>
-          </p:cNvSpPr>
-          <p:nvPr>
-            <p:ph type="sldNum" sz="quarter" idx="12"/>
-          </p:nvPr>
-        </p:nvSpPr>
-        <p:spPr/>
-        <p:txBody>
-          <a:bodyPr/>
-          <a:lstStyle/>
-          <a:p>
-            <a:fld id="{F8A761FF-F95E-E047-8059-791826DE26EF}" type="slidenum">
-              <a:rPr lang="en-US" smtClean="0"/>
-              <a:t>‹#›</a:t>
-            </a:fld>
-            <a:endParaRPr lang="en-US"/>
+            <a:pPr>
+              <a:spcBef>
+                <a:spcPct val="50000"/>
+              </a:spcBef>
+            </a:pPr>
+            <a:r>
+              <a:rPr lang="en-US" sz="1200" b="1">
+                <a:latin typeface="Arial" pitchFamily="-65" charset="0"/>
+              </a:rPr>
+              <a:t>www.cfunited.com</a:t>
+            </a:r>
           </a:p>
         </p:txBody>
       </p:sp>
@@ -438,71 +1352,6 @@
           </a:p>
         </p:txBody>
       </p:sp>
-      <p:sp>
-        <p:nvSpPr>
-          <p:cNvPr id="4" name="Date Placeholder 3"/>
-          <p:cNvSpPr>
-            <a:spLocks noGrp="1"/>
-          </p:cNvSpPr>
-          <p:nvPr>
-            <p:ph type="dt" sz="half" idx="10"/>
-          </p:nvPr>
-        </p:nvSpPr>
-        <p:spPr/>
-        <p:txBody>
-          <a:bodyPr/>
-          <a:lstStyle/>
-          <a:p>
-            <a:fld id="{7169D307-61E4-9046-BCEE-719766925D1B}" type="datetimeFigureOut">
-              <a:rPr lang="en-US" smtClean="0"/>
-              <a:t>7/13/09</a:t>
-            </a:fld>
-            <a:endParaRPr lang="en-US"/>
-          </a:p>
-        </p:txBody>
-      </p:sp>
-      <p:sp>
-        <p:nvSpPr>
-          <p:cNvPr id="5" name="Footer Placeholder 4"/>
-          <p:cNvSpPr>
-            <a:spLocks noGrp="1"/>
-          </p:cNvSpPr>
-          <p:nvPr>
-            <p:ph type="ftr" sz="quarter" idx="11"/>
-          </p:nvPr>
-        </p:nvSpPr>
-        <p:spPr/>
-        <p:txBody>
-          <a:bodyPr/>
-          <a:lstStyle/>
-          <a:p>
-            <a:endParaRPr lang="en-US"/>
-          </a:p>
-        </p:txBody>
-      </p:sp>
-      <p:sp>
-        <p:nvSpPr>
-          <p:cNvPr id="6" name="Slide Number Placeholder 5"/>
-          <p:cNvSpPr>
-            <a:spLocks noGrp="1"/>
-          </p:cNvSpPr>
-          <p:nvPr>
-            <p:ph type="sldNum" sz="quarter" idx="12"/>
-          </p:nvPr>
-        </p:nvSpPr>
-        <p:spPr/>
-        <p:txBody>
-          <a:bodyPr/>
-          <a:lstStyle/>
-          <a:p>
-            <a:fld id="{F8A761FF-F95E-E047-8059-791826DE26EF}" type="slidenum">
-              <a:rPr lang="en-US" smtClean="0"/>
-              <a:t>‹#›</a:t>
-            </a:fld>
-            <a:endParaRPr lang="en-US"/>
-          </a:p>
-        </p:txBody>
-      </p:sp>
     </p:spTree>
   </p:cSld>
   <p:clrMapOvr>
@@ -540,8 +1389,8 @@
         </p:nvSpPr>
         <p:spPr>
           <a:xfrm>
-            <a:off x="6629400" y="274638"/>
-            <a:ext cx="2057400" cy="5851525"/>
+            <a:off x="6781800" y="381000"/>
+            <a:ext cx="2133600" cy="5791200"/>
           </a:xfrm>
         </p:spPr>
         <p:txBody>
@@ -568,8 +1417,8 @@
         </p:nvSpPr>
         <p:spPr>
           <a:xfrm>
-            <a:off x="457200" y="274638"/>
-            <a:ext cx="6019800" cy="5851525"/>
+            <a:off x="381000" y="381000"/>
+            <a:ext cx="6248400" cy="5791200"/>
           </a:xfrm>
         </p:spPr>
         <p:txBody>
@@ -609,71 +1458,6 @@
               <a:rPr lang="en-US" smtClean="0"/>
               <a:t>Fifth level</a:t>
             </a:r>
-            <a:endParaRPr lang="en-US"/>
-          </a:p>
-        </p:txBody>
-      </p:sp>
-      <p:sp>
-        <p:nvSpPr>
-          <p:cNvPr id="4" name="Date Placeholder 3"/>
-          <p:cNvSpPr>
-            <a:spLocks noGrp="1"/>
-          </p:cNvSpPr>
-          <p:nvPr>
-            <p:ph type="dt" sz="half" idx="10"/>
-          </p:nvPr>
-        </p:nvSpPr>
-        <p:spPr/>
-        <p:txBody>
-          <a:bodyPr/>
-          <a:lstStyle/>
-          <a:p>
-            <a:fld id="{7169D307-61E4-9046-BCEE-719766925D1B}" type="datetimeFigureOut">
-              <a:rPr lang="en-US" smtClean="0"/>
-              <a:t>7/13/09</a:t>
-            </a:fld>
-            <a:endParaRPr lang="en-US"/>
-          </a:p>
-        </p:txBody>
-      </p:sp>
-      <p:sp>
-        <p:nvSpPr>
-          <p:cNvPr id="5" name="Footer Placeholder 4"/>
-          <p:cNvSpPr>
-            <a:spLocks noGrp="1"/>
-          </p:cNvSpPr>
-          <p:nvPr>
-            <p:ph type="ftr" sz="quarter" idx="11"/>
-          </p:nvPr>
-        </p:nvSpPr>
-        <p:spPr/>
-        <p:txBody>
-          <a:bodyPr/>
-          <a:lstStyle/>
-          <a:p>
-            <a:endParaRPr lang="en-US"/>
-          </a:p>
-        </p:txBody>
-      </p:sp>
-      <p:sp>
-        <p:nvSpPr>
-          <p:cNvPr id="6" name="Slide Number Placeholder 5"/>
-          <p:cNvSpPr>
-            <a:spLocks noGrp="1"/>
-          </p:cNvSpPr>
-          <p:nvPr>
-            <p:ph type="sldNum" sz="quarter" idx="12"/>
-          </p:nvPr>
-        </p:nvSpPr>
-        <p:spPr/>
-        <p:txBody>
-          <a:bodyPr/>
-          <a:lstStyle/>
-          <a:p>
-            <a:fld id="{F8A761FF-F95E-E047-8059-791826DE26EF}" type="slidenum">
-              <a:rPr lang="en-US" smtClean="0"/>
-              <a:t>‹#›</a:t>
-            </a:fld>
             <a:endParaRPr lang="en-US"/>
           </a:p>
         </p:txBody>
@@ -778,71 +1562,6 @@
           </a:p>
         </p:txBody>
       </p:sp>
-      <p:sp>
-        <p:nvSpPr>
-          <p:cNvPr id="4" name="Date Placeholder 3"/>
-          <p:cNvSpPr>
-            <a:spLocks noGrp="1"/>
-          </p:cNvSpPr>
-          <p:nvPr>
-            <p:ph type="dt" sz="half" idx="10"/>
-          </p:nvPr>
-        </p:nvSpPr>
-        <p:spPr/>
-        <p:txBody>
-          <a:bodyPr/>
-          <a:lstStyle/>
-          <a:p>
-            <a:fld id="{7169D307-61E4-9046-BCEE-719766925D1B}" type="datetimeFigureOut">
-              <a:rPr lang="en-US" smtClean="0"/>
-              <a:t>7/13/09</a:t>
-            </a:fld>
-            <a:endParaRPr lang="en-US"/>
-          </a:p>
-        </p:txBody>
-      </p:sp>
-      <p:sp>
-        <p:nvSpPr>
-          <p:cNvPr id="5" name="Footer Placeholder 4"/>
-          <p:cNvSpPr>
-            <a:spLocks noGrp="1"/>
-          </p:cNvSpPr>
-          <p:nvPr>
-            <p:ph type="ftr" sz="quarter" idx="11"/>
-          </p:nvPr>
-        </p:nvSpPr>
-        <p:spPr/>
-        <p:txBody>
-          <a:bodyPr/>
-          <a:lstStyle/>
-          <a:p>
-            <a:endParaRPr lang="en-US"/>
-          </a:p>
-        </p:txBody>
-      </p:sp>
-      <p:sp>
-        <p:nvSpPr>
-          <p:cNvPr id="6" name="Slide Number Placeholder 5"/>
-          <p:cNvSpPr>
-            <a:spLocks noGrp="1"/>
-          </p:cNvSpPr>
-          <p:nvPr>
-            <p:ph type="sldNum" sz="quarter" idx="12"/>
-          </p:nvPr>
-        </p:nvSpPr>
-        <p:spPr/>
-        <p:txBody>
-          <a:bodyPr/>
-          <a:lstStyle/>
-          <a:p>
-            <a:fld id="{F8A761FF-F95E-E047-8059-791826DE26EF}" type="slidenum">
-              <a:rPr lang="en-US" smtClean="0"/>
-              <a:t>‹#›</a:t>
-            </a:fld>
-            <a:endParaRPr lang="en-US"/>
-          </a:p>
-        </p:txBody>
-      </p:sp>
     </p:spTree>
   </p:cSld>
   <p:clrMapOvr>
@@ -921,93 +1640,39 @@
           <a:lstStyle>
             <a:lvl1pPr marL="0" indent="0">
               <a:buNone/>
-              <a:defRPr sz="2000">
-                <a:solidFill>
-                  <a:schemeClr val="tx1">
-                    <a:tint val="75000"/>
-                  </a:schemeClr>
-                </a:solidFill>
-              </a:defRPr>
+              <a:defRPr sz="2000"/>
             </a:lvl1pPr>
             <a:lvl2pPr marL="457200" indent="0">
               <a:buNone/>
-              <a:defRPr sz="1800">
-                <a:solidFill>
-                  <a:schemeClr val="tx1">
-                    <a:tint val="75000"/>
-                  </a:schemeClr>
-                </a:solidFill>
-              </a:defRPr>
+              <a:defRPr sz="1800"/>
             </a:lvl2pPr>
             <a:lvl3pPr marL="914400" indent="0">
               <a:buNone/>
-              <a:defRPr sz="1600">
-                <a:solidFill>
-                  <a:schemeClr val="tx1">
-                    <a:tint val="75000"/>
-                  </a:schemeClr>
-                </a:solidFill>
-              </a:defRPr>
+              <a:defRPr sz="1600"/>
             </a:lvl3pPr>
             <a:lvl4pPr marL="1371600" indent="0">
               <a:buNone/>
-              <a:defRPr sz="1400">
-                <a:solidFill>
-                  <a:schemeClr val="tx1">
-                    <a:tint val="75000"/>
-                  </a:schemeClr>
-                </a:solidFill>
-              </a:defRPr>
+              <a:defRPr sz="1400"/>
             </a:lvl4pPr>
             <a:lvl5pPr marL="1828800" indent="0">
               <a:buNone/>
-              <a:defRPr sz="1400">
-                <a:solidFill>
-                  <a:schemeClr val="tx1">
-                    <a:tint val="75000"/>
-                  </a:schemeClr>
-                </a:solidFill>
-              </a:defRPr>
+              <a:defRPr sz="1400"/>
             </a:lvl5pPr>
             <a:lvl6pPr marL="2286000" indent="0">
               <a:buNone/>
-              <a:defRPr sz="1400">
-                <a:solidFill>
-                  <a:schemeClr val="tx1">
-                    <a:tint val="75000"/>
-                  </a:schemeClr>
-                </a:solidFill>
-              </a:defRPr>
+              <a:defRPr sz="1400"/>
             </a:lvl6pPr>
             <a:lvl7pPr marL="2743200" indent="0">
               <a:buNone/>
-              <a:defRPr sz="1400">
-                <a:solidFill>
-                  <a:schemeClr val="tx1">
-                    <a:tint val="75000"/>
-                  </a:schemeClr>
-                </a:solidFill>
-              </a:defRPr>
+              <a:defRPr sz="1400"/>
             </a:lvl7pPr>
             <a:lvl8pPr marL="3200400" indent="0">
               <a:buNone/>
-              <a:defRPr sz="1400">
-                <a:solidFill>
-                  <a:schemeClr val="tx1">
-                    <a:tint val="75000"/>
-                  </a:schemeClr>
-                </a:solidFill>
-              </a:defRPr>
+              <a:defRPr sz="1400"/>
             </a:lvl8pPr>
             <a:lvl9pPr marL="3657600" indent="0">
               <a:buNone/>
-              <a:defRPr sz="1400">
-                <a:solidFill>
-                  <a:schemeClr val="tx1">
-                    <a:tint val="75000"/>
-                  </a:schemeClr>
-                </a:solidFill>
-              </a:defRPr>
+              <a:defRPr sz="1400"/>
             </a:lvl9pPr>
           </a:lstStyle>
           <a:p>
@@ -1016,71 +1681,6 @@
               <a:rPr lang="en-US" smtClean="0"/>
               <a:t>Click to edit Master text styles</a:t>
             </a:r>
-          </a:p>
-        </p:txBody>
-      </p:sp>
-      <p:sp>
-        <p:nvSpPr>
-          <p:cNvPr id="4" name="Date Placeholder 3"/>
-          <p:cNvSpPr>
-            <a:spLocks noGrp="1"/>
-          </p:cNvSpPr>
-          <p:nvPr>
-            <p:ph type="dt" sz="half" idx="10"/>
-          </p:nvPr>
-        </p:nvSpPr>
-        <p:spPr/>
-        <p:txBody>
-          <a:bodyPr/>
-          <a:lstStyle/>
-          <a:p>
-            <a:fld id="{7169D307-61E4-9046-BCEE-719766925D1B}" type="datetimeFigureOut">
-              <a:rPr lang="en-US" smtClean="0"/>
-              <a:t>7/13/09</a:t>
-            </a:fld>
-            <a:endParaRPr lang="en-US"/>
-          </a:p>
-        </p:txBody>
-      </p:sp>
-      <p:sp>
-        <p:nvSpPr>
-          <p:cNvPr id="5" name="Footer Placeholder 4"/>
-          <p:cNvSpPr>
-            <a:spLocks noGrp="1"/>
-          </p:cNvSpPr>
-          <p:nvPr>
-            <p:ph type="ftr" sz="quarter" idx="11"/>
-          </p:nvPr>
-        </p:nvSpPr>
-        <p:spPr/>
-        <p:txBody>
-          <a:bodyPr/>
-          <a:lstStyle/>
-          <a:p>
-            <a:endParaRPr lang="en-US"/>
-          </a:p>
-        </p:txBody>
-      </p:sp>
-      <p:sp>
-        <p:nvSpPr>
-          <p:cNvPr id="6" name="Slide Number Placeholder 5"/>
-          <p:cNvSpPr>
-            <a:spLocks noGrp="1"/>
-          </p:cNvSpPr>
-          <p:nvPr>
-            <p:ph type="sldNum" sz="quarter" idx="12"/>
-          </p:nvPr>
-        </p:nvSpPr>
-        <p:spPr/>
-        <p:txBody>
-          <a:bodyPr/>
-          <a:lstStyle/>
-          <a:p>
-            <a:fld id="{F8A761FF-F95E-E047-8059-791826DE26EF}" type="slidenum">
-              <a:rPr lang="en-US" smtClean="0"/>
-              <a:t>‹#›</a:t>
-            </a:fld>
-            <a:endParaRPr lang="en-US"/>
           </a:p>
         </p:txBody>
       </p:sp>
@@ -1144,8 +1744,8 @@
         </p:nvSpPr>
         <p:spPr>
           <a:xfrm>
-            <a:off x="457200" y="1600200"/>
-            <a:ext cx="4038600" cy="4525963"/>
+            <a:off x="533400" y="1676400"/>
+            <a:ext cx="3962400" cy="4495800"/>
           </a:xfrm>
         </p:spPr>
         <p:txBody>
@@ -1229,8 +1829,8 @@
         </p:nvSpPr>
         <p:spPr>
           <a:xfrm>
-            <a:off x="4648200" y="1600200"/>
-            <a:ext cx="4038600" cy="4525963"/>
+            <a:off x="4648200" y="1676400"/>
+            <a:ext cx="3962400" cy="4495800"/>
           </a:xfrm>
         </p:spPr>
         <p:txBody>
@@ -1302,71 +1902,6 @@
           </a:p>
         </p:txBody>
       </p:sp>
-      <p:sp>
-        <p:nvSpPr>
-          <p:cNvPr id="5" name="Date Placeholder 4"/>
-          <p:cNvSpPr>
-            <a:spLocks noGrp="1"/>
-          </p:cNvSpPr>
-          <p:nvPr>
-            <p:ph type="dt" sz="half" idx="10"/>
-          </p:nvPr>
-        </p:nvSpPr>
-        <p:spPr/>
-        <p:txBody>
-          <a:bodyPr/>
-          <a:lstStyle/>
-          <a:p>
-            <a:fld id="{7169D307-61E4-9046-BCEE-719766925D1B}" type="datetimeFigureOut">
-              <a:rPr lang="en-US" smtClean="0"/>
-              <a:t>7/13/09</a:t>
-            </a:fld>
-            <a:endParaRPr lang="en-US"/>
-          </a:p>
-        </p:txBody>
-      </p:sp>
-      <p:sp>
-        <p:nvSpPr>
-          <p:cNvPr id="6" name="Footer Placeholder 5"/>
-          <p:cNvSpPr>
-            <a:spLocks noGrp="1"/>
-          </p:cNvSpPr>
-          <p:nvPr>
-            <p:ph type="ftr" sz="quarter" idx="11"/>
-          </p:nvPr>
-        </p:nvSpPr>
-        <p:spPr/>
-        <p:txBody>
-          <a:bodyPr/>
-          <a:lstStyle/>
-          <a:p>
-            <a:endParaRPr lang="en-US"/>
-          </a:p>
-        </p:txBody>
-      </p:sp>
-      <p:sp>
-        <p:nvSpPr>
-          <p:cNvPr id="7" name="Slide Number Placeholder 6"/>
-          <p:cNvSpPr>
-            <a:spLocks noGrp="1"/>
-          </p:cNvSpPr>
-          <p:nvPr>
-            <p:ph type="sldNum" sz="quarter" idx="12"/>
-          </p:nvPr>
-        </p:nvSpPr>
-        <p:spPr/>
-        <p:txBody>
-          <a:bodyPr/>
-          <a:lstStyle/>
-          <a:p>
-            <a:fld id="{F8A761FF-F95E-E047-8059-791826DE26EF}" type="slidenum">
-              <a:rPr lang="en-US" smtClean="0"/>
-              <a:t>‹#›</a:t>
-            </a:fld>
-            <a:endParaRPr lang="en-US"/>
-          </a:p>
-        </p:txBody>
-      </p:sp>
     </p:spTree>
   </p:cSld>
   <p:clrMapOvr>
@@ -1402,7 +1937,12 @@
             <p:ph type="title"/>
           </p:nvPr>
         </p:nvSpPr>
-        <p:spPr/>
+        <p:spPr>
+          <a:xfrm>
+            <a:off x="457200" y="274638"/>
+            <a:ext cx="8229600" cy="1143000"/>
+          </a:xfrm>
+        </p:spPr>
         <p:txBody>
           <a:bodyPr/>
           <a:lstStyle>
@@ -1719,71 +2259,6 @@
           </a:p>
         </p:txBody>
       </p:sp>
-      <p:sp>
-        <p:nvSpPr>
-          <p:cNvPr id="7" name="Date Placeholder 6"/>
-          <p:cNvSpPr>
-            <a:spLocks noGrp="1"/>
-          </p:cNvSpPr>
-          <p:nvPr>
-            <p:ph type="dt" sz="half" idx="10"/>
-          </p:nvPr>
-        </p:nvSpPr>
-        <p:spPr/>
-        <p:txBody>
-          <a:bodyPr/>
-          <a:lstStyle/>
-          <a:p>
-            <a:fld id="{7169D307-61E4-9046-BCEE-719766925D1B}" type="datetimeFigureOut">
-              <a:rPr lang="en-US" smtClean="0"/>
-              <a:t>7/13/09</a:t>
-            </a:fld>
-            <a:endParaRPr lang="en-US"/>
-          </a:p>
-        </p:txBody>
-      </p:sp>
-      <p:sp>
-        <p:nvSpPr>
-          <p:cNvPr id="8" name="Footer Placeholder 7"/>
-          <p:cNvSpPr>
-            <a:spLocks noGrp="1"/>
-          </p:cNvSpPr>
-          <p:nvPr>
-            <p:ph type="ftr" sz="quarter" idx="11"/>
-          </p:nvPr>
-        </p:nvSpPr>
-        <p:spPr/>
-        <p:txBody>
-          <a:bodyPr/>
-          <a:lstStyle/>
-          <a:p>
-            <a:endParaRPr lang="en-US"/>
-          </a:p>
-        </p:txBody>
-      </p:sp>
-      <p:sp>
-        <p:nvSpPr>
-          <p:cNvPr id="9" name="Slide Number Placeholder 8"/>
-          <p:cNvSpPr>
-            <a:spLocks noGrp="1"/>
-          </p:cNvSpPr>
-          <p:nvPr>
-            <p:ph type="sldNum" sz="quarter" idx="12"/>
-          </p:nvPr>
-        </p:nvSpPr>
-        <p:spPr/>
-        <p:txBody>
-          <a:bodyPr/>
-          <a:lstStyle/>
-          <a:p>
-            <a:fld id="{F8A761FF-F95E-E047-8059-791826DE26EF}" type="slidenum">
-              <a:rPr lang="en-US" smtClean="0"/>
-              <a:t>‹#›</a:t>
-            </a:fld>
-            <a:endParaRPr lang="en-US"/>
-          </a:p>
-        </p:txBody>
-      </p:sp>
     </p:spTree>
   </p:cSld>
   <p:clrMapOvr>
@@ -1832,71 +2307,6 @@
           </a:p>
         </p:txBody>
       </p:sp>
-      <p:sp>
-        <p:nvSpPr>
-          <p:cNvPr id="3" name="Date Placeholder 2"/>
-          <p:cNvSpPr>
-            <a:spLocks noGrp="1"/>
-          </p:cNvSpPr>
-          <p:nvPr>
-            <p:ph type="dt" sz="half" idx="10"/>
-          </p:nvPr>
-        </p:nvSpPr>
-        <p:spPr/>
-        <p:txBody>
-          <a:bodyPr/>
-          <a:lstStyle/>
-          <a:p>
-            <a:fld id="{7169D307-61E4-9046-BCEE-719766925D1B}" type="datetimeFigureOut">
-              <a:rPr lang="en-US" smtClean="0"/>
-              <a:t>7/13/09</a:t>
-            </a:fld>
-            <a:endParaRPr lang="en-US"/>
-          </a:p>
-        </p:txBody>
-      </p:sp>
-      <p:sp>
-        <p:nvSpPr>
-          <p:cNvPr id="4" name="Footer Placeholder 3"/>
-          <p:cNvSpPr>
-            <a:spLocks noGrp="1"/>
-          </p:cNvSpPr>
-          <p:nvPr>
-            <p:ph type="ftr" sz="quarter" idx="11"/>
-          </p:nvPr>
-        </p:nvSpPr>
-        <p:spPr/>
-        <p:txBody>
-          <a:bodyPr/>
-          <a:lstStyle/>
-          <a:p>
-            <a:endParaRPr lang="en-US"/>
-          </a:p>
-        </p:txBody>
-      </p:sp>
-      <p:sp>
-        <p:nvSpPr>
-          <p:cNvPr id="5" name="Slide Number Placeholder 4"/>
-          <p:cNvSpPr>
-            <a:spLocks noGrp="1"/>
-          </p:cNvSpPr>
-          <p:nvPr>
-            <p:ph type="sldNum" sz="quarter" idx="12"/>
-          </p:nvPr>
-        </p:nvSpPr>
-        <p:spPr/>
-        <p:txBody>
-          <a:bodyPr/>
-          <a:lstStyle/>
-          <a:p>
-            <a:fld id="{F8A761FF-F95E-E047-8059-791826DE26EF}" type="slidenum">
-              <a:rPr lang="en-US" smtClean="0"/>
-              <a:t>‹#›</a:t>
-            </a:fld>
-            <a:endParaRPr lang="en-US"/>
-          </a:p>
-        </p:txBody>
-      </p:sp>
     </p:spTree>
   </p:cSld>
   <p:clrMapOvr>
@@ -1922,71 +2332,6 @@
           <a:chExt cx="0" cy="0"/>
         </a:xfrm>
       </p:grpSpPr>
-      <p:sp>
-        <p:nvSpPr>
-          <p:cNvPr id="2" name="Date Placeholder 1"/>
-          <p:cNvSpPr>
-            <a:spLocks noGrp="1"/>
-          </p:cNvSpPr>
-          <p:nvPr>
-            <p:ph type="dt" sz="half" idx="10"/>
-          </p:nvPr>
-        </p:nvSpPr>
-        <p:spPr/>
-        <p:txBody>
-          <a:bodyPr/>
-          <a:lstStyle/>
-          <a:p>
-            <a:fld id="{7169D307-61E4-9046-BCEE-719766925D1B}" type="datetimeFigureOut">
-              <a:rPr lang="en-US" smtClean="0"/>
-              <a:t>7/13/09</a:t>
-            </a:fld>
-            <a:endParaRPr lang="en-US"/>
-          </a:p>
-        </p:txBody>
-      </p:sp>
-      <p:sp>
-        <p:nvSpPr>
-          <p:cNvPr id="3" name="Footer Placeholder 2"/>
-          <p:cNvSpPr>
-            <a:spLocks noGrp="1"/>
-          </p:cNvSpPr>
-          <p:nvPr>
-            <p:ph type="ftr" sz="quarter" idx="11"/>
-          </p:nvPr>
-        </p:nvSpPr>
-        <p:spPr/>
-        <p:txBody>
-          <a:bodyPr/>
-          <a:lstStyle/>
-          <a:p>
-            <a:endParaRPr lang="en-US"/>
-          </a:p>
-        </p:txBody>
-      </p:sp>
-      <p:sp>
-        <p:nvSpPr>
-          <p:cNvPr id="4" name="Slide Number Placeholder 3"/>
-          <p:cNvSpPr>
-            <a:spLocks noGrp="1"/>
-          </p:cNvSpPr>
-          <p:nvPr>
-            <p:ph type="sldNum" sz="quarter" idx="12"/>
-          </p:nvPr>
-        </p:nvSpPr>
-        <p:spPr/>
-        <p:txBody>
-          <a:bodyPr/>
-          <a:lstStyle/>
-          <a:p>
-            <a:fld id="{F8A761FF-F95E-E047-8059-791826DE26EF}" type="slidenum">
-              <a:rPr lang="en-US" smtClean="0"/>
-              <a:t>‹#›</a:t>
-            </a:fld>
-            <a:endParaRPr lang="en-US"/>
-          </a:p>
-        </p:txBody>
-      </p:sp>
     </p:spTree>
   </p:cSld>
   <p:clrMapOvr>
@@ -2194,71 +2539,6 @@
           </a:p>
         </p:txBody>
       </p:sp>
-      <p:sp>
-        <p:nvSpPr>
-          <p:cNvPr id="5" name="Date Placeholder 4"/>
-          <p:cNvSpPr>
-            <a:spLocks noGrp="1"/>
-          </p:cNvSpPr>
-          <p:nvPr>
-            <p:ph type="dt" sz="half" idx="10"/>
-          </p:nvPr>
-        </p:nvSpPr>
-        <p:spPr/>
-        <p:txBody>
-          <a:bodyPr/>
-          <a:lstStyle/>
-          <a:p>
-            <a:fld id="{7169D307-61E4-9046-BCEE-719766925D1B}" type="datetimeFigureOut">
-              <a:rPr lang="en-US" smtClean="0"/>
-              <a:t>7/13/09</a:t>
-            </a:fld>
-            <a:endParaRPr lang="en-US"/>
-          </a:p>
-        </p:txBody>
-      </p:sp>
-      <p:sp>
-        <p:nvSpPr>
-          <p:cNvPr id="6" name="Footer Placeholder 5"/>
-          <p:cNvSpPr>
-            <a:spLocks noGrp="1"/>
-          </p:cNvSpPr>
-          <p:nvPr>
-            <p:ph type="ftr" sz="quarter" idx="11"/>
-          </p:nvPr>
-        </p:nvSpPr>
-        <p:spPr/>
-        <p:txBody>
-          <a:bodyPr/>
-          <a:lstStyle/>
-          <a:p>
-            <a:endParaRPr lang="en-US"/>
-          </a:p>
-        </p:txBody>
-      </p:sp>
-      <p:sp>
-        <p:nvSpPr>
-          <p:cNvPr id="7" name="Slide Number Placeholder 6"/>
-          <p:cNvSpPr>
-            <a:spLocks noGrp="1"/>
-          </p:cNvSpPr>
-          <p:nvPr>
-            <p:ph type="sldNum" sz="quarter" idx="12"/>
-          </p:nvPr>
-        </p:nvSpPr>
-        <p:spPr/>
-        <p:txBody>
-          <a:bodyPr/>
-          <a:lstStyle/>
-          <a:p>
-            <a:fld id="{F8A761FF-F95E-E047-8059-791826DE26EF}" type="slidenum">
-              <a:rPr lang="en-US" smtClean="0"/>
-              <a:t>‹#›</a:t>
-            </a:fld>
-            <a:endParaRPr lang="en-US"/>
-          </a:p>
-        </p:txBody>
-      </p:sp>
     </p:spTree>
   </p:cSld>
   <p:clrMapOvr>
@@ -2442,71 +2722,6 @@
           </a:p>
         </p:txBody>
       </p:sp>
-      <p:sp>
-        <p:nvSpPr>
-          <p:cNvPr id="5" name="Date Placeholder 4"/>
-          <p:cNvSpPr>
-            <a:spLocks noGrp="1"/>
-          </p:cNvSpPr>
-          <p:nvPr>
-            <p:ph type="dt" sz="half" idx="10"/>
-          </p:nvPr>
-        </p:nvSpPr>
-        <p:spPr/>
-        <p:txBody>
-          <a:bodyPr/>
-          <a:lstStyle/>
-          <a:p>
-            <a:fld id="{7169D307-61E4-9046-BCEE-719766925D1B}" type="datetimeFigureOut">
-              <a:rPr lang="en-US" smtClean="0"/>
-              <a:t>7/13/09</a:t>
-            </a:fld>
-            <a:endParaRPr lang="en-US"/>
-          </a:p>
-        </p:txBody>
-      </p:sp>
-      <p:sp>
-        <p:nvSpPr>
-          <p:cNvPr id="6" name="Footer Placeholder 5"/>
-          <p:cNvSpPr>
-            <a:spLocks noGrp="1"/>
-          </p:cNvSpPr>
-          <p:nvPr>
-            <p:ph type="ftr" sz="quarter" idx="11"/>
-          </p:nvPr>
-        </p:nvSpPr>
-        <p:spPr/>
-        <p:txBody>
-          <a:bodyPr/>
-          <a:lstStyle/>
-          <a:p>
-            <a:endParaRPr lang="en-US"/>
-          </a:p>
-        </p:txBody>
-      </p:sp>
-      <p:sp>
-        <p:nvSpPr>
-          <p:cNvPr id="7" name="Slide Number Placeholder 6"/>
-          <p:cNvSpPr>
-            <a:spLocks noGrp="1"/>
-          </p:cNvSpPr>
-          <p:nvPr>
-            <p:ph type="sldNum" sz="quarter" idx="12"/>
-          </p:nvPr>
-        </p:nvSpPr>
-        <p:spPr/>
-        <p:txBody>
-          <a:bodyPr/>
-          <a:lstStyle/>
-          <a:p>
-            <a:fld id="{F8A761FF-F95E-E047-8059-791826DE26EF}" type="slidenum">
-              <a:rPr lang="en-US" smtClean="0"/>
-              <a:t>‹#›</a:t>
-            </a:fld>
-            <a:endParaRPr lang="en-US"/>
-          </a:p>
-        </p:txBody>
-      </p:sp>
     </p:spTree>
   </p:cSld>
   <p:clrMapOvr>
@@ -2519,9 +2734,16 @@
 <p:sldMaster xmlns:a="http://schemas.openxmlformats.org/drawingml/2006/main" xmlns:r="http://schemas.openxmlformats.org/officeDocument/2006/relationships" xmlns:mc="http://schemas.openxmlformats.org/markup-compatibility/2006" xmlns:mv="urn:schemas-microsoft-com:mac:vml" xmlns:p="http://schemas.openxmlformats.org/presentationml/2006/main" mc:Ignorable="mv" mc:PreserveAttributes="mv:*">
   <p:cSld>
     <p:bg>
-      <p:bgRef idx="1001">
-        <a:schemeClr val="bg1"/>
-      </p:bgRef>
+      <p:bgPr>
+        <a:blipFill dpi="0" rotWithShape="0">
+          <a:blip r:embed="rId13"/>
+          <a:srcRect/>
+          <a:stretch>
+            <a:fillRect/>
+          </a:stretch>
+        </a:blipFill>
+        <a:effectLst/>
+      </p:bgPr>
     </p:bg>
     <p:spTree>
       <p:nvGrpSpPr>
@@ -2539,215 +2761,211 @@
       </p:grpSpPr>
       <p:sp>
         <p:nvSpPr>
-          <p:cNvPr id="2" name="Title Placeholder 1"/>
-          <p:cNvSpPr>
-            <a:spLocks noGrp="1"/>
+          <p:cNvPr id="1026" name="Rectangle 2"/>
+          <p:cNvSpPr>
+            <a:spLocks noGrp="1" noChangeArrowheads="1"/>
           </p:cNvSpPr>
           <p:nvPr>
             <p:ph type="title"/>
           </p:nvPr>
         </p:nvSpPr>
-        <p:spPr>
+        <p:spPr bwMode="auto">
           <a:xfrm>
-            <a:off x="457200" y="274638"/>
-            <a:ext cx="8229600" cy="1143000"/>
+            <a:off x="381000" y="381000"/>
+            <a:ext cx="8534400" cy="990600"/>
           </a:xfrm>
           <a:prstGeom prst="rect">
             <a:avLst/>
           </a:prstGeom>
+          <a:noFill/>
+          <a:ln w="9525">
+            <a:noFill/>
+            <a:miter lim="800000"/>
+            <a:headEnd/>
+            <a:tailEnd/>
+          </a:ln>
+          <a:effectLst>
+            <a:outerShdw blurRad="63500" dist="29783" dir="3885598" algn="ctr" rotWithShape="0">
+              <a:schemeClr val="bg2">
+                <a:alpha val="74998"/>
+              </a:schemeClr>
+            </a:outerShdw>
+          </a:effectLst>
         </p:spPr>
         <p:txBody>
-          <a:bodyPr vert="horz" lIns="91440" tIns="45720" rIns="91440" bIns="45720" rtlCol="0" anchor="ctr">
-            <a:normAutofit/>
+          <a:bodyPr vert="horz" wrap="square" lIns="91440" tIns="45720" rIns="91440" bIns="45720" numCol="1" anchor="ctr" anchorCtr="0" compatLnSpc="1">
+            <a:prstTxWarp prst="textNoShape">
+              <a:avLst/>
+            </a:prstTxWarp>
           </a:bodyPr>
           <a:lstStyle/>
           <a:p>
-            <a:r>
-              <a:rPr lang="en-US" smtClean="0"/>
+            <a:pPr lvl="0"/>
+            <a:r>
+              <a:rPr lang="en-US"/>
               <a:t>Click to edit Master title style</a:t>
             </a:r>
-            <a:endParaRPr lang="en-US"/>
-          </a:p>
-        </p:txBody>
-      </p:sp>
-      <p:sp>
-        <p:nvSpPr>
-          <p:cNvPr id="3" name="Text Placeholder 2"/>
-          <p:cNvSpPr>
-            <a:spLocks noGrp="1"/>
+          </a:p>
+        </p:txBody>
+      </p:sp>
+      <p:sp>
+        <p:nvSpPr>
+          <p:cNvPr id="1027" name="Rectangle 3"/>
+          <p:cNvSpPr>
+            <a:spLocks noGrp="1" noChangeArrowheads="1"/>
           </p:cNvSpPr>
           <p:nvPr>
             <p:ph type="body" idx="1"/>
           </p:nvPr>
         </p:nvSpPr>
-        <p:spPr>
+        <p:spPr bwMode="auto">
           <a:xfrm>
-            <a:off x="457200" y="1600200"/>
-            <a:ext cx="8229600" cy="4525963"/>
+            <a:off x="533400" y="1676400"/>
+            <a:ext cx="8077200" cy="4495800"/>
           </a:xfrm>
           <a:prstGeom prst="rect">
             <a:avLst/>
           </a:prstGeom>
+          <a:noFill/>
+          <a:ln w="9525">
+            <a:noFill/>
+            <a:miter lim="800000"/>
+            <a:headEnd/>
+            <a:tailEnd/>
+          </a:ln>
+          <a:effectLst/>
         </p:spPr>
         <p:txBody>
-          <a:bodyPr vert="horz" lIns="91440" tIns="45720" rIns="91440" bIns="45720" rtlCol="0">
-            <a:normAutofit/>
+          <a:bodyPr vert="horz" wrap="square" lIns="91440" tIns="45720" rIns="91440" bIns="45720" numCol="1" anchor="t" anchorCtr="0" compatLnSpc="1">
+            <a:prstTxWarp prst="textNoShape">
+              <a:avLst/>
+            </a:prstTxWarp>
           </a:bodyPr>
           <a:lstStyle/>
           <a:p>
             <a:pPr lvl="0"/>
             <a:r>
-              <a:rPr lang="en-US" smtClean="0"/>
+              <a:rPr lang="en-US"/>
               <a:t>Click to edit Master text styles</a:t>
             </a:r>
           </a:p>
           <a:p>
             <a:pPr lvl="1"/>
             <a:r>
-              <a:rPr lang="en-US" smtClean="0"/>
+              <a:rPr lang="en-US"/>
               <a:t>Second level</a:t>
             </a:r>
           </a:p>
           <a:p>
             <a:pPr lvl="2"/>
             <a:r>
-              <a:rPr lang="en-US" smtClean="0"/>
+              <a:rPr lang="en-US"/>
               <a:t>Third level</a:t>
             </a:r>
           </a:p>
           <a:p>
             <a:pPr lvl="3"/>
             <a:r>
-              <a:rPr lang="en-US" smtClean="0"/>
+              <a:rPr lang="en-US"/>
               <a:t>Fourth level</a:t>
             </a:r>
           </a:p>
           <a:p>
             <a:pPr lvl="4"/>
             <a:r>
-              <a:rPr lang="en-US" smtClean="0"/>
+              <a:rPr lang="en-US"/>
               <a:t>Fifth level</a:t>
             </a:r>
-            <a:endParaRPr lang="en-US"/>
-          </a:p>
-        </p:txBody>
-      </p:sp>
-      <p:sp>
-        <p:nvSpPr>
-          <p:cNvPr id="4" name="Date Placeholder 3"/>
-          <p:cNvSpPr>
-            <a:spLocks noGrp="1"/>
-          </p:cNvSpPr>
-          <p:nvPr>
-            <p:ph type="dt" sz="half" idx="2"/>
-          </p:nvPr>
-        </p:nvSpPr>
-        <p:spPr>
+          </a:p>
+        </p:txBody>
+      </p:sp>
+      <p:sp>
+        <p:nvSpPr>
+          <p:cNvPr id="1039" name="Rectangle 15"/>
+          <p:cNvSpPr>
+            <a:spLocks noChangeArrowheads="1"/>
+          </p:cNvSpPr>
+          <p:nvPr userDrawn="1"/>
+        </p:nvSpPr>
+        <p:spPr bwMode="auto">
           <a:xfrm>
-            <a:off x="457200" y="6356350"/>
-            <a:ext cx="2133600" cy="365125"/>
+            <a:off x="4343400" y="6450013"/>
+            <a:ext cx="369888" cy="274637"/>
           </a:xfrm>
           <a:prstGeom prst="rect">
             <a:avLst/>
           </a:prstGeom>
+          <a:noFill/>
+          <a:ln w="9525">
+            <a:noFill/>
+            <a:miter lim="800000"/>
+            <a:headEnd/>
+            <a:tailEnd/>
+          </a:ln>
+          <a:effectLst/>
         </p:spPr>
         <p:txBody>
-          <a:bodyPr vert="horz" lIns="91440" tIns="45720" rIns="91440" bIns="45720" rtlCol="0" anchor="ctr"/>
-          <a:lstStyle>
-            <a:lvl1pPr algn="l">
-              <a:defRPr sz="1200">
-                <a:solidFill>
-                  <a:schemeClr val="tx1">
-                    <a:tint val="75000"/>
-                  </a:schemeClr>
-                </a:solidFill>
-              </a:defRPr>
-            </a:lvl1pPr>
-          </a:lstStyle>
-          <a:p>
-            <a:fld id="{7169D307-61E4-9046-BCEE-719766925D1B}" type="datetimeFigureOut">
-              <a:rPr lang="en-US" smtClean="0"/>
-              <a:t>7/13/09</a:t>
+          <a:bodyPr wrap="none">
+            <a:prstTxWarp prst="textNoShape">
+              <a:avLst/>
+            </a:prstTxWarp>
+            <a:spAutoFit/>
+          </a:bodyPr>
+          <a:lstStyle/>
+          <a:p>
+            <a:fld id="{770F4D72-8B5A-8E4E-8C4E-74ACCAD30A33}" type="slidenum">
+              <a:rPr lang="en-US" sz="1200" b="1">
+                <a:latin typeface="Arial" pitchFamily="-65" charset="0"/>
+              </a:rPr>
+              <a:pPr/>
+              <a:t>‹#›</a:t>
             </a:fld>
-            <a:endParaRPr lang="en-US"/>
-          </a:p>
-        </p:txBody>
-      </p:sp>
-      <p:sp>
-        <p:nvSpPr>
-          <p:cNvPr id="5" name="Footer Placeholder 4"/>
-          <p:cNvSpPr>
-            <a:spLocks noGrp="1"/>
-          </p:cNvSpPr>
-          <p:nvPr>
-            <p:ph type="ftr" sz="quarter" idx="3"/>
-          </p:nvPr>
-        </p:nvSpPr>
-        <p:spPr>
+            <a:endParaRPr lang="en-US" sz="1200" b="1">
+              <a:latin typeface="Arial" pitchFamily="-65" charset="0"/>
+            </a:endParaRPr>
+          </a:p>
+        </p:txBody>
+      </p:sp>
+      <p:sp>
+        <p:nvSpPr>
+          <p:cNvPr id="1040" name="Rectangle 16"/>
+          <p:cNvSpPr>
+            <a:spLocks noChangeArrowheads="1"/>
+          </p:cNvSpPr>
+          <p:nvPr userDrawn="1"/>
+        </p:nvSpPr>
+        <p:spPr bwMode="auto">
           <a:xfrm>
-            <a:off x="3124200" y="6356350"/>
-            <a:ext cx="2895600" cy="365125"/>
+            <a:off x="533400" y="6450013"/>
+            <a:ext cx="1533525" cy="274637"/>
           </a:xfrm>
           <a:prstGeom prst="rect">
             <a:avLst/>
           </a:prstGeom>
+          <a:noFill/>
+          <a:ln w="9525">
+            <a:noFill/>
+            <a:miter lim="800000"/>
+            <a:headEnd/>
+            <a:tailEnd/>
+          </a:ln>
+          <a:effectLst/>
         </p:spPr>
         <p:txBody>
-          <a:bodyPr vert="horz" lIns="91440" tIns="45720" rIns="91440" bIns="45720" rtlCol="0" anchor="ctr"/>
-          <a:lstStyle>
-            <a:lvl1pPr algn="ctr">
-              <a:defRPr sz="1200">
-                <a:solidFill>
-                  <a:schemeClr val="tx1">
-                    <a:tint val="75000"/>
-                  </a:schemeClr>
-                </a:solidFill>
-              </a:defRPr>
-            </a:lvl1pPr>
-          </a:lstStyle>
-          <a:p>
-            <a:endParaRPr lang="en-US"/>
-          </a:p>
-        </p:txBody>
-      </p:sp>
-      <p:sp>
-        <p:nvSpPr>
-          <p:cNvPr id="6" name="Slide Number Placeholder 5"/>
-          <p:cNvSpPr>
-            <a:spLocks noGrp="1"/>
-          </p:cNvSpPr>
-          <p:nvPr>
-            <p:ph type="sldNum" sz="quarter" idx="4"/>
-          </p:nvPr>
-        </p:nvSpPr>
-        <p:spPr>
-          <a:xfrm>
-            <a:off x="6553200" y="6356350"/>
-            <a:ext cx="2133600" cy="365125"/>
-          </a:xfrm>
-          <a:prstGeom prst="rect">
-            <a:avLst/>
-          </a:prstGeom>
-        </p:spPr>
-        <p:txBody>
-          <a:bodyPr vert="horz" lIns="91440" tIns="45720" rIns="91440" bIns="45720" rtlCol="0" anchor="ctr"/>
-          <a:lstStyle>
-            <a:lvl1pPr algn="r">
-              <a:defRPr sz="1200">
-                <a:solidFill>
-                  <a:schemeClr val="tx1">
-                    <a:tint val="75000"/>
-                  </a:schemeClr>
-                </a:solidFill>
-              </a:defRPr>
-            </a:lvl1pPr>
-          </a:lstStyle>
-          <a:p>
-            <a:fld id="{F8A761FF-F95E-E047-8059-791826DE26EF}" type="slidenum">
-              <a:rPr lang="en-US" smtClean="0"/>
-              <a:t>‹#›</a:t>
-            </a:fld>
-            <a:endParaRPr lang="en-US"/>
+          <a:bodyPr wrap="none">
+            <a:prstTxWarp prst="textNoShape">
+              <a:avLst/>
+            </a:prstTxWarp>
+            <a:spAutoFit/>
+          </a:bodyPr>
+          <a:lstStyle/>
+          <a:p>
+            <a:r>
+              <a:rPr lang="en-US" sz="1200" b="1">
+                <a:latin typeface="Arial" pitchFamily="-65" charset="0"/>
+              </a:rPr>
+              <a:t>www.cfunited.com</a:t>
+            </a:r>
           </a:p>
         </p:txBody>
       </p:sp>
@@ -2769,29 +2987,194 @@
   </p:sldLayoutIdLst>
   <p:txStyles>
     <p:titleStyle>
-      <a:lvl1pPr algn="ctr" defTabSz="457200" rtl="0" eaLnBrk="1" latinLnBrk="0" hangingPunct="1">
+      <a:lvl1pPr algn="l" rtl="0" fontAlgn="base">
         <a:spcBef>
           <a:spcPct val="0"/>
         </a:spcBef>
-        <a:buNone/>
-        <a:defRPr sz="4400" kern="1200">
+        <a:spcAft>
+          <a:spcPct val="0"/>
+        </a:spcAft>
+        <a:defRPr sz="3200">
           <a:solidFill>
-            <a:schemeClr val="tx1"/>
+            <a:srgbClr val="333333"/>
           </a:solidFill>
+          <a:effectLst>
+            <a:outerShdw blurRad="38100" dist="38100" dir="2700000" algn="tl">
+              <a:srgbClr val="DDDDDD"/>
+            </a:outerShdw>
+          </a:effectLst>
           <a:latin typeface="+mj-lt"/>
           <a:ea typeface="+mj-ea"/>
           <a:cs typeface="+mj-cs"/>
         </a:defRPr>
       </a:lvl1pPr>
+      <a:lvl2pPr algn="l" rtl="0" fontAlgn="base">
+        <a:spcBef>
+          <a:spcPct val="0"/>
+        </a:spcBef>
+        <a:spcAft>
+          <a:spcPct val="0"/>
+        </a:spcAft>
+        <a:defRPr sz="3200">
+          <a:solidFill>
+            <a:srgbClr val="333333"/>
+          </a:solidFill>
+          <a:effectLst>
+            <a:outerShdw blurRad="38100" dist="38100" dir="2700000" algn="tl">
+              <a:srgbClr val="DDDDDD"/>
+            </a:outerShdw>
+          </a:effectLst>
+          <a:latin typeface="Arial" pitchFamily="-65" charset="0"/>
+        </a:defRPr>
+      </a:lvl2pPr>
+      <a:lvl3pPr algn="l" rtl="0" fontAlgn="base">
+        <a:spcBef>
+          <a:spcPct val="0"/>
+        </a:spcBef>
+        <a:spcAft>
+          <a:spcPct val="0"/>
+        </a:spcAft>
+        <a:defRPr sz="3200">
+          <a:solidFill>
+            <a:srgbClr val="333333"/>
+          </a:solidFill>
+          <a:effectLst>
+            <a:outerShdw blurRad="38100" dist="38100" dir="2700000" algn="tl">
+              <a:srgbClr val="DDDDDD"/>
+            </a:outerShdw>
+          </a:effectLst>
+          <a:latin typeface="Arial" pitchFamily="-65" charset="0"/>
+        </a:defRPr>
+      </a:lvl3pPr>
+      <a:lvl4pPr algn="l" rtl="0" fontAlgn="base">
+        <a:spcBef>
+          <a:spcPct val="0"/>
+        </a:spcBef>
+        <a:spcAft>
+          <a:spcPct val="0"/>
+        </a:spcAft>
+        <a:defRPr sz="3200">
+          <a:solidFill>
+            <a:srgbClr val="333333"/>
+          </a:solidFill>
+          <a:effectLst>
+            <a:outerShdw blurRad="38100" dist="38100" dir="2700000" algn="tl">
+              <a:srgbClr val="DDDDDD"/>
+            </a:outerShdw>
+          </a:effectLst>
+          <a:latin typeface="Arial" pitchFamily="-65" charset="0"/>
+        </a:defRPr>
+      </a:lvl4pPr>
+      <a:lvl5pPr algn="l" rtl="0" fontAlgn="base">
+        <a:spcBef>
+          <a:spcPct val="0"/>
+        </a:spcBef>
+        <a:spcAft>
+          <a:spcPct val="0"/>
+        </a:spcAft>
+        <a:defRPr sz="3200">
+          <a:solidFill>
+            <a:srgbClr val="333333"/>
+          </a:solidFill>
+          <a:effectLst>
+            <a:outerShdw blurRad="38100" dist="38100" dir="2700000" algn="tl">
+              <a:srgbClr val="DDDDDD"/>
+            </a:outerShdw>
+          </a:effectLst>
+          <a:latin typeface="Arial" pitchFamily="-65" charset="0"/>
+        </a:defRPr>
+      </a:lvl5pPr>
+      <a:lvl6pPr marL="457200" algn="l" rtl="0" fontAlgn="base">
+        <a:spcBef>
+          <a:spcPct val="0"/>
+        </a:spcBef>
+        <a:spcAft>
+          <a:spcPct val="0"/>
+        </a:spcAft>
+        <a:defRPr sz="3200">
+          <a:solidFill>
+            <a:srgbClr val="333333"/>
+          </a:solidFill>
+          <a:effectLst>
+            <a:outerShdw blurRad="38100" dist="38100" dir="2700000" algn="tl">
+              <a:srgbClr val="DDDDDD"/>
+            </a:outerShdw>
+          </a:effectLst>
+          <a:latin typeface="Arial" pitchFamily="-65" charset="0"/>
+        </a:defRPr>
+      </a:lvl6pPr>
+      <a:lvl7pPr marL="914400" algn="l" rtl="0" fontAlgn="base">
+        <a:spcBef>
+          <a:spcPct val="0"/>
+        </a:spcBef>
+        <a:spcAft>
+          <a:spcPct val="0"/>
+        </a:spcAft>
+        <a:defRPr sz="3200">
+          <a:solidFill>
+            <a:srgbClr val="333333"/>
+          </a:solidFill>
+          <a:effectLst>
+            <a:outerShdw blurRad="38100" dist="38100" dir="2700000" algn="tl">
+              <a:srgbClr val="DDDDDD"/>
+            </a:outerShdw>
+          </a:effectLst>
+          <a:latin typeface="Arial" pitchFamily="-65" charset="0"/>
+        </a:defRPr>
+      </a:lvl7pPr>
+      <a:lvl8pPr marL="1371600" algn="l" rtl="0" fontAlgn="base">
+        <a:spcBef>
+          <a:spcPct val="0"/>
+        </a:spcBef>
+        <a:spcAft>
+          <a:spcPct val="0"/>
+        </a:spcAft>
+        <a:defRPr sz="3200">
+          <a:solidFill>
+            <a:srgbClr val="333333"/>
+          </a:solidFill>
+          <a:effectLst>
+            <a:outerShdw blurRad="38100" dist="38100" dir="2700000" algn="tl">
+              <a:srgbClr val="DDDDDD"/>
+            </a:outerShdw>
+          </a:effectLst>
+          <a:latin typeface="Arial" pitchFamily="-65" charset="0"/>
+        </a:defRPr>
+      </a:lvl8pPr>
+      <a:lvl9pPr marL="1828800" algn="l" rtl="0" fontAlgn="base">
+        <a:spcBef>
+          <a:spcPct val="0"/>
+        </a:spcBef>
+        <a:spcAft>
+          <a:spcPct val="0"/>
+        </a:spcAft>
+        <a:defRPr sz="3200">
+          <a:solidFill>
+            <a:srgbClr val="333333"/>
+          </a:solidFill>
+          <a:effectLst>
+            <a:outerShdw blurRad="38100" dist="38100" dir="2700000" algn="tl">
+              <a:srgbClr val="DDDDDD"/>
+            </a:outerShdw>
+          </a:effectLst>
+          <a:latin typeface="Arial" pitchFamily="-65" charset="0"/>
+        </a:defRPr>
+      </a:lvl9pPr>
     </p:titleStyle>
     <p:bodyStyle>
-      <a:lvl1pPr marL="342900" indent="-342900" algn="l" defTabSz="457200" rtl="0" eaLnBrk="1" latinLnBrk="0" hangingPunct="1">
+      <a:lvl1pPr marL="660400" indent="-660400" algn="l" rtl="0" fontAlgn="base">
         <a:spcBef>
           <a:spcPct val="20000"/>
         </a:spcBef>
-        <a:buFont typeface="Arial"/>
-        <a:buChar char="•"/>
-        <a:defRPr sz="3200" kern="1200">
+        <a:spcAft>
+          <a:spcPct val="0"/>
+        </a:spcAft>
+        <a:buClr>
+          <a:schemeClr val="folHlink"/>
+        </a:buClr>
+        <a:buFont typeface="Wingdings" pitchFamily="-65" charset="2"/>
+        <a:buAutoNum type="alphaUcPeriod"/>
+        <a:defRPr sz="2800">
           <a:solidFill>
             <a:schemeClr val="tx1"/>
           </a:solidFill>
@@ -2800,124 +3183,163 @@
           <a:cs typeface="+mn-cs"/>
         </a:defRPr>
       </a:lvl1pPr>
-      <a:lvl2pPr marL="742950" indent="-285750" algn="l" defTabSz="457200" rtl="0" eaLnBrk="1" latinLnBrk="0" hangingPunct="1">
+      <a:lvl2pPr marL="1035050" indent="-577850" algn="l" rtl="0" fontAlgn="base">
         <a:spcBef>
           <a:spcPct val="20000"/>
         </a:spcBef>
-        <a:buFont typeface="Arial"/>
-        <a:buChar char="–"/>
-        <a:defRPr sz="2800" kern="1200">
+        <a:spcAft>
+          <a:spcPct val="0"/>
+        </a:spcAft>
+        <a:buClr>
+          <a:schemeClr val="folHlink"/>
+        </a:buClr>
+        <a:buFont typeface="Wingdings" pitchFamily="-65" charset="2"/>
+        <a:buChar char="§"/>
+        <a:defRPr sz="2800">
           <a:solidFill>
             <a:schemeClr val="tx1"/>
           </a:solidFill>
           <a:latin typeface="+mn-lt"/>
-          <a:ea typeface="+mn-ea"/>
-          <a:cs typeface="+mn-cs"/>
+          <a:ea typeface="ＭＳ Ｐゴシック" pitchFamily="-65" charset="-128"/>
         </a:defRPr>
       </a:lvl2pPr>
-      <a:lvl3pPr marL="1143000" indent="-228600" algn="l" defTabSz="457200" rtl="0" eaLnBrk="1" latinLnBrk="0" hangingPunct="1">
+      <a:lvl3pPr marL="1409700" indent="-495300" algn="l" rtl="0" fontAlgn="base">
         <a:spcBef>
           <a:spcPct val="20000"/>
         </a:spcBef>
-        <a:buFont typeface="Arial"/>
-        <a:buChar char="•"/>
-        <a:defRPr sz="2400" kern="1200">
+        <a:spcAft>
+          <a:spcPct val="0"/>
+        </a:spcAft>
+        <a:buClr>
+          <a:schemeClr val="folHlink"/>
+        </a:buClr>
+        <a:buAutoNum type="alphaLcParenR"/>
+        <a:defRPr sz="2400">
+          <a:solidFill>
+            <a:srgbClr val="4D4D4D"/>
+          </a:solidFill>
+          <a:latin typeface="+mn-lt"/>
+          <a:ea typeface="ＭＳ Ｐゴシック" pitchFamily="-65" charset="-128"/>
+        </a:defRPr>
+      </a:lvl3pPr>
+      <a:lvl4pPr marL="1784350" indent="-412750" algn="l" rtl="0" fontAlgn="base">
+        <a:spcBef>
+          <a:spcPct val="20000"/>
+        </a:spcBef>
+        <a:spcAft>
+          <a:spcPct val="0"/>
+        </a:spcAft>
+        <a:buClr>
+          <a:schemeClr val="folHlink"/>
+        </a:buClr>
+        <a:buFont typeface="Wingdings" pitchFamily="-65" charset="2"/>
+        <a:buChar char="§"/>
+        <a:defRPr sz="2000">
+          <a:solidFill>
+            <a:schemeClr val="bg2"/>
+          </a:solidFill>
+          <a:latin typeface="+mn-lt"/>
+          <a:ea typeface="ＭＳ Ｐゴシック" pitchFamily="-65" charset="-128"/>
+        </a:defRPr>
+      </a:lvl4pPr>
+      <a:lvl5pPr marL="2241550" indent="-412750" algn="l" rtl="0" fontAlgn="base">
+        <a:spcBef>
+          <a:spcPct val="20000"/>
+        </a:spcBef>
+        <a:spcAft>
+          <a:spcPct val="0"/>
+        </a:spcAft>
+        <a:buClr>
+          <a:schemeClr val="folHlink"/>
+        </a:buClr>
+        <a:buFont typeface="Wingdings" pitchFamily="-65" charset="2"/>
+        <a:buAutoNum type="romanLcPeriod"/>
+        <a:defRPr>
           <a:solidFill>
             <a:schemeClr val="tx1"/>
           </a:solidFill>
           <a:latin typeface="+mn-lt"/>
-          <a:ea typeface="+mn-ea"/>
-          <a:cs typeface="+mn-cs"/>
+          <a:ea typeface="ＭＳ Ｐゴシック" pitchFamily="-65" charset="-128"/>
         </a:defRPr>
-      </a:lvl3pPr>
-      <a:lvl4pPr marL="1600200" indent="-228600" algn="l" defTabSz="457200" rtl="0" eaLnBrk="1" latinLnBrk="0" hangingPunct="1">
+      </a:lvl5pPr>
+      <a:lvl6pPr marL="2698750" indent="-412750" algn="l" rtl="0" fontAlgn="base">
         <a:spcBef>
           <a:spcPct val="20000"/>
         </a:spcBef>
-        <a:buFont typeface="Arial"/>
-        <a:buChar char="–"/>
-        <a:defRPr sz="2000" kern="1200">
+        <a:spcAft>
+          <a:spcPct val="0"/>
+        </a:spcAft>
+        <a:buClr>
+          <a:schemeClr val="folHlink"/>
+        </a:buClr>
+        <a:buFont typeface="Wingdings" pitchFamily="-65" charset="2"/>
+        <a:buAutoNum type="romanLcPeriod"/>
+        <a:defRPr>
           <a:solidFill>
             <a:schemeClr val="tx1"/>
           </a:solidFill>
           <a:latin typeface="+mn-lt"/>
-          <a:ea typeface="+mn-ea"/>
-          <a:cs typeface="+mn-cs"/>
+          <a:ea typeface="ＭＳ Ｐゴシック" pitchFamily="-65" charset="-128"/>
         </a:defRPr>
-      </a:lvl4pPr>
-      <a:lvl5pPr marL="2057400" indent="-228600" algn="l" defTabSz="457200" rtl="0" eaLnBrk="1" latinLnBrk="0" hangingPunct="1">
+      </a:lvl6pPr>
+      <a:lvl7pPr marL="3155950" indent="-412750" algn="l" rtl="0" fontAlgn="base">
         <a:spcBef>
           <a:spcPct val="20000"/>
         </a:spcBef>
-        <a:buFont typeface="Arial"/>
-        <a:buChar char="»"/>
-        <a:defRPr sz="2000" kern="1200">
+        <a:spcAft>
+          <a:spcPct val="0"/>
+        </a:spcAft>
+        <a:buClr>
+          <a:schemeClr val="folHlink"/>
+        </a:buClr>
+        <a:buFont typeface="Wingdings" pitchFamily="-65" charset="2"/>
+        <a:buAutoNum type="romanLcPeriod"/>
+        <a:defRPr>
           <a:solidFill>
             <a:schemeClr val="tx1"/>
           </a:solidFill>
           <a:latin typeface="+mn-lt"/>
-          <a:ea typeface="+mn-ea"/>
-          <a:cs typeface="+mn-cs"/>
+          <a:ea typeface="ＭＳ Ｐゴシック" pitchFamily="-65" charset="-128"/>
         </a:defRPr>
-      </a:lvl5pPr>
-      <a:lvl6pPr marL="2514600" indent="-228600" algn="l" defTabSz="457200" rtl="0" eaLnBrk="1" latinLnBrk="0" hangingPunct="1">
+      </a:lvl7pPr>
+      <a:lvl8pPr marL="3613150" indent="-412750" algn="l" rtl="0" fontAlgn="base">
         <a:spcBef>
           <a:spcPct val="20000"/>
         </a:spcBef>
-        <a:buFont typeface="Arial"/>
-        <a:buChar char="•"/>
-        <a:defRPr sz="2000" kern="1200">
+        <a:spcAft>
+          <a:spcPct val="0"/>
+        </a:spcAft>
+        <a:buClr>
+          <a:schemeClr val="folHlink"/>
+        </a:buClr>
+        <a:buFont typeface="Wingdings" pitchFamily="-65" charset="2"/>
+        <a:buAutoNum type="romanLcPeriod"/>
+        <a:defRPr>
           <a:solidFill>
             <a:schemeClr val="tx1"/>
           </a:solidFill>
           <a:latin typeface="+mn-lt"/>
-          <a:ea typeface="+mn-ea"/>
-          <a:cs typeface="+mn-cs"/>
+          <a:ea typeface="ＭＳ Ｐゴシック" pitchFamily="-65" charset="-128"/>
         </a:defRPr>
-      </a:lvl6pPr>
-      <a:lvl7pPr marL="2971800" indent="-228600" algn="l" defTabSz="457200" rtl="0" eaLnBrk="1" latinLnBrk="0" hangingPunct="1">
+      </a:lvl8pPr>
+      <a:lvl9pPr marL="4070350" indent="-412750" algn="l" rtl="0" fontAlgn="base">
         <a:spcBef>
           <a:spcPct val="20000"/>
         </a:spcBef>
-        <a:buFont typeface="Arial"/>
-        <a:buChar char="•"/>
-        <a:defRPr sz="2000" kern="1200">
+        <a:spcAft>
+          <a:spcPct val="0"/>
+        </a:spcAft>
+        <a:buClr>
+          <a:schemeClr val="folHlink"/>
+        </a:buClr>
+        <a:buFont typeface="Wingdings" pitchFamily="-65" charset="2"/>
+        <a:buAutoNum type="romanLcPeriod"/>
+        <a:defRPr>
           <a:solidFill>
             <a:schemeClr val="tx1"/>
           </a:solidFill>
           <a:latin typeface="+mn-lt"/>
-          <a:ea typeface="+mn-ea"/>
-          <a:cs typeface="+mn-cs"/>
-        </a:defRPr>
-      </a:lvl7pPr>
-      <a:lvl8pPr marL="3429000" indent="-228600" algn="l" defTabSz="457200" rtl="0" eaLnBrk="1" latinLnBrk="0" hangingPunct="1">
-        <a:spcBef>
-          <a:spcPct val="20000"/>
-        </a:spcBef>
-        <a:buFont typeface="Arial"/>
-        <a:buChar char="•"/>
-        <a:defRPr sz="2000" kern="1200">
-          <a:solidFill>
-            <a:schemeClr val="tx1"/>
-          </a:solidFill>
-          <a:latin typeface="+mn-lt"/>
-          <a:ea typeface="+mn-ea"/>
-          <a:cs typeface="+mn-cs"/>
-        </a:defRPr>
-      </a:lvl8pPr>
-      <a:lvl9pPr marL="3886200" indent="-228600" algn="l" defTabSz="457200" rtl="0" eaLnBrk="1" latinLnBrk="0" hangingPunct="1">
-        <a:spcBef>
-          <a:spcPct val="20000"/>
-        </a:spcBef>
-        <a:buFont typeface="Arial"/>
-        <a:buChar char="•"/>
-        <a:defRPr sz="2000" kern="1200">
-          <a:solidFill>
-            <a:schemeClr val="tx1"/>
-          </a:solidFill>
-          <a:latin typeface="+mn-lt"/>
-          <a:ea typeface="+mn-ea"/>
-          <a:cs typeface="+mn-cs"/>
+          <a:ea typeface="ＭＳ Ｐゴシック" pitchFamily="-65" charset="-128"/>
         </a:defRPr>
       </a:lvl9pPr>
     </p:bodyStyle>
@@ -3039,9 +3461,9 @@
       </p:grpSpPr>
       <p:sp>
         <p:nvSpPr>
-          <p:cNvPr id="2" name="Title 1"/>
-          <p:cNvSpPr>
-            <a:spLocks noGrp="1"/>
+          <p:cNvPr id="12290" name="Rectangle 2"/>
+          <p:cNvSpPr>
+            <a:spLocks noGrp="1" noChangeArrowheads="1"/>
           </p:cNvSpPr>
           <p:nvPr>
             <p:ph type="ctrTitle"/>
@@ -3052,40 +3474,18 @@
           <a:bodyPr/>
           <a:lstStyle/>
           <a:p>
-            <a:pPr marL="0" marR="0" indent="0" algn="ctr" defTabSz="457200" rtl="0" eaLnBrk="1" fontAlgn="auto" latinLnBrk="0" hangingPunct="1">
-              <a:lnSpc>
-                <a:spcPct val="100000"/>
-              </a:lnSpc>
-              <a:spcBef>
-                <a:spcPct val="0"/>
-              </a:spcBef>
-              <a:spcAft>
-                <a:spcPts val="0"/>
-              </a:spcAft>
-              <a:buClrTx/>
-              <a:buSzTx/>
-              <a:buFontTx/>
-              <a:buNone/>
-              <a:tabLst/>
-              <a:defRPr/>
-            </a:pPr>
-            <a:r>
-              <a:rPr lang="en-US" b="1" dirty="0" smtClean="0"/>
+            <a:r>
+              <a:rPr lang="en-US" dirty="0" smtClean="0"/>
               <a:t>Using Ant to Deploy ColdFusion Application</a:t>
             </a:r>
-            <a:r>
-              <a:rPr lang="en-US" b="0" dirty="0" smtClean="0"/>
-              <a:t>s</a:t>
-            </a:r>
-            <a:endParaRPr lang="en-US" b="1" dirty="0" smtClean="0"/>
-          </a:p>
-        </p:txBody>
-      </p:sp>
-      <p:sp>
-        <p:nvSpPr>
-          <p:cNvPr id="3" name="Subtitle 2"/>
-          <p:cNvSpPr>
-            <a:spLocks noGrp="1"/>
+          </a:p>
+        </p:txBody>
+      </p:sp>
+      <p:sp>
+        <p:nvSpPr>
+          <p:cNvPr id="12291" name="Rectangle 3"/>
+          <p:cNvSpPr>
+            <a:spLocks noGrp="1" noChangeArrowheads="1"/>
           </p:cNvSpPr>
           <p:nvPr>
             <p:ph type="subTitle" idx="1"/>
@@ -3098,12 +3498,9 @@
           <a:p>
             <a:r>
               <a:rPr lang="en-US" dirty="0" smtClean="0"/>
-              <a:t>Avoid</a:t>
-            </a:r>
-            <a:r>
-              <a:rPr lang="en-US" baseline="0" dirty="0" smtClean="0"/>
-              <a:t> the pain of manual deployments</a:t>
-            </a:r>
+              <a:t>Doug Hughes, President of Alagad</a:t>
+            </a:r>
+            <a:endParaRPr lang="en-US" dirty="0"/>
           </a:p>
         </p:txBody>
       </p:sp>
@@ -3112,13 +3509,6 @@
   <p:clrMapOvr>
     <a:masterClrMapping/>
   </p:clrMapOvr>
-  <p:timing>
-    <p:tnLst>
-      <p:par>
-        <p:cTn id="1" dur="indefinite" restart="never" nodeType="tmRoot"/>
-      </p:par>
-    </p:tnLst>
-  </p:timing>
 </p:sld>
 </file>
 
@@ -3141,9 +3531,9 @@
       </p:grpSpPr>
       <p:sp>
         <p:nvSpPr>
-          <p:cNvPr id="2" name="Title 1"/>
-          <p:cNvSpPr>
-            <a:spLocks noGrp="1"/>
+          <p:cNvPr id="13314" name="Rectangle 2"/>
+          <p:cNvSpPr>
+            <a:spLocks noGrp="1" noChangeArrowheads="1"/>
           </p:cNvSpPr>
           <p:nvPr>
             <p:ph type="title"/>
@@ -3154,10 +3544,9 @@
           <a:bodyPr/>
           <a:lstStyle/>
           <a:p>
-            <a:pPr lvl="0"/>
-            <a:r>
-              <a:rPr lang="en-US" baseline="0" dirty="0" smtClean="0"/>
-              <a:t>Who I am</a:t>
+            <a:r>
+              <a:rPr lang="en-US" dirty="0" smtClean="0"/>
+              <a:t>Introductions…</a:t>
             </a:r>
             <a:endParaRPr lang="en-US" dirty="0"/>
           </a:p>
@@ -3165,38 +3554,86 @@
       </p:sp>
       <p:sp>
         <p:nvSpPr>
-          <p:cNvPr id="3" name="Content Placeholder 2"/>
-          <p:cNvSpPr>
-            <a:spLocks noGrp="1"/>
-          </p:cNvSpPr>
-          <p:nvPr>
-            <p:ph idx="1"/>
-          </p:nvPr>
-        </p:nvSpPr>
-        <p:spPr/>
-        <p:txBody>
-          <a:bodyPr/>
+          <p:cNvPr id="13315" name="Rectangle 3"/>
+          <p:cNvSpPr>
+            <a:spLocks noGrp="1" noChangeArrowheads="1"/>
+          </p:cNvSpPr>
+          <p:nvPr>
+            <p:ph type="body" idx="1"/>
+          </p:nvPr>
+        </p:nvSpPr>
+        <p:spPr>
+          <a:xfrm>
+            <a:off x="533400" y="1676400"/>
+            <a:ext cx="8077200" cy="4364271"/>
+          </a:xfrm>
+        </p:spPr>
+        <p:txBody>
+          <a:bodyPr wrap="square">
+            <a:spAutoFit/>
+          </a:bodyPr>
           <a:lstStyle/>
           <a:p>
+            <a:pPr>
+              <a:buNone/>
+            </a:pPr>
             <a:r>
               <a:rPr lang="en-US" dirty="0" smtClean="0"/>
-              <a:t>Doug Hughes</a:t>
-            </a:r>
-          </a:p>
-          <a:p>
+              <a:t>Doug…</a:t>
+            </a:r>
+          </a:p>
+          <a:p>
+            <a:pPr lvl="2">
+              <a:buNone/>
+            </a:pPr>
             <a:r>
               <a:rPr lang="en-US" dirty="0" smtClean="0"/>
-              <a:t>President</a:t>
-            </a:r>
-            <a:r>
-              <a:rPr lang="en-US" baseline="0" dirty="0" smtClean="0"/>
-              <a:t> of Alagad</a:t>
-            </a:r>
-          </a:p>
-          <a:p>
-            <a:r>
-              <a:rPr lang="en-US" baseline="0" dirty="0" smtClean="0"/>
-              <a:t>Creator of Reactor</a:t>
+              <a:t>… has many years of experience building and deploying ColdFusion Applications</a:t>
+            </a:r>
+          </a:p>
+          <a:p>
+            <a:pPr lvl="2">
+              <a:buNone/>
+            </a:pPr>
+            <a:r>
+              <a:rPr lang="en-US" dirty="0" smtClean="0"/>
+              <a:t>… is president of Alagad</a:t>
+            </a:r>
+          </a:p>
+          <a:p>
+            <a:pPr>
+              <a:buNone/>
+            </a:pPr>
+            <a:r>
+              <a:rPr lang="en-US" dirty="0" smtClean="0"/>
+              <a:t>Alagad…</a:t>
+            </a:r>
+          </a:p>
+          <a:p>
+            <a:pPr lvl="2">
+              <a:buNone/>
+            </a:pPr>
+            <a:r>
+              <a:rPr lang="en-US" dirty="0" smtClean="0"/>
+              <a:t>… is a small consulting company</a:t>
+            </a:r>
+          </a:p>
+          <a:p>
+            <a:pPr lvl="2">
+              <a:buNone/>
+            </a:pPr>
+            <a:r>
+              <a:rPr lang="en-US" dirty="0" smtClean="0"/>
+              <a:t>… specializes in creating large, complex web applications</a:t>
+            </a:r>
+          </a:p>
+          <a:p>
+            <a:pPr lvl="2">
+              <a:buNone/>
+            </a:pPr>
+            <a:r>
+              <a:rPr lang="en-US" dirty="0" smtClean="0"/>
+              <a:t>… employs many of the finest ColdFusion Developers</a:t>
             </a:r>
             <a:endParaRPr lang="en-US" dirty="0"/>
           </a:p>
@@ -3244,11 +3681,7 @@
           <a:p>
             <a:r>
               <a:rPr lang="en-US" dirty="0" smtClean="0"/>
-              <a:t>What</a:t>
-            </a:r>
-            <a:r>
-              <a:rPr lang="en-US" baseline="0" dirty="0" smtClean="0"/>
-              <a:t> to Expect</a:t>
+              <a:t>What is “Deployment”?</a:t>
             </a:r>
             <a:endParaRPr lang="en-US" dirty="0"/>
           </a:p>
@@ -3266,69 +3699,245 @@
         </p:nvSpPr>
         <p:spPr/>
         <p:txBody>
-          <a:bodyPr>
-            <a:normAutofit fontScale="92500" lnSpcReduction="10000"/>
-          </a:bodyPr>
+          <a:bodyPr/>
           <a:lstStyle/>
           <a:p>
             <a:r>
               <a:rPr lang="en-US" dirty="0" smtClean="0"/>
-              <a:t>Discuss how CF</a:t>
-            </a:r>
-            <a:r>
-              <a:rPr lang="en-US" baseline="0" dirty="0" smtClean="0"/>
-              <a:t> apps are typically deployed</a:t>
-            </a:r>
-          </a:p>
-          <a:p>
-            <a:r>
-              <a:rPr lang="en-US" baseline="0" dirty="0" smtClean="0"/>
-              <a:t>Discuss the pain points in this process</a:t>
-            </a:r>
-          </a:p>
-          <a:p>
-            <a:r>
-              <a:rPr lang="en-US" baseline="0" dirty="0" smtClean="0"/>
-              <a:t>Introduce Ant as an alternative</a:t>
-            </a:r>
-          </a:p>
-          <a:p>
-            <a:r>
-              <a:rPr lang="en-US" baseline="0" dirty="0" smtClean="0"/>
-              <a:t>Examples of Ant usage</a:t>
-            </a:r>
-          </a:p>
-          <a:p>
+              <a:t>All the steps required to move an application to a new environment.  </a:t>
+            </a:r>
+          </a:p>
+          <a:p>
+            <a:pPr lvl="1"/>
             <a:r>
               <a:rPr lang="en-US" dirty="0" smtClean="0"/>
-              <a:t>Ant Tasks</a:t>
-            </a:r>
-            <a:endParaRPr lang="en-US" baseline="0" dirty="0" smtClean="0"/>
-          </a:p>
-          <a:p>
-            <a:r>
-              <a:rPr lang="en-US" baseline="0" dirty="0" smtClean="0"/>
-              <a:t>Discuss some of Ant’s shortcomings for ColdFusion</a:t>
-            </a:r>
-          </a:p>
-          <a:p>
-            <a:pPr lvl="0"/>
-            <a:r>
-              <a:rPr lang="en-US" baseline="0" dirty="0" smtClean="0"/>
-              <a:t>Discuss the Ant4CF tasks</a:t>
-            </a:r>
-          </a:p>
-          <a:p>
-            <a:pPr lvl="0"/>
+              <a:t>Copying files to servers</a:t>
+            </a:r>
+          </a:p>
+          <a:p>
+            <a:pPr lvl="1"/>
             <a:r>
               <a:rPr lang="en-US" dirty="0" smtClean="0"/>
-              <a:t>Questions and Answers</a:t>
-            </a:r>
-            <a:endParaRPr lang="en-US" baseline="0" dirty="0" smtClean="0"/>
-          </a:p>
-          <a:p>
-            <a:pPr lvl="0"/>
-            <a:endParaRPr lang="en-US" baseline="0" dirty="0" smtClean="0"/>
+              <a:t>Updating databases</a:t>
+            </a:r>
+          </a:p>
+          <a:p>
+            <a:pPr lvl="1"/>
+            <a:r>
+              <a:rPr lang="en-US" dirty="0" smtClean="0"/>
+              <a:t>Changing software configuration</a:t>
+            </a:r>
+          </a:p>
+          <a:p>
+            <a:pPr lvl="1"/>
+            <a:r>
+              <a:rPr lang="en-US" dirty="0" smtClean="0"/>
+              <a:t>Changing server configuration</a:t>
+            </a:r>
+          </a:p>
+          <a:p>
+            <a:pPr lvl="1"/>
+            <a:r>
+              <a:rPr lang="en-US" dirty="0" smtClean="0"/>
+              <a:t>Etc…</a:t>
+            </a:r>
+          </a:p>
+          <a:p>
+            <a:pPr lvl="1"/>
+            <a:endParaRPr lang="en-US" dirty="0" smtClean="0"/>
+          </a:p>
+          <a:p>
+            <a:pPr lvl="1"/>
+            <a:endParaRPr lang="en-US" dirty="0" smtClean="0"/>
+          </a:p>
+        </p:txBody>
+      </p:sp>
+    </p:spTree>
+  </p:cSld>
+  <p:clrMapOvr>
+    <a:masterClrMapping/>
+  </p:clrMapOvr>
+</p:sld>
+</file>
+
+<file path=ppt/slides/slide4.xml><?xml version="1.0" encoding="utf-8"?>
+<p:sld xmlns:a="http://schemas.openxmlformats.org/drawingml/2006/main" xmlns:r="http://schemas.openxmlformats.org/officeDocument/2006/relationships" xmlns:mc="http://schemas.openxmlformats.org/markup-compatibility/2006" xmlns:mv="urn:schemas-microsoft-com:mac:vml" xmlns:p="http://schemas.openxmlformats.org/presentationml/2006/main" mc:Ignorable="mv" mc:PreserveAttributes="mv:*">
+  <p:cSld>
+    <p:spTree>
+      <p:nvGrpSpPr>
+        <p:cNvPr id="1" name=""/>
+        <p:cNvGrpSpPr/>
+        <p:nvPr/>
+      </p:nvGrpSpPr>
+      <p:grpSpPr>
+        <a:xfrm>
+          <a:off x="0" y="0"/>
+          <a:ext cx="0" cy="0"/>
+          <a:chOff x="0" y="0"/>
+          <a:chExt cx="0" cy="0"/>
+        </a:xfrm>
+      </p:grpSpPr>
+      <p:sp>
+        <p:nvSpPr>
+          <p:cNvPr id="2" name="Title 1"/>
+          <p:cNvSpPr>
+            <a:spLocks noGrp="1"/>
+          </p:cNvSpPr>
+          <p:nvPr>
+            <p:ph type="title"/>
+          </p:nvPr>
+        </p:nvSpPr>
+        <p:spPr/>
+        <p:txBody>
+          <a:bodyPr/>
+          <a:lstStyle/>
+          <a:p>
+            <a:r>
+              <a:rPr lang="en-US" dirty="0" smtClean="0"/>
+              <a:t>How do you deploy applications?</a:t>
+            </a:r>
+            <a:endParaRPr lang="en-US" dirty="0"/>
+          </a:p>
+        </p:txBody>
+      </p:sp>
+      <p:sp>
+        <p:nvSpPr>
+          <p:cNvPr id="3" name="Content Placeholder 2"/>
+          <p:cNvSpPr>
+            <a:spLocks noGrp="1"/>
+          </p:cNvSpPr>
+          <p:nvPr>
+            <p:ph idx="1"/>
+          </p:nvPr>
+        </p:nvSpPr>
+        <p:spPr/>
+        <p:txBody>
+          <a:bodyPr/>
+          <a:lstStyle/>
+          <a:p>
+            <a:r>
+              <a:rPr lang="en-US" dirty="0" smtClean="0"/>
+              <a:t>Export files from SVN</a:t>
+            </a:r>
+          </a:p>
+          <a:p>
+            <a:r>
+              <a:rPr lang="en-US" dirty="0" smtClean="0"/>
+              <a:t>Update configuration</a:t>
+            </a:r>
+          </a:p>
+          <a:p>
+            <a:r>
+              <a:rPr lang="en-US" dirty="0" smtClean="0"/>
+              <a:t>Send to </a:t>
+            </a:r>
+            <a:r>
+              <a:rPr lang="en-US" dirty="0" err="1" smtClean="0"/>
+              <a:t>server(s</a:t>
+            </a:r>
+            <a:r>
+              <a:rPr lang="en-US" dirty="0" smtClean="0"/>
+              <a:t>)</a:t>
+            </a:r>
+          </a:p>
+          <a:p>
+            <a:r>
+              <a:rPr lang="en-US" dirty="0" smtClean="0"/>
+              <a:t>Insure required components exist</a:t>
+            </a:r>
+          </a:p>
+          <a:p>
+            <a:pPr lvl="1"/>
+            <a:r>
+              <a:rPr lang="en-US" dirty="0" smtClean="0"/>
+              <a:t>Frameworks, mappings, etc…</a:t>
+            </a:r>
+          </a:p>
+          <a:p>
+            <a:r>
+              <a:rPr lang="en-US" dirty="0" smtClean="0"/>
+              <a:t>Update database for changes</a:t>
+            </a:r>
+          </a:p>
+          <a:p>
+            <a:r>
+              <a:rPr lang="en-US" dirty="0" smtClean="0"/>
+              <a:t>Clear trusted cache</a:t>
+            </a:r>
+          </a:p>
+          <a:p>
+            <a:r>
+              <a:rPr lang="en-US" dirty="0" smtClean="0"/>
+              <a:t>Reload application</a:t>
+            </a:r>
+            <a:endParaRPr lang="en-US" dirty="0"/>
+          </a:p>
+        </p:txBody>
+      </p:sp>
+    </p:spTree>
+  </p:cSld>
+  <p:clrMapOvr>
+    <a:masterClrMapping/>
+  </p:clrMapOvr>
+</p:sld>
+</file>
+
+<file path=ppt/slides/slide5.xml><?xml version="1.0" encoding="utf-8"?>
+<p:sld xmlns:a="http://schemas.openxmlformats.org/drawingml/2006/main" xmlns:r="http://schemas.openxmlformats.org/officeDocument/2006/relationships" xmlns:mc="http://schemas.openxmlformats.org/markup-compatibility/2006" xmlns:mv="urn:schemas-microsoft-com:mac:vml" xmlns:p="http://schemas.openxmlformats.org/presentationml/2006/main" mc:Ignorable="mv" mc:PreserveAttributes="mv:*">
+  <p:cSld>
+    <p:spTree>
+      <p:nvGrpSpPr>
+        <p:cNvPr id="1" name=""/>
+        <p:cNvGrpSpPr/>
+        <p:nvPr/>
+      </p:nvGrpSpPr>
+      <p:grpSpPr>
+        <a:xfrm>
+          <a:off x="0" y="0"/>
+          <a:ext cx="0" cy="0"/>
+          <a:chOff x="0" y="0"/>
+          <a:chExt cx="0" cy="0"/>
+        </a:xfrm>
+      </p:grpSpPr>
+      <p:sp>
+        <p:nvSpPr>
+          <p:cNvPr id="2" name="Title 1"/>
+          <p:cNvSpPr>
+            <a:spLocks noGrp="1"/>
+          </p:cNvSpPr>
+          <p:nvPr>
+            <p:ph type="title"/>
+          </p:nvPr>
+        </p:nvSpPr>
+        <p:spPr/>
+        <p:txBody>
+          <a:bodyPr/>
+          <a:lstStyle/>
+          <a:p>
+            <a:r>
+              <a:rPr lang="en-US" dirty="0" smtClean="0"/>
+              <a:t>How often do you screw up?</a:t>
+            </a:r>
+            <a:endParaRPr lang="en-US" dirty="0"/>
+          </a:p>
+        </p:txBody>
+      </p:sp>
+      <p:sp>
+        <p:nvSpPr>
+          <p:cNvPr id="3" name="Content Placeholder 2"/>
+          <p:cNvSpPr>
+            <a:spLocks noGrp="1"/>
+          </p:cNvSpPr>
+          <p:nvPr>
+            <p:ph idx="1"/>
+          </p:nvPr>
+        </p:nvSpPr>
+        <p:spPr/>
+        <p:txBody>
+          <a:bodyPr/>
+          <a:lstStyle/>
+          <a:p>
+            <a:endParaRPr lang="en-US" dirty="0"/>
           </a:p>
         </p:txBody>
       </p:sp>
@@ -3341,44 +3950,678 @@
 </file>
 
 <file path=ppt/theme/theme1.xml><?xml version="1.0" encoding="utf-8"?>
+<a:theme xmlns:a="http://schemas.openxmlformats.org/drawingml/2006/main" name="Default Design">
+  <a:themeElements>
+    <a:clrScheme name="">
+      <a:dk1>
+        <a:srgbClr val="000000"/>
+      </a:dk1>
+      <a:lt1>
+        <a:srgbClr val="FFFFFF"/>
+      </a:lt1>
+      <a:dk2>
+        <a:srgbClr val="000000"/>
+      </a:dk2>
+      <a:lt2>
+        <a:srgbClr val="808080"/>
+      </a:lt2>
+      <a:accent1>
+        <a:srgbClr val="993300"/>
+      </a:accent1>
+      <a:accent2>
+        <a:srgbClr val="FF0000"/>
+      </a:accent2>
+      <a:accent3>
+        <a:srgbClr val="FFFFFF"/>
+      </a:accent3>
+      <a:accent4>
+        <a:srgbClr val="000000"/>
+      </a:accent4>
+      <a:accent5>
+        <a:srgbClr val="CAADAA"/>
+      </a:accent5>
+      <a:accent6>
+        <a:srgbClr val="E70000"/>
+      </a:accent6>
+      <a:hlink>
+        <a:srgbClr val="008000"/>
+      </a:hlink>
+      <a:folHlink>
+        <a:srgbClr val="B2B2B2"/>
+      </a:folHlink>
+    </a:clrScheme>
+    <a:fontScheme name="Default Design">
+      <a:majorFont>
+        <a:latin typeface="Arial"/>
+        <a:ea typeface=""/>
+        <a:cs typeface=""/>
+      </a:majorFont>
+      <a:minorFont>
+        <a:latin typeface="Arial"/>
+        <a:ea typeface=""/>
+        <a:cs typeface=""/>
+      </a:minorFont>
+    </a:fontScheme>
+    <a:fmtScheme name="Office">
+      <a:fillStyleLst>
+        <a:solidFill>
+          <a:schemeClr val="phClr"/>
+        </a:solidFill>
+        <a:gradFill rotWithShape="1">
+          <a:gsLst>
+            <a:gs pos="0">
+              <a:schemeClr val="phClr">
+                <a:tint val="50000"/>
+                <a:satMod val="300000"/>
+              </a:schemeClr>
+            </a:gs>
+            <a:gs pos="35000">
+              <a:schemeClr val="phClr">
+                <a:tint val="37000"/>
+                <a:satMod val="300000"/>
+              </a:schemeClr>
+            </a:gs>
+            <a:gs pos="100000">
+              <a:schemeClr val="phClr">
+                <a:tint val="15000"/>
+                <a:satMod val="350000"/>
+              </a:schemeClr>
+            </a:gs>
+          </a:gsLst>
+          <a:lin ang="16200000" scaled="1"/>
+        </a:gradFill>
+        <a:gradFill rotWithShape="1">
+          <a:gsLst>
+            <a:gs pos="0">
+              <a:schemeClr val="phClr">
+                <a:tint val="100000"/>
+                <a:shade val="100000"/>
+                <a:satMod val="130000"/>
+              </a:schemeClr>
+            </a:gs>
+            <a:gs pos="100000">
+              <a:schemeClr val="phClr">
+                <a:tint val="50000"/>
+                <a:shade val="100000"/>
+                <a:satMod val="350000"/>
+              </a:schemeClr>
+            </a:gs>
+          </a:gsLst>
+          <a:lin ang="16200000" scaled="0"/>
+        </a:gradFill>
+      </a:fillStyleLst>
+      <a:lnStyleLst>
+        <a:ln w="9525" cap="flat" cmpd="sng" algn="ctr">
+          <a:solidFill>
+            <a:schemeClr val="phClr">
+              <a:shade val="95000"/>
+              <a:satMod val="105000"/>
+            </a:schemeClr>
+          </a:solidFill>
+          <a:prstDash val="solid"/>
+        </a:ln>
+        <a:ln w="25400" cap="flat" cmpd="sng" algn="ctr">
+          <a:solidFill>
+            <a:schemeClr val="phClr"/>
+          </a:solidFill>
+          <a:prstDash val="solid"/>
+        </a:ln>
+        <a:ln w="38100" cap="flat" cmpd="sng" algn="ctr">
+          <a:solidFill>
+            <a:schemeClr val="phClr"/>
+          </a:solidFill>
+          <a:prstDash val="solid"/>
+        </a:ln>
+      </a:lnStyleLst>
+      <a:effectStyleLst>
+        <a:effectStyle>
+          <a:effectLst>
+            <a:outerShdw blurRad="40000" dist="20000" dir="5400000" rotWithShape="0">
+              <a:srgbClr val="000000">
+                <a:alpha val="38000"/>
+              </a:srgbClr>
+            </a:outerShdw>
+          </a:effectLst>
+        </a:effectStyle>
+        <a:effectStyle>
+          <a:effectLst>
+            <a:outerShdw blurRad="40000" dist="23000" dir="5400000" rotWithShape="0">
+              <a:srgbClr val="000000">
+                <a:alpha val="35000"/>
+              </a:srgbClr>
+            </a:outerShdw>
+          </a:effectLst>
+        </a:effectStyle>
+        <a:effectStyle>
+          <a:effectLst>
+            <a:outerShdw blurRad="40000" dist="23000" dir="5400000" rotWithShape="0">
+              <a:srgbClr val="000000">
+                <a:alpha val="35000"/>
+              </a:srgbClr>
+            </a:outerShdw>
+          </a:effectLst>
+          <a:scene3d>
+            <a:camera prst="orthographicFront">
+              <a:rot lat="0" lon="0" rev="0"/>
+            </a:camera>
+            <a:lightRig rig="threePt" dir="t">
+              <a:rot lat="0" lon="0" rev="1200000"/>
+            </a:lightRig>
+          </a:scene3d>
+          <a:sp3d>
+            <a:bevelT w="63500" h="25400"/>
+          </a:sp3d>
+        </a:effectStyle>
+      </a:effectStyleLst>
+      <a:bgFillStyleLst>
+        <a:solidFill>
+          <a:schemeClr val="phClr"/>
+        </a:solidFill>
+        <a:gradFill rotWithShape="1">
+          <a:gsLst>
+            <a:gs pos="0">
+              <a:schemeClr val="phClr">
+                <a:tint val="40000"/>
+                <a:satMod val="350000"/>
+              </a:schemeClr>
+            </a:gs>
+            <a:gs pos="40000">
+              <a:schemeClr val="phClr">
+                <a:tint val="45000"/>
+                <a:shade val="99000"/>
+                <a:satMod val="350000"/>
+              </a:schemeClr>
+            </a:gs>
+            <a:gs pos="100000">
+              <a:schemeClr val="phClr">
+                <a:shade val="20000"/>
+                <a:satMod val="255000"/>
+              </a:schemeClr>
+            </a:gs>
+          </a:gsLst>
+          <a:path path="circle">
+            <a:fillToRect l="50000" t="-80000" r="50000" b="180000"/>
+          </a:path>
+        </a:gradFill>
+        <a:gradFill rotWithShape="1">
+          <a:gsLst>
+            <a:gs pos="0">
+              <a:schemeClr val="phClr">
+                <a:tint val="80000"/>
+                <a:satMod val="300000"/>
+              </a:schemeClr>
+            </a:gs>
+            <a:gs pos="100000">
+              <a:schemeClr val="phClr">
+                <a:shade val="30000"/>
+                <a:satMod val="200000"/>
+              </a:schemeClr>
+            </a:gs>
+          </a:gsLst>
+          <a:path path="circle">
+            <a:fillToRect l="50000" t="50000" r="50000" b="50000"/>
+          </a:path>
+        </a:gradFill>
+      </a:bgFillStyleLst>
+    </a:fmtScheme>
+  </a:themeElements>
+  <a:objectDefaults>
+    <a:spDef>
+      <a:spPr bwMode="auto">
+        <a:xfrm>
+          <a:off x="0" y="0"/>
+          <a:ext cx="1" cy="1"/>
+        </a:xfrm>
+        <a:custGeom>
+          <a:avLst/>
+          <a:gdLst/>
+          <a:ahLst/>
+          <a:cxnLst/>
+          <a:rect l="0" t="0" r="0" b="0"/>
+          <a:pathLst/>
+        </a:custGeom>
+        <a:solidFill>
+          <a:schemeClr val="accent1"/>
+        </a:solidFill>
+        <a:ln w="9525" cap="flat" cmpd="sng" algn="ctr">
+          <a:solidFill>
+            <a:schemeClr val="tx1"/>
+          </a:solidFill>
+          <a:prstDash val="solid"/>
+          <a:round/>
+          <a:headEnd type="none" w="med" len="med"/>
+          <a:tailEnd type="none" w="med" len="med"/>
+        </a:ln>
+        <a:effectLst/>
+      </a:spPr>
+      <a:bodyPr vert="horz" wrap="none" lIns="91440" tIns="45720" rIns="91440" bIns="45720" numCol="1" anchor="t" anchorCtr="0" compatLnSpc="1">
+        <a:prstTxWarp prst="textNoShape">
+          <a:avLst/>
+        </a:prstTxWarp>
+      </a:bodyPr>
+      <a:lstStyle>
+        <a:defPPr marL="0" marR="0" indent="0" algn="l" defTabSz="914400" rtl="0" eaLnBrk="1" fontAlgn="base" latinLnBrk="0" hangingPunct="1">
+          <a:lnSpc>
+            <a:spcPct val="100000"/>
+          </a:lnSpc>
+          <a:spcBef>
+            <a:spcPct val="0"/>
+          </a:spcBef>
+          <a:spcAft>
+            <a:spcPct val="0"/>
+          </a:spcAft>
+          <a:buClrTx/>
+          <a:buSzTx/>
+          <a:buFontTx/>
+          <a:buNone/>
+          <a:tabLst/>
+          <a:defRPr kumimoji="0" lang="en-US" sz="2400" b="0" i="0" u="none" strike="noStrike" cap="none" normalizeH="0" baseline="0">
+            <a:ln>
+              <a:noFill/>
+            </a:ln>
+            <a:solidFill>
+              <a:schemeClr val="tx1"/>
+            </a:solidFill>
+            <a:effectLst/>
+            <a:latin typeface="Times New Roman" pitchFamily="-65" charset="0"/>
+          </a:defRPr>
+        </a:defPPr>
+      </a:lstStyle>
+    </a:spDef>
+    <a:lnDef>
+      <a:spPr bwMode="auto">
+        <a:xfrm>
+          <a:off x="0" y="0"/>
+          <a:ext cx="1" cy="1"/>
+        </a:xfrm>
+        <a:custGeom>
+          <a:avLst/>
+          <a:gdLst/>
+          <a:ahLst/>
+          <a:cxnLst/>
+          <a:rect l="0" t="0" r="0" b="0"/>
+          <a:pathLst/>
+        </a:custGeom>
+        <a:solidFill>
+          <a:schemeClr val="accent1"/>
+        </a:solidFill>
+        <a:ln w="9525" cap="flat" cmpd="sng" algn="ctr">
+          <a:solidFill>
+            <a:schemeClr val="tx1"/>
+          </a:solidFill>
+          <a:prstDash val="solid"/>
+          <a:round/>
+          <a:headEnd type="none" w="med" len="med"/>
+          <a:tailEnd type="none" w="med" len="med"/>
+        </a:ln>
+        <a:effectLst/>
+      </a:spPr>
+      <a:bodyPr vert="horz" wrap="none" lIns="91440" tIns="45720" rIns="91440" bIns="45720" numCol="1" anchor="t" anchorCtr="0" compatLnSpc="1">
+        <a:prstTxWarp prst="textNoShape">
+          <a:avLst/>
+        </a:prstTxWarp>
+      </a:bodyPr>
+      <a:lstStyle>
+        <a:defPPr marL="0" marR="0" indent="0" algn="l" defTabSz="914400" rtl="0" eaLnBrk="1" fontAlgn="base" latinLnBrk="0" hangingPunct="1">
+          <a:lnSpc>
+            <a:spcPct val="100000"/>
+          </a:lnSpc>
+          <a:spcBef>
+            <a:spcPct val="0"/>
+          </a:spcBef>
+          <a:spcAft>
+            <a:spcPct val="0"/>
+          </a:spcAft>
+          <a:buClrTx/>
+          <a:buSzTx/>
+          <a:buFontTx/>
+          <a:buNone/>
+          <a:tabLst/>
+          <a:defRPr kumimoji="0" lang="en-US" sz="2400" b="0" i="0" u="none" strike="noStrike" cap="none" normalizeH="0" baseline="0">
+            <a:ln>
+              <a:noFill/>
+            </a:ln>
+            <a:solidFill>
+              <a:schemeClr val="tx1"/>
+            </a:solidFill>
+            <a:effectLst/>
+            <a:latin typeface="Times New Roman" pitchFamily="-65" charset="0"/>
+          </a:defRPr>
+        </a:defPPr>
+      </a:lstStyle>
+    </a:lnDef>
+  </a:objectDefaults>
+  <a:extraClrSchemeLst>
+    <a:extraClrScheme>
+      <a:clrScheme name="Default Design 1">
+        <a:dk1>
+          <a:srgbClr val="000000"/>
+        </a:dk1>
+        <a:lt1>
+          <a:srgbClr val="FFFFFF"/>
+        </a:lt1>
+        <a:dk2>
+          <a:srgbClr val="0000FF"/>
+        </a:dk2>
+        <a:lt2>
+          <a:srgbClr val="FFFF00"/>
+        </a:lt2>
+        <a:accent1>
+          <a:srgbClr val="FF9900"/>
+        </a:accent1>
+        <a:accent2>
+          <a:srgbClr val="00FFFF"/>
+        </a:accent2>
+        <a:accent3>
+          <a:srgbClr val="AAAAFF"/>
+        </a:accent3>
+        <a:accent4>
+          <a:srgbClr val="DADADA"/>
+        </a:accent4>
+        <a:accent5>
+          <a:srgbClr val="FFCAAA"/>
+        </a:accent5>
+        <a:accent6>
+          <a:srgbClr val="00E7E7"/>
+        </a:accent6>
+        <a:hlink>
+          <a:srgbClr val="FF0000"/>
+        </a:hlink>
+        <a:folHlink>
+          <a:srgbClr val="969696"/>
+        </a:folHlink>
+      </a:clrScheme>
+      <a:clrMap bg1="dk2" tx1="lt1" bg2="dk1" tx2="lt2" accent1="accent1" accent2="accent2" accent3="accent3" accent4="accent4" accent5="accent5" accent6="accent6" hlink="hlink" folHlink="folHlink"/>
+    </a:extraClrScheme>
+    <a:extraClrScheme>
+      <a:clrScheme name="Default Design 2">
+        <a:dk1>
+          <a:srgbClr val="000000"/>
+        </a:dk1>
+        <a:lt1>
+          <a:srgbClr val="FFFFFF"/>
+        </a:lt1>
+        <a:dk2>
+          <a:srgbClr val="000000"/>
+        </a:dk2>
+        <a:lt2>
+          <a:srgbClr val="808080"/>
+        </a:lt2>
+        <a:accent1>
+          <a:srgbClr val="00CC99"/>
+        </a:accent1>
+        <a:accent2>
+          <a:srgbClr val="3333CC"/>
+        </a:accent2>
+        <a:accent3>
+          <a:srgbClr val="FFFFFF"/>
+        </a:accent3>
+        <a:accent4>
+          <a:srgbClr val="000000"/>
+        </a:accent4>
+        <a:accent5>
+          <a:srgbClr val="AAE2CA"/>
+        </a:accent5>
+        <a:accent6>
+          <a:srgbClr val="2D2DB9"/>
+        </a:accent6>
+        <a:hlink>
+          <a:srgbClr val="CCCCFF"/>
+        </a:hlink>
+        <a:folHlink>
+          <a:srgbClr val="B2B2B2"/>
+        </a:folHlink>
+      </a:clrScheme>
+      <a:clrMap bg1="lt1" tx1="dk1" bg2="lt2" tx2="dk2" accent1="accent1" accent2="accent2" accent3="accent3" accent4="accent4" accent5="accent5" accent6="accent6" hlink="hlink" folHlink="folHlink"/>
+    </a:extraClrScheme>
+    <a:extraClrScheme>
+      <a:clrScheme name="Default Design 3">
+        <a:dk1>
+          <a:srgbClr val="000000"/>
+        </a:dk1>
+        <a:lt1>
+          <a:srgbClr val="FFFFFF"/>
+        </a:lt1>
+        <a:dk2>
+          <a:srgbClr val="000000"/>
+        </a:dk2>
+        <a:lt2>
+          <a:srgbClr val="333333"/>
+        </a:lt2>
+        <a:accent1>
+          <a:srgbClr val="DDDDDD"/>
+        </a:accent1>
+        <a:accent2>
+          <a:srgbClr val="808080"/>
+        </a:accent2>
+        <a:accent3>
+          <a:srgbClr val="FFFFFF"/>
+        </a:accent3>
+        <a:accent4>
+          <a:srgbClr val="000000"/>
+        </a:accent4>
+        <a:accent5>
+          <a:srgbClr val="EBEBEB"/>
+        </a:accent5>
+        <a:accent6>
+          <a:srgbClr val="737373"/>
+        </a:accent6>
+        <a:hlink>
+          <a:srgbClr val="4D4D4D"/>
+        </a:hlink>
+        <a:folHlink>
+          <a:srgbClr val="EAEAEA"/>
+        </a:folHlink>
+      </a:clrScheme>
+      <a:clrMap bg1="lt1" tx1="dk1" bg2="lt2" tx2="dk2" accent1="accent1" accent2="accent2" accent3="accent3" accent4="accent4" accent5="accent5" accent6="accent6" hlink="hlink" folHlink="folHlink"/>
+    </a:extraClrScheme>
+    <a:extraClrScheme>
+      <a:clrScheme name="Default Design 4">
+        <a:dk1>
+          <a:srgbClr val="000000"/>
+        </a:dk1>
+        <a:lt1>
+          <a:srgbClr val="FFFFCC"/>
+        </a:lt1>
+        <a:dk2>
+          <a:srgbClr val="808000"/>
+        </a:dk2>
+        <a:lt2>
+          <a:srgbClr val="666633"/>
+        </a:lt2>
+        <a:accent1>
+          <a:srgbClr val="339933"/>
+        </a:accent1>
+        <a:accent2>
+          <a:srgbClr val="800000"/>
+        </a:accent2>
+        <a:accent3>
+          <a:srgbClr val="FFFFE2"/>
+        </a:accent3>
+        <a:accent4>
+          <a:srgbClr val="000000"/>
+        </a:accent4>
+        <a:accent5>
+          <a:srgbClr val="ADCAAD"/>
+        </a:accent5>
+        <a:accent6>
+          <a:srgbClr val="730000"/>
+        </a:accent6>
+        <a:hlink>
+          <a:srgbClr val="0033CC"/>
+        </a:hlink>
+        <a:folHlink>
+          <a:srgbClr val="FFCC66"/>
+        </a:folHlink>
+      </a:clrScheme>
+      <a:clrMap bg1="lt1" tx1="dk1" bg2="lt2" tx2="dk2" accent1="accent1" accent2="accent2" accent3="accent3" accent4="accent4" accent5="accent5" accent6="accent6" hlink="hlink" folHlink="folHlink"/>
+    </a:extraClrScheme>
+    <a:extraClrScheme>
+      <a:clrScheme name="Default Design 5">
+        <a:dk1>
+          <a:srgbClr val="000000"/>
+        </a:dk1>
+        <a:lt1>
+          <a:srgbClr val="FFFFFF"/>
+        </a:lt1>
+        <a:dk2>
+          <a:srgbClr val="000000"/>
+        </a:dk2>
+        <a:lt2>
+          <a:srgbClr val="808080"/>
+        </a:lt2>
+        <a:accent1>
+          <a:srgbClr val="FFCC66"/>
+        </a:accent1>
+        <a:accent2>
+          <a:srgbClr val="0000FF"/>
+        </a:accent2>
+        <a:accent3>
+          <a:srgbClr val="FFFFFF"/>
+        </a:accent3>
+        <a:accent4>
+          <a:srgbClr val="000000"/>
+        </a:accent4>
+        <a:accent5>
+          <a:srgbClr val="FFE2B8"/>
+        </a:accent5>
+        <a:accent6>
+          <a:srgbClr val="0000E7"/>
+        </a:accent6>
+        <a:hlink>
+          <a:srgbClr val="CC00CC"/>
+        </a:hlink>
+        <a:folHlink>
+          <a:srgbClr val="C0C0C0"/>
+        </a:folHlink>
+      </a:clrScheme>
+      <a:clrMap bg1="lt1" tx1="dk1" bg2="lt2" tx2="dk2" accent1="accent1" accent2="accent2" accent3="accent3" accent4="accent4" accent5="accent5" accent6="accent6" hlink="hlink" folHlink="folHlink"/>
+    </a:extraClrScheme>
+    <a:extraClrScheme>
+      <a:clrScheme name="Default Design 6">
+        <a:dk1>
+          <a:srgbClr val="000000"/>
+        </a:dk1>
+        <a:lt1>
+          <a:srgbClr val="FFFFFF"/>
+        </a:lt1>
+        <a:dk2>
+          <a:srgbClr val="000000"/>
+        </a:dk2>
+        <a:lt2>
+          <a:srgbClr val="808080"/>
+        </a:lt2>
+        <a:accent1>
+          <a:srgbClr val="C0C0C0"/>
+        </a:accent1>
+        <a:accent2>
+          <a:srgbClr val="0066FF"/>
+        </a:accent2>
+        <a:accent3>
+          <a:srgbClr val="FFFFFF"/>
+        </a:accent3>
+        <a:accent4>
+          <a:srgbClr val="000000"/>
+        </a:accent4>
+        <a:accent5>
+          <a:srgbClr val="DCDCDC"/>
+        </a:accent5>
+        <a:accent6>
+          <a:srgbClr val="005CE7"/>
+        </a:accent6>
+        <a:hlink>
+          <a:srgbClr val="FF0000"/>
+        </a:hlink>
+        <a:folHlink>
+          <a:srgbClr val="009900"/>
+        </a:folHlink>
+      </a:clrScheme>
+      <a:clrMap bg1="lt1" tx1="dk1" bg2="lt2" tx2="dk2" accent1="accent1" accent2="accent2" accent3="accent3" accent4="accent4" accent5="accent5" accent6="accent6" hlink="hlink" folHlink="folHlink"/>
+    </a:extraClrScheme>
+    <a:extraClrScheme>
+      <a:clrScheme name="Default Design 7">
+        <a:dk1>
+          <a:srgbClr val="000000"/>
+        </a:dk1>
+        <a:lt1>
+          <a:srgbClr val="FFFFFF"/>
+        </a:lt1>
+        <a:dk2>
+          <a:srgbClr val="000000"/>
+        </a:dk2>
+        <a:lt2>
+          <a:srgbClr val="808080"/>
+        </a:lt2>
+        <a:accent1>
+          <a:srgbClr val="3399FF"/>
+        </a:accent1>
+        <a:accent2>
+          <a:srgbClr val="99FFCC"/>
+        </a:accent2>
+        <a:accent3>
+          <a:srgbClr val="FFFFFF"/>
+        </a:accent3>
+        <a:accent4>
+          <a:srgbClr val="000000"/>
+        </a:accent4>
+        <a:accent5>
+          <a:srgbClr val="ADCAFF"/>
+        </a:accent5>
+        <a:accent6>
+          <a:srgbClr val="8AE7B9"/>
+        </a:accent6>
+        <a:hlink>
+          <a:srgbClr val="CC00CC"/>
+        </a:hlink>
+        <a:folHlink>
+          <a:srgbClr val="B2B2B2"/>
+        </a:folHlink>
+      </a:clrScheme>
+      <a:clrMap bg1="lt1" tx1="dk1" bg2="lt2" tx2="dk2" accent1="accent1" accent2="accent2" accent3="accent3" accent4="accent4" accent5="accent5" accent6="accent6" hlink="hlink" folHlink="folHlink"/>
+    </a:extraClrScheme>
+  </a:extraClrSchemeLst>
+</a:theme>
+</file>
+
+<file path=ppt/theme/theme2.xml><?xml version="1.0" encoding="utf-8"?>
 <a:theme xmlns:a="http://schemas.openxmlformats.org/drawingml/2006/main" name="Office Theme">
   <a:themeElements>
-    <a:clrScheme name="Office">
+    <a:clrScheme name="">
       <a:dk1>
-        <a:sysClr val="windowText" lastClr="000000"/>
+        <a:srgbClr val="000000"/>
       </a:dk1>
       <a:lt1>
-        <a:sysClr val="window" lastClr="FFFFFF"/>
+        <a:srgbClr val="FFFFFF"/>
       </a:lt1>
       <a:dk2>
-        <a:srgbClr val="1F497D"/>
+        <a:srgbClr val="000000"/>
       </a:dk2>
       <a:lt2>
-        <a:srgbClr val="EEECE1"/>
+        <a:srgbClr val="808080"/>
       </a:lt2>
       <a:accent1>
-        <a:srgbClr val="4F81BD"/>
+        <a:srgbClr val="00CC99"/>
       </a:accent1>
       <a:accent2>
-        <a:srgbClr val="C0504D"/>
+        <a:srgbClr val="3333CC"/>
       </a:accent2>
       <a:accent3>
-        <a:srgbClr val="9BBB59"/>
+        <a:srgbClr val="FFFFFF"/>
       </a:accent3>
       <a:accent4>
-        <a:srgbClr val="8064A2"/>
+        <a:srgbClr val="000000"/>
       </a:accent4>
       <a:accent5>
-        <a:srgbClr val="4BACC6"/>
+        <a:srgbClr val="AAE2CA"/>
       </a:accent5>
       <a:accent6>
-        <a:srgbClr val="F79646"/>
+        <a:srgbClr val="2D2DB9"/>
       </a:accent6>
       <a:hlink>
-        <a:srgbClr val="0000FF"/>
+        <a:srgbClr val="CCCCFF"/>
       </a:hlink>
       <a:folHlink>
-        <a:srgbClr val="800080"/>
+        <a:srgbClr val="B2B2B2"/>
       </a:folHlink>
     </a:clrScheme>
     <a:fontScheme name="Office">

--- a/Trunk/cfunited09/DeployingAppsWithAnt/Deploying Apps with Ant.pptx
+++ b/Trunk/cfunited09/DeployingAppsWithAnt/Deploying Apps with Ant.pptx
@@ -1010,13 +1010,8 @@
           <a:p>
             <a:r>
               <a:rPr lang="en-US" baseline="0" dirty="0" smtClean="0"/>
-              <a:t>If I screw up talk about how easy this is to </a:t>
-            </a:r>
-            <a:r>
-              <a:rPr lang="en-US" baseline="0" smtClean="0"/>
-              <a:t>screw up</a:t>
-            </a:r>
-            <a:endParaRPr lang="en-US" baseline="0" dirty="0" smtClean="0"/>
+              <a:t>If I screw up talk about how easy this is to screw up</a:t>
+            </a:r>
           </a:p>
         </p:txBody>
       </p:sp>
@@ -3639,6 +3634,30 @@
           </a:p>
         </p:txBody>
       </p:sp>
+      <p:pic>
+        <p:nvPicPr>
+          <p:cNvPr id="5" name="Picture 4" descr="AlagadLogos_VERTICAL.jpg"/>
+          <p:cNvPicPr>
+            <a:picLocks noChangeAspect="1"/>
+          </p:cNvPicPr>
+          <p:nvPr/>
+        </p:nvPicPr>
+        <p:blipFill>
+          <a:blip r:embed="rId3"/>
+          <a:stretch>
+            <a:fillRect/>
+          </a:stretch>
+        </p:blipFill>
+        <p:spPr>
+          <a:xfrm>
+            <a:off x="7391400" y="381000"/>
+            <a:ext cx="1048385" cy="1371600"/>
+          </a:xfrm>
+          <a:prstGeom prst="rect">
+            <a:avLst/>
+          </a:prstGeom>
+        </p:spPr>
+      </p:pic>
     </p:spTree>
   </p:cSld>
   <p:clrMapOvr>

--- a/Trunk/cfunited09/DeployingAppsWithAnt/Deploying Apps with Ant.pptx
+++ b/Trunk/cfunited09/DeployingAppsWithAnt/Deploying Apps with Ant.pptx
@@ -5,7 +5,7 @@
     <p:sldMasterId id="2147483648" r:id="rId1"/>
   </p:sldMasterIdLst>
   <p:notesMasterIdLst>
-    <p:notesMasterId r:id="rId7"/>
+    <p:notesMasterId r:id="rId15"/>
   </p:notesMasterIdLst>
   <p:sldIdLst>
     <p:sldId id="256" r:id="rId2"/>
@@ -13,6 +13,14 @@
     <p:sldId id="258" r:id="rId4"/>
     <p:sldId id="259" r:id="rId5"/>
     <p:sldId id="260" r:id="rId6"/>
+    <p:sldId id="261" r:id="rId7"/>
+    <p:sldId id="262" r:id="rId8"/>
+    <p:sldId id="263" r:id="rId9"/>
+    <p:sldId id="264" r:id="rId10"/>
+    <p:sldId id="265" r:id="rId11"/>
+    <p:sldId id="266" r:id="rId12"/>
+    <p:sldId id="267" r:id="rId13"/>
+    <p:sldId id="268" r:id="rId14"/>
   </p:sldIdLst>
   <p:sldSz cx="9144000" cy="6858000" type="screen4x3"/>
   <p:notesSz cx="6858000" cy="9144000"/>
@@ -975,7 +983,25 @@
           <a:p>
             <a:r>
               <a:rPr lang="en-US" baseline="0" dirty="0" smtClean="0"/>
-              <a:t>Show the public website…</a:t>
+              <a:t>Show the public website… (be sure to reload it!!)</a:t>
+            </a:r>
+          </a:p>
+          <a:p>
+            <a:endParaRPr lang="en-US" baseline="0" dirty="0" smtClean="0"/>
+          </a:p>
+          <a:p>
+            <a:r>
+              <a:rPr lang="en-US" baseline="0" dirty="0" smtClean="0"/>
+              <a:t>Note that the title hasn’t changed</a:t>
+            </a:r>
+          </a:p>
+          <a:p>
+            <a:endParaRPr lang="en-US" baseline="0" dirty="0" smtClean="0"/>
+          </a:p>
+          <a:p>
+            <a:r>
+              <a:rPr lang="en-US" baseline="0" dirty="0" smtClean="0"/>
+              <a:t>Clear the template cache</a:t>
             </a:r>
           </a:p>
           <a:p>
@@ -1001,7 +1027,7 @@
             </a:r>
             <a:r>
               <a:rPr lang="en-US" baseline="0" dirty="0" smtClean="0"/>
-              <a:t> configuration (cfu09ant.com) and republish</a:t>
+              <a:t> configuration (cfu09ant.com) and republish and reload</a:t>
             </a:r>
           </a:p>
           <a:p>
@@ -1034,6 +1060,278 @@
               <a:rPr lang="en-US" smtClean="0"/>
               <a:pPr/>
               <a:t>5</a:t>
+            </a:fld>
+            <a:endParaRPr lang="en-US"/>
+          </a:p>
+        </p:txBody>
+      </p:sp>
+    </p:spTree>
+  </p:cSld>
+  <p:clrMapOvr>
+    <a:masterClrMapping/>
+  </p:clrMapOvr>
+</p:notes>
+</file>
+
+<file path=ppt/notesSlides/notesSlide5.xml><?xml version="1.0" encoding="utf-8"?>
+<p:notes xmlns:a="http://schemas.openxmlformats.org/drawingml/2006/main" xmlns:r="http://schemas.openxmlformats.org/officeDocument/2006/relationships" xmlns:mc="http://schemas.openxmlformats.org/markup-compatibility/2006" xmlns:mv="urn:schemas-microsoft-com:mac:vml" xmlns:p="http://schemas.openxmlformats.org/presentationml/2006/main" mc:Ignorable="mv" mc:PreserveAttributes="mv:*">
+  <p:cSld>
+    <p:spTree>
+      <p:nvGrpSpPr>
+        <p:cNvPr id="1" name=""/>
+        <p:cNvGrpSpPr/>
+        <p:nvPr/>
+      </p:nvGrpSpPr>
+      <p:grpSpPr>
+        <a:xfrm>
+          <a:off x="0" y="0"/>
+          <a:ext cx="0" cy="0"/>
+          <a:chOff x="0" y="0"/>
+          <a:chExt cx="0" cy="0"/>
+        </a:xfrm>
+      </p:grpSpPr>
+      <p:sp>
+        <p:nvSpPr>
+          <p:cNvPr id="2" name="Slide Image Placeholder 1"/>
+          <p:cNvSpPr>
+            <a:spLocks noGrp="1" noRot="1" noChangeAspect="1"/>
+          </p:cNvSpPr>
+          <p:nvPr>
+            <p:ph type="sldImg"/>
+          </p:nvPr>
+        </p:nvSpPr>
+        <p:spPr/>
+      </p:sp>
+      <p:sp>
+        <p:nvSpPr>
+          <p:cNvPr id="3" name="Notes Placeholder 2"/>
+          <p:cNvSpPr>
+            <a:spLocks noGrp="1"/>
+          </p:cNvSpPr>
+          <p:nvPr>
+            <p:ph type="body" idx="1"/>
+          </p:nvPr>
+        </p:nvSpPr>
+        <p:spPr/>
+        <p:txBody>
+          <a:bodyPr>
+            <a:normAutofit lnSpcReduction="10000"/>
+          </a:bodyPr>
+          <a:lstStyle/>
+          <a:p>
+            <a:endParaRPr lang="en-US" baseline="0" dirty="0" smtClean="0"/>
+          </a:p>
+        </p:txBody>
+      </p:sp>
+      <p:sp>
+        <p:nvSpPr>
+          <p:cNvPr id="4" name="Slide Number Placeholder 3"/>
+          <p:cNvSpPr>
+            <a:spLocks noGrp="1"/>
+          </p:cNvSpPr>
+          <p:nvPr>
+            <p:ph type="sldNum" sz="quarter" idx="10"/>
+          </p:nvPr>
+        </p:nvSpPr>
+        <p:spPr/>
+        <p:txBody>
+          <a:bodyPr/>
+          <a:lstStyle/>
+          <a:p>
+            <a:fld id="{B5F5531F-3E44-EB4B-BD64-F626A713B454}" type="slidenum">
+              <a:rPr lang="en-US" smtClean="0"/>
+              <a:pPr/>
+              <a:t>6</a:t>
+            </a:fld>
+            <a:endParaRPr lang="en-US"/>
+          </a:p>
+        </p:txBody>
+      </p:sp>
+    </p:spTree>
+  </p:cSld>
+  <p:clrMapOvr>
+    <a:masterClrMapping/>
+  </p:clrMapOvr>
+</p:notes>
+</file>
+
+<file path=ppt/notesSlides/notesSlide6.xml><?xml version="1.0" encoding="utf-8"?>
+<p:notes xmlns:a="http://schemas.openxmlformats.org/drawingml/2006/main" xmlns:r="http://schemas.openxmlformats.org/officeDocument/2006/relationships" xmlns:mc="http://schemas.openxmlformats.org/markup-compatibility/2006" xmlns:mv="urn:schemas-microsoft-com:mac:vml" xmlns:p="http://schemas.openxmlformats.org/presentationml/2006/main" mc:Ignorable="mv" mc:PreserveAttributes="mv:*">
+  <p:cSld>
+    <p:spTree>
+      <p:nvGrpSpPr>
+        <p:cNvPr id="1" name=""/>
+        <p:cNvGrpSpPr/>
+        <p:nvPr/>
+      </p:nvGrpSpPr>
+      <p:grpSpPr>
+        <a:xfrm>
+          <a:off x="0" y="0"/>
+          <a:ext cx="0" cy="0"/>
+          <a:chOff x="0" y="0"/>
+          <a:chExt cx="0" cy="0"/>
+        </a:xfrm>
+      </p:grpSpPr>
+      <p:sp>
+        <p:nvSpPr>
+          <p:cNvPr id="2" name="Slide Image Placeholder 1"/>
+          <p:cNvSpPr>
+            <a:spLocks noGrp="1" noRot="1" noChangeAspect="1"/>
+          </p:cNvSpPr>
+          <p:nvPr>
+            <p:ph type="sldImg"/>
+          </p:nvPr>
+        </p:nvSpPr>
+        <p:spPr/>
+      </p:sp>
+      <p:sp>
+        <p:nvSpPr>
+          <p:cNvPr id="3" name="Notes Placeholder 2"/>
+          <p:cNvSpPr>
+            <a:spLocks noGrp="1"/>
+          </p:cNvSpPr>
+          <p:nvPr>
+            <p:ph type="body" idx="1"/>
+          </p:nvPr>
+        </p:nvSpPr>
+        <p:spPr/>
+        <p:txBody>
+          <a:bodyPr>
+            <a:normAutofit/>
+          </a:bodyPr>
+          <a:lstStyle/>
+          <a:p>
+            <a:r>
+              <a:rPr lang="en-US" dirty="0" smtClean="0"/>
+              <a:t>Customer will interrupt again and tell me that their website</a:t>
+            </a:r>
+            <a:r>
+              <a:rPr lang="en-US" baseline="0" dirty="0" smtClean="0"/>
+              <a:t> seems to be running slow and there’s all sorts of “garbage” at the bottom of the page.</a:t>
+            </a:r>
+          </a:p>
+          <a:p>
+            <a:endParaRPr lang="en-US" baseline="0" dirty="0" smtClean="0"/>
+          </a:p>
+          <a:p>
+            <a:r>
+              <a:rPr lang="en-US" baseline="0" dirty="0" smtClean="0"/>
+              <a:t>I’ll look at the page and realize I forgot to turn off reloading and debugging in MG.</a:t>
+            </a:r>
+          </a:p>
+          <a:p>
+            <a:endParaRPr lang="en-US" baseline="0" dirty="0" smtClean="0"/>
+          </a:p>
+          <a:p>
+            <a:r>
+              <a:rPr lang="en-US" baseline="0" dirty="0" smtClean="0"/>
+              <a:t>I’ll fix in the export and republish</a:t>
+            </a:r>
+            <a:endParaRPr lang="en-US" dirty="0"/>
+          </a:p>
+        </p:txBody>
+      </p:sp>
+      <p:sp>
+        <p:nvSpPr>
+          <p:cNvPr id="4" name="Slide Number Placeholder 3"/>
+          <p:cNvSpPr>
+            <a:spLocks noGrp="1"/>
+          </p:cNvSpPr>
+          <p:nvPr>
+            <p:ph type="sldNum" sz="quarter" idx="10"/>
+          </p:nvPr>
+        </p:nvSpPr>
+        <p:spPr/>
+        <p:txBody>
+          <a:bodyPr/>
+          <a:lstStyle/>
+          <a:p>
+            <a:fld id="{B5F5531F-3E44-EB4B-BD64-F626A713B454}" type="slidenum">
+              <a:rPr lang="en-US" smtClean="0"/>
+              <a:pPr/>
+              <a:t>7</a:t>
+            </a:fld>
+            <a:endParaRPr lang="en-US"/>
+          </a:p>
+        </p:txBody>
+      </p:sp>
+    </p:spTree>
+  </p:cSld>
+  <p:clrMapOvr>
+    <a:masterClrMapping/>
+  </p:clrMapOvr>
+</p:notes>
+</file>
+
+<file path=ppt/notesSlides/notesSlide7.xml><?xml version="1.0" encoding="utf-8"?>
+<p:notes xmlns:a="http://schemas.openxmlformats.org/drawingml/2006/main" xmlns:r="http://schemas.openxmlformats.org/officeDocument/2006/relationships" xmlns:mc="http://schemas.openxmlformats.org/markup-compatibility/2006" xmlns:mv="urn:schemas-microsoft-com:mac:vml" xmlns:p="http://schemas.openxmlformats.org/presentationml/2006/main" mc:Ignorable="mv" mc:PreserveAttributes="mv:*">
+  <p:cSld>
+    <p:spTree>
+      <p:nvGrpSpPr>
+        <p:cNvPr id="1" name=""/>
+        <p:cNvGrpSpPr/>
+        <p:nvPr/>
+      </p:nvGrpSpPr>
+      <p:grpSpPr>
+        <a:xfrm>
+          <a:off x="0" y="0"/>
+          <a:ext cx="0" cy="0"/>
+          <a:chOff x="0" y="0"/>
+          <a:chExt cx="0" cy="0"/>
+        </a:xfrm>
+      </p:grpSpPr>
+      <p:sp>
+        <p:nvSpPr>
+          <p:cNvPr id="2" name="Slide Image Placeholder 1"/>
+          <p:cNvSpPr>
+            <a:spLocks noGrp="1" noRot="1" noChangeAspect="1"/>
+          </p:cNvSpPr>
+          <p:nvPr>
+            <p:ph type="sldImg"/>
+          </p:nvPr>
+        </p:nvSpPr>
+        <p:spPr/>
+      </p:sp>
+      <p:sp>
+        <p:nvSpPr>
+          <p:cNvPr id="3" name="Notes Placeholder 2"/>
+          <p:cNvSpPr>
+            <a:spLocks noGrp="1"/>
+          </p:cNvSpPr>
+          <p:nvPr>
+            <p:ph type="body" idx="1"/>
+          </p:nvPr>
+        </p:nvSpPr>
+        <p:spPr/>
+        <p:txBody>
+          <a:bodyPr>
+            <a:normAutofit/>
+          </a:bodyPr>
+          <a:lstStyle/>
+          <a:p>
+            <a:endParaRPr lang="en-US" dirty="0"/>
+          </a:p>
+        </p:txBody>
+      </p:sp>
+      <p:sp>
+        <p:nvSpPr>
+          <p:cNvPr id="4" name="Slide Number Placeholder 3"/>
+          <p:cNvSpPr>
+            <a:spLocks noGrp="1"/>
+          </p:cNvSpPr>
+          <p:nvPr>
+            <p:ph type="sldNum" sz="quarter" idx="10"/>
+          </p:nvPr>
+        </p:nvSpPr>
+        <p:spPr/>
+        <p:txBody>
+          <a:bodyPr/>
+          <a:lstStyle/>
+          <a:p>
+            <a:fld id="{B5F5531F-3E44-EB4B-BD64-F626A713B454}" type="slidenum">
+              <a:rPr lang="en-US" smtClean="0"/>
+              <a:pPr/>
+              <a:t>13</a:t>
             </a:fld>
             <a:endParaRPr lang="en-US"/>
           </a:p>
@@ -3507,6 +3805,2679 @@
 </p:sld>
 </file>
 
+<file path=ppt/slides/slide10.xml><?xml version="1.0" encoding="utf-8"?>
+<p:sld xmlns:a="http://schemas.openxmlformats.org/drawingml/2006/main" xmlns:r="http://schemas.openxmlformats.org/officeDocument/2006/relationships" xmlns:mc="http://schemas.openxmlformats.org/markup-compatibility/2006" xmlns:mv="urn:schemas-microsoft-com:mac:vml" xmlns:p="http://schemas.openxmlformats.org/presentationml/2006/main" mc:Ignorable="mv" mc:PreserveAttributes="mv:*">
+  <p:cSld>
+    <p:spTree>
+      <p:nvGrpSpPr>
+        <p:cNvPr id="1" name=""/>
+        <p:cNvGrpSpPr/>
+        <p:nvPr/>
+      </p:nvGrpSpPr>
+      <p:grpSpPr>
+        <a:xfrm>
+          <a:off x="0" y="0"/>
+          <a:ext cx="0" cy="0"/>
+          <a:chOff x="0" y="0"/>
+          <a:chExt cx="0" cy="0"/>
+        </a:xfrm>
+      </p:grpSpPr>
+      <p:sp>
+        <p:nvSpPr>
+          <p:cNvPr id="2" name="Title 1"/>
+          <p:cNvSpPr>
+            <a:spLocks noGrp="1"/>
+          </p:cNvSpPr>
+          <p:nvPr>
+            <p:ph type="title"/>
+          </p:nvPr>
+        </p:nvSpPr>
+        <p:spPr/>
+        <p:txBody>
+          <a:bodyPr/>
+          <a:lstStyle/>
+          <a:p>
+            <a:r>
+              <a:rPr lang="en-US" dirty="0" smtClean="0"/>
+              <a:t>Introducing Ant</a:t>
+            </a:r>
+            <a:endParaRPr lang="en-US" dirty="0"/>
+          </a:p>
+        </p:txBody>
+      </p:sp>
+      <p:sp>
+        <p:nvSpPr>
+          <p:cNvPr id="3" name="Content Placeholder 2"/>
+          <p:cNvSpPr>
+            <a:spLocks noGrp="1"/>
+          </p:cNvSpPr>
+          <p:nvPr>
+            <p:ph idx="1"/>
+          </p:nvPr>
+        </p:nvSpPr>
+        <p:spPr/>
+        <p:txBody>
+          <a:bodyPr/>
+          <a:lstStyle/>
+          <a:p>
+            <a:r>
+              <a:rPr lang="en-US" dirty="0" smtClean="0"/>
+              <a:t>An Apache product</a:t>
+            </a:r>
+          </a:p>
+          <a:p>
+            <a:r>
+              <a:rPr lang="en-US" dirty="0" smtClean="0"/>
+              <a:t>Primarily a Java build tool</a:t>
+            </a:r>
+          </a:p>
+          <a:p>
+            <a:r>
+              <a:rPr lang="en-US" dirty="0" smtClean="0"/>
+              <a:t>Build scripts written in XML</a:t>
+            </a:r>
+          </a:p>
+          <a:p>
+            <a:r>
+              <a:rPr lang="en-US" dirty="0" smtClean="0"/>
+              <a:t>Provides many useful features built in</a:t>
+            </a:r>
+          </a:p>
+          <a:p>
+            <a:r>
+              <a:rPr lang="en-US" dirty="0" smtClean="0"/>
+              <a:t>Has a large community of third-party tasks</a:t>
+            </a:r>
+          </a:p>
+          <a:p>
+            <a:r>
+              <a:rPr lang="en-US" dirty="0" smtClean="0"/>
+              <a:t>Free &amp; open source</a:t>
+            </a:r>
+          </a:p>
+          <a:p>
+            <a:r>
+              <a:rPr lang="en-US" dirty="0" smtClean="0"/>
+              <a:t>Somewhat similar in feel to CFML</a:t>
+            </a:r>
+          </a:p>
+          <a:p>
+            <a:endParaRPr lang="en-US" dirty="0"/>
+          </a:p>
+        </p:txBody>
+      </p:sp>
+      <p:pic>
+        <p:nvPicPr>
+          <p:cNvPr id="4" name="Picture 3"/>
+          <p:cNvPicPr>
+            <a:picLocks noChangeAspect="1"/>
+          </p:cNvPicPr>
+          <p:nvPr/>
+        </p:nvPicPr>
+        <p:blipFill>
+          <a:blip r:embed="rId2">
+            <a:clrChange>
+              <a:clrFrom>
+                <a:srgbClr val="FEFEFE"/>
+              </a:clrFrom>
+              <a:clrTo>
+                <a:srgbClr val="FEFEFE">
+                  <a:alpha val="0"/>
+                </a:srgbClr>
+              </a:clrTo>
+            </a:clrChange>
+          </a:blip>
+          <a:stretch>
+            <a:fillRect/>
+          </a:stretch>
+        </p:blipFill>
+        <p:spPr>
+          <a:xfrm>
+            <a:off x="6947100" y="425152"/>
+            <a:ext cx="1346200" cy="1612900"/>
+          </a:xfrm>
+          <a:prstGeom prst="rect">
+            <a:avLst/>
+          </a:prstGeom>
+        </p:spPr>
+      </p:pic>
+    </p:spTree>
+  </p:cSld>
+  <p:clrMapOvr>
+    <a:masterClrMapping/>
+  </p:clrMapOvr>
+</p:sld>
+</file>
+
+<file path=ppt/slides/slide11.xml><?xml version="1.0" encoding="utf-8"?>
+<p:sld xmlns:a="http://schemas.openxmlformats.org/drawingml/2006/main" xmlns:r="http://schemas.openxmlformats.org/officeDocument/2006/relationships" xmlns:mc="http://schemas.openxmlformats.org/markup-compatibility/2006" xmlns:mv="urn:schemas-microsoft-com:mac:vml" xmlns:p="http://schemas.openxmlformats.org/presentationml/2006/main" mc:Ignorable="mv" mc:PreserveAttributes="mv:*">
+  <p:cSld>
+    <p:spTree>
+      <p:nvGrpSpPr>
+        <p:cNvPr id="1" name=""/>
+        <p:cNvGrpSpPr/>
+        <p:nvPr/>
+      </p:nvGrpSpPr>
+      <p:grpSpPr>
+        <a:xfrm>
+          <a:off x="0" y="0"/>
+          <a:ext cx="0" cy="0"/>
+          <a:chOff x="0" y="0"/>
+          <a:chExt cx="0" cy="0"/>
+        </a:xfrm>
+      </p:grpSpPr>
+      <p:sp>
+        <p:nvSpPr>
+          <p:cNvPr id="2" name="Title 1"/>
+          <p:cNvSpPr>
+            <a:spLocks noGrp="1"/>
+          </p:cNvSpPr>
+          <p:nvPr>
+            <p:ph type="title"/>
+          </p:nvPr>
+        </p:nvSpPr>
+        <p:spPr/>
+        <p:txBody>
+          <a:bodyPr/>
+          <a:lstStyle/>
+          <a:p>
+            <a:r>
+              <a:rPr lang="en-US" dirty="0" smtClean="0"/>
+              <a:t>Ant’s core tasks - Built in, run out of the box</a:t>
+            </a:r>
+            <a:endParaRPr lang="en-US" dirty="0"/>
+          </a:p>
+        </p:txBody>
+      </p:sp>
+      <p:sp>
+        <p:nvSpPr>
+          <p:cNvPr id="3" name="Content Placeholder 2"/>
+          <p:cNvSpPr>
+            <a:spLocks noGrp="1"/>
+          </p:cNvSpPr>
+          <p:nvPr>
+            <p:ph idx="1"/>
+          </p:nvPr>
+        </p:nvSpPr>
+        <p:spPr/>
+        <p:txBody>
+          <a:bodyPr numCol="4"/>
+          <a:lstStyle/>
+          <a:p>
+            <a:pPr>
+              <a:buNone/>
+            </a:pPr>
+            <a:r>
+              <a:rPr lang="en-US" sz="900" dirty="0" smtClean="0">
+                <a:latin typeface="Arial (Body)"/>
+                <a:cs typeface="Arial (Body)"/>
+              </a:rPr>
+              <a:t>Ant</a:t>
+            </a:r>
+          </a:p>
+          <a:p>
+            <a:pPr>
+              <a:buNone/>
+            </a:pPr>
+            <a:r>
+              <a:rPr lang="en-US" sz="900" dirty="0" err="1" smtClean="0">
+                <a:latin typeface="Arial (Body)"/>
+                <a:cs typeface="Arial (Body)"/>
+              </a:rPr>
+              <a:t>AntCall</a:t>
+            </a:r>
+            <a:endParaRPr lang="en-US" sz="900" dirty="0" smtClean="0">
+              <a:latin typeface="Arial (Body)"/>
+              <a:cs typeface="Arial (Body)"/>
+            </a:endParaRPr>
+          </a:p>
+          <a:p>
+            <a:pPr>
+              <a:buNone/>
+            </a:pPr>
+            <a:r>
+              <a:rPr lang="en-US" sz="900" dirty="0" err="1" smtClean="0">
+                <a:latin typeface="Arial (Body)"/>
+                <a:cs typeface="Arial (Body)"/>
+              </a:rPr>
+              <a:t>AntStructure</a:t>
+            </a:r>
+            <a:endParaRPr lang="en-US" sz="900" dirty="0" smtClean="0">
+              <a:latin typeface="Arial (Body)"/>
+              <a:cs typeface="Arial (Body)"/>
+            </a:endParaRPr>
+          </a:p>
+          <a:p>
+            <a:pPr>
+              <a:buNone/>
+            </a:pPr>
+            <a:r>
+              <a:rPr lang="en-US" sz="900" dirty="0" err="1" smtClean="0">
+                <a:latin typeface="Arial (Body)"/>
+                <a:cs typeface="Arial (Body)"/>
+              </a:rPr>
+              <a:t>AntVersion</a:t>
+            </a:r>
+            <a:endParaRPr lang="en-US" sz="900" dirty="0" smtClean="0">
+              <a:latin typeface="Arial (Body)"/>
+              <a:cs typeface="Arial (Body)"/>
+            </a:endParaRPr>
+          </a:p>
+          <a:p>
+            <a:pPr>
+              <a:buNone/>
+            </a:pPr>
+            <a:r>
+              <a:rPr lang="en-US" sz="900" dirty="0" smtClean="0">
+                <a:latin typeface="Arial (Body)"/>
+                <a:cs typeface="Arial (Body)"/>
+              </a:rPr>
+              <a:t>Apply/</a:t>
+            </a:r>
+            <a:r>
+              <a:rPr lang="en-US" sz="900" dirty="0" err="1" smtClean="0">
+                <a:latin typeface="Arial (Body)"/>
+                <a:cs typeface="Arial (Body)"/>
+              </a:rPr>
+              <a:t>ExecOn</a:t>
+            </a:r>
+            <a:endParaRPr lang="en-US" sz="900" dirty="0" smtClean="0">
+              <a:latin typeface="Arial (Body)"/>
+              <a:cs typeface="Arial (Body)"/>
+            </a:endParaRPr>
+          </a:p>
+          <a:p>
+            <a:pPr>
+              <a:buNone/>
+            </a:pPr>
+            <a:r>
+              <a:rPr lang="en-US" sz="900" dirty="0" smtClean="0">
+                <a:latin typeface="Arial (Body)"/>
+                <a:cs typeface="Arial (Body)"/>
+              </a:rPr>
+              <a:t>Apt</a:t>
+            </a:r>
+          </a:p>
+          <a:p>
+            <a:pPr>
+              <a:buNone/>
+            </a:pPr>
+            <a:r>
+              <a:rPr lang="en-US" sz="900" dirty="0" smtClean="0">
+                <a:latin typeface="Arial (Body)"/>
+                <a:cs typeface="Arial (Body)"/>
+              </a:rPr>
+              <a:t>Available</a:t>
+            </a:r>
+          </a:p>
+          <a:p>
+            <a:pPr>
+              <a:buNone/>
+            </a:pPr>
+            <a:r>
+              <a:rPr lang="en-US" sz="900" dirty="0" err="1" smtClean="0">
+                <a:latin typeface="Arial (Body)"/>
+                <a:cs typeface="Arial (Body)"/>
+              </a:rPr>
+              <a:t>Basename</a:t>
+            </a:r>
+            <a:endParaRPr lang="en-US" sz="900" dirty="0" smtClean="0">
+              <a:latin typeface="Arial (Body)"/>
+              <a:cs typeface="Arial (Body)"/>
+            </a:endParaRPr>
+          </a:p>
+          <a:p>
+            <a:pPr>
+              <a:buNone/>
+            </a:pPr>
+            <a:r>
+              <a:rPr lang="en-US" sz="900" dirty="0" err="1" smtClean="0">
+                <a:latin typeface="Arial (Body)"/>
+                <a:cs typeface="Arial (Body)"/>
+              </a:rPr>
+              <a:t>BuildNumber</a:t>
+            </a:r>
+            <a:endParaRPr lang="en-US" sz="900" dirty="0" smtClean="0">
+              <a:latin typeface="Arial (Body)"/>
+              <a:cs typeface="Arial (Body)"/>
+            </a:endParaRPr>
+          </a:p>
+          <a:p>
+            <a:pPr>
+              <a:buNone/>
+            </a:pPr>
+            <a:r>
+              <a:rPr lang="en-US" sz="900" dirty="0" smtClean="0">
+                <a:latin typeface="Arial (Body)"/>
+                <a:cs typeface="Arial (Body)"/>
+              </a:rPr>
+              <a:t>BUnzip2</a:t>
+            </a:r>
+          </a:p>
+          <a:p>
+            <a:pPr>
+              <a:buNone/>
+            </a:pPr>
+            <a:r>
+              <a:rPr lang="en-US" sz="900" dirty="0" smtClean="0">
+                <a:latin typeface="Arial (Body)"/>
+                <a:cs typeface="Arial (Body)"/>
+              </a:rPr>
+              <a:t>BZip2</a:t>
+            </a:r>
+          </a:p>
+          <a:p>
+            <a:pPr>
+              <a:buNone/>
+            </a:pPr>
+            <a:r>
+              <a:rPr lang="en-US" sz="900" dirty="0" smtClean="0">
+                <a:latin typeface="Arial (Body)"/>
+                <a:cs typeface="Arial (Body)"/>
+              </a:rPr>
+              <a:t>Checksum</a:t>
+            </a:r>
+          </a:p>
+          <a:p>
+            <a:pPr>
+              <a:buNone/>
+            </a:pPr>
+            <a:r>
+              <a:rPr lang="en-US" sz="900" dirty="0" err="1" smtClean="0">
+                <a:latin typeface="Arial (Body)"/>
+                <a:cs typeface="Arial (Body)"/>
+              </a:rPr>
+              <a:t>Chmod</a:t>
+            </a:r>
+            <a:endParaRPr lang="en-US" sz="900" dirty="0" smtClean="0">
+              <a:latin typeface="Arial (Body)"/>
+              <a:cs typeface="Arial (Body)"/>
+            </a:endParaRPr>
+          </a:p>
+          <a:p>
+            <a:pPr>
+              <a:buNone/>
+            </a:pPr>
+            <a:r>
+              <a:rPr lang="en-US" sz="900" dirty="0" err="1" smtClean="0">
+                <a:latin typeface="Arial (Body)"/>
+                <a:cs typeface="Arial (Body)"/>
+              </a:rPr>
+              <a:t>Concat</a:t>
+            </a:r>
+            <a:endParaRPr lang="en-US" sz="900" dirty="0" smtClean="0">
+              <a:latin typeface="Arial (Body)"/>
+              <a:cs typeface="Arial (Body)"/>
+            </a:endParaRPr>
+          </a:p>
+          <a:p>
+            <a:pPr>
+              <a:buNone/>
+            </a:pPr>
+            <a:r>
+              <a:rPr lang="en-US" sz="900" dirty="0" smtClean="0">
+                <a:latin typeface="Arial (Body)"/>
+                <a:cs typeface="Arial (Body)"/>
+              </a:rPr>
+              <a:t>Condition</a:t>
+            </a:r>
+          </a:p>
+          <a:p>
+            <a:pPr>
+              <a:buNone/>
+            </a:pPr>
+            <a:r>
+              <a:rPr lang="en-US" sz="900" dirty="0" smtClean="0">
+                <a:latin typeface="Arial (Body)"/>
+                <a:cs typeface="Arial (Body)"/>
+              </a:rPr>
+              <a:t>Supported conditions</a:t>
+            </a:r>
+          </a:p>
+          <a:p>
+            <a:pPr>
+              <a:buNone/>
+            </a:pPr>
+            <a:r>
+              <a:rPr lang="en-US" sz="1800" b="1" dirty="0" smtClean="0">
+                <a:latin typeface="Arial (Body)"/>
+                <a:cs typeface="Arial (Body)"/>
+              </a:rPr>
+              <a:t>Copy</a:t>
+            </a:r>
+          </a:p>
+          <a:p>
+            <a:pPr>
+              <a:buNone/>
+            </a:pPr>
+            <a:r>
+              <a:rPr lang="en-US" sz="900" dirty="0" err="1" smtClean="0">
+                <a:latin typeface="Arial (Body)"/>
+                <a:cs typeface="Arial (Body)"/>
+              </a:rPr>
+              <a:t>Copydir</a:t>
+            </a:r>
+            <a:endParaRPr lang="en-US" sz="900" dirty="0" smtClean="0">
+              <a:latin typeface="Arial (Body)"/>
+              <a:cs typeface="Arial (Body)"/>
+            </a:endParaRPr>
+          </a:p>
+          <a:p>
+            <a:pPr>
+              <a:buNone/>
+            </a:pPr>
+            <a:r>
+              <a:rPr lang="en-US" sz="900" dirty="0" err="1" smtClean="0">
+                <a:latin typeface="Arial (Body)"/>
+                <a:cs typeface="Arial (Body)"/>
+              </a:rPr>
+              <a:t>Copyfile</a:t>
+            </a:r>
+            <a:endParaRPr lang="en-US" sz="900" dirty="0" smtClean="0">
+              <a:latin typeface="Arial (Body)"/>
+              <a:cs typeface="Arial (Body)"/>
+            </a:endParaRPr>
+          </a:p>
+          <a:p>
+            <a:pPr>
+              <a:buNone/>
+            </a:pPr>
+            <a:r>
+              <a:rPr lang="en-US" sz="1800" b="1" dirty="0" err="1" smtClean="0">
+                <a:latin typeface="Arial (Body)"/>
+                <a:cs typeface="Arial (Body)"/>
+              </a:rPr>
+              <a:t>Cvs</a:t>
+            </a:r>
+            <a:endParaRPr lang="en-US" sz="1800" b="1" dirty="0" smtClean="0">
+              <a:latin typeface="Arial (Body)"/>
+              <a:cs typeface="Arial (Body)"/>
+            </a:endParaRPr>
+          </a:p>
+          <a:p>
+            <a:pPr>
+              <a:buNone/>
+            </a:pPr>
+            <a:r>
+              <a:rPr lang="en-US" sz="900" dirty="0" err="1" smtClean="0">
+                <a:latin typeface="Arial (Body)"/>
+                <a:cs typeface="Arial (Body)"/>
+              </a:rPr>
+              <a:t>CvsChangeLog</a:t>
+            </a:r>
+            <a:endParaRPr lang="en-US" sz="900" dirty="0" smtClean="0">
+              <a:latin typeface="Arial (Body)"/>
+              <a:cs typeface="Arial (Body)"/>
+            </a:endParaRPr>
+          </a:p>
+          <a:p>
+            <a:pPr>
+              <a:buNone/>
+            </a:pPr>
+            <a:r>
+              <a:rPr lang="en-US" sz="900" dirty="0" err="1" smtClean="0">
+                <a:latin typeface="Arial (Body)"/>
+                <a:cs typeface="Arial (Body)"/>
+              </a:rPr>
+              <a:t>CvsVersion</a:t>
+            </a:r>
+            <a:endParaRPr lang="en-US" sz="900" dirty="0" smtClean="0">
+              <a:latin typeface="Arial (Body)"/>
+              <a:cs typeface="Arial (Body)"/>
+            </a:endParaRPr>
+          </a:p>
+          <a:p>
+            <a:pPr>
+              <a:buNone/>
+            </a:pPr>
+            <a:r>
+              <a:rPr lang="en-US" sz="900" dirty="0" err="1" smtClean="0">
+                <a:latin typeface="Arial (Body)"/>
+                <a:cs typeface="Arial (Body)"/>
+              </a:rPr>
+              <a:t>CVSPass</a:t>
+            </a:r>
+            <a:endParaRPr lang="en-US" sz="900" dirty="0" smtClean="0">
+              <a:latin typeface="Arial (Body)"/>
+              <a:cs typeface="Arial (Body)"/>
+            </a:endParaRPr>
+          </a:p>
+          <a:p>
+            <a:pPr>
+              <a:buNone/>
+            </a:pPr>
+            <a:r>
+              <a:rPr lang="en-US" sz="900" dirty="0" err="1" smtClean="0">
+                <a:latin typeface="Arial (Body)"/>
+                <a:cs typeface="Arial (Body)"/>
+              </a:rPr>
+              <a:t>CvsTagDiff</a:t>
+            </a:r>
+            <a:endParaRPr lang="en-US" sz="900" dirty="0" smtClean="0">
+              <a:latin typeface="Arial (Body)"/>
+              <a:cs typeface="Arial (Body)"/>
+            </a:endParaRPr>
+          </a:p>
+          <a:p>
+            <a:pPr>
+              <a:buNone/>
+            </a:pPr>
+            <a:r>
+              <a:rPr lang="en-US" sz="900" dirty="0" err="1" smtClean="0">
+                <a:latin typeface="Arial (Body)"/>
+                <a:cs typeface="Arial (Body)"/>
+              </a:rPr>
+              <a:t>Defaultexcludes</a:t>
+            </a:r>
+            <a:endParaRPr lang="en-US" sz="900" dirty="0" smtClean="0">
+              <a:latin typeface="Arial (Body)"/>
+              <a:cs typeface="Arial (Body)"/>
+            </a:endParaRPr>
+          </a:p>
+          <a:p>
+            <a:pPr>
+              <a:buNone/>
+            </a:pPr>
+            <a:r>
+              <a:rPr lang="en-US" sz="900" dirty="0" smtClean="0">
+                <a:latin typeface="Arial (Body)"/>
+                <a:cs typeface="Arial (Body)"/>
+              </a:rPr>
+              <a:t>Delete</a:t>
+            </a:r>
+          </a:p>
+          <a:p>
+            <a:pPr>
+              <a:buNone/>
+            </a:pPr>
+            <a:r>
+              <a:rPr lang="en-US" sz="900" dirty="0" err="1" smtClean="0">
+                <a:latin typeface="Arial (Body)"/>
+                <a:cs typeface="Arial (Body)"/>
+              </a:rPr>
+              <a:t>Deltree</a:t>
+            </a:r>
+            <a:endParaRPr lang="en-US" sz="900" dirty="0" smtClean="0">
+              <a:latin typeface="Arial (Body)"/>
+              <a:cs typeface="Arial (Body)"/>
+            </a:endParaRPr>
+          </a:p>
+          <a:p>
+            <a:pPr>
+              <a:buNone/>
+            </a:pPr>
+            <a:r>
+              <a:rPr lang="en-US" sz="900" dirty="0" err="1" smtClean="0">
+                <a:latin typeface="Arial (Body)"/>
+                <a:cs typeface="Arial (Body)"/>
+              </a:rPr>
+              <a:t>Dependset</a:t>
+            </a:r>
+            <a:endParaRPr lang="en-US" sz="900" dirty="0" smtClean="0">
+              <a:latin typeface="Arial (Body)"/>
+              <a:cs typeface="Arial (Body)"/>
+            </a:endParaRPr>
+          </a:p>
+          <a:p>
+            <a:pPr>
+              <a:buNone/>
+            </a:pPr>
+            <a:r>
+              <a:rPr lang="en-US" sz="900" dirty="0" smtClean="0">
+                <a:latin typeface="Arial (Body)"/>
+                <a:cs typeface="Arial (Body)"/>
+              </a:rPr>
+              <a:t>Diagnostics</a:t>
+            </a:r>
+          </a:p>
+          <a:p>
+            <a:pPr>
+              <a:buNone/>
+            </a:pPr>
+            <a:r>
+              <a:rPr lang="en-US" sz="900" dirty="0" err="1" smtClean="0">
+                <a:latin typeface="Arial (Body)"/>
+                <a:cs typeface="Arial (Body)"/>
+              </a:rPr>
+              <a:t>Dirname</a:t>
+            </a:r>
+            <a:endParaRPr lang="en-US" sz="900" dirty="0" smtClean="0">
+              <a:latin typeface="Arial (Body)"/>
+              <a:cs typeface="Arial (Body)"/>
+            </a:endParaRPr>
+          </a:p>
+          <a:p>
+            <a:pPr>
+              <a:buNone/>
+            </a:pPr>
+            <a:r>
+              <a:rPr lang="en-US" sz="900" dirty="0" smtClean="0">
+                <a:latin typeface="Arial (Body)"/>
+                <a:cs typeface="Arial (Body)"/>
+              </a:rPr>
+              <a:t>Ear</a:t>
+            </a:r>
+          </a:p>
+          <a:p>
+            <a:pPr>
+              <a:buNone/>
+            </a:pPr>
+            <a:r>
+              <a:rPr lang="en-US" sz="900" dirty="0" smtClean="0">
+                <a:latin typeface="Arial (Body)"/>
+                <a:cs typeface="Arial (Body)"/>
+              </a:rPr>
+              <a:t>Echo</a:t>
+            </a:r>
+          </a:p>
+          <a:p>
+            <a:pPr>
+              <a:buNone/>
+            </a:pPr>
+            <a:r>
+              <a:rPr lang="en-US" sz="900" dirty="0" err="1" smtClean="0">
+                <a:latin typeface="Arial (Body)"/>
+                <a:cs typeface="Arial (Body)"/>
+              </a:rPr>
+              <a:t>EchoXML</a:t>
+            </a:r>
+            <a:endParaRPr lang="en-US" sz="900" dirty="0" smtClean="0">
+              <a:latin typeface="Arial (Body)"/>
+              <a:cs typeface="Arial (Body)"/>
+            </a:endParaRPr>
+          </a:p>
+          <a:p>
+            <a:pPr>
+              <a:buNone/>
+            </a:pPr>
+            <a:r>
+              <a:rPr lang="en-US" sz="1800" b="1" dirty="0" smtClean="0">
+                <a:latin typeface="Arial (Body)"/>
+                <a:cs typeface="Arial (Body)"/>
+              </a:rPr>
+              <a:t>Exec</a:t>
+            </a:r>
+          </a:p>
+          <a:p>
+            <a:pPr>
+              <a:buNone/>
+            </a:pPr>
+            <a:r>
+              <a:rPr lang="en-US" sz="900" dirty="0" smtClean="0">
+                <a:latin typeface="Arial (Body)"/>
+                <a:cs typeface="Arial (Body)"/>
+              </a:rPr>
+              <a:t>Fail</a:t>
+            </a:r>
+          </a:p>
+          <a:p>
+            <a:pPr>
+              <a:buNone/>
+            </a:pPr>
+            <a:r>
+              <a:rPr lang="en-US" sz="900" dirty="0" smtClean="0">
+                <a:latin typeface="Arial (Body)"/>
+                <a:cs typeface="Arial (Body)"/>
+              </a:rPr>
+              <a:t>Filter</a:t>
+            </a:r>
+          </a:p>
+          <a:p>
+            <a:pPr>
+              <a:buNone/>
+            </a:pPr>
+            <a:r>
+              <a:rPr lang="en-US" sz="900" dirty="0" err="1" smtClean="0">
+                <a:latin typeface="Arial (Body)"/>
+                <a:cs typeface="Arial (Body)"/>
+              </a:rPr>
+              <a:t>FixCRLF</a:t>
+            </a:r>
+            <a:endParaRPr lang="en-US" sz="900" dirty="0" smtClean="0">
+              <a:latin typeface="Arial (Body)"/>
+              <a:cs typeface="Arial (Body)"/>
+            </a:endParaRPr>
+          </a:p>
+          <a:p>
+            <a:pPr>
+              <a:buNone/>
+            </a:pPr>
+            <a:r>
+              <a:rPr lang="en-US" sz="900" dirty="0" err="1" smtClean="0">
+                <a:latin typeface="Arial (Body)"/>
+                <a:cs typeface="Arial (Body)"/>
+              </a:rPr>
+              <a:t>GenKey</a:t>
+            </a:r>
+            <a:endParaRPr lang="en-US" sz="900" dirty="0" smtClean="0">
+              <a:latin typeface="Arial (Body)"/>
+              <a:cs typeface="Arial (Body)"/>
+            </a:endParaRPr>
+          </a:p>
+          <a:p>
+            <a:pPr>
+              <a:buNone/>
+            </a:pPr>
+            <a:r>
+              <a:rPr lang="en-US" sz="1800" b="1" dirty="0" smtClean="0">
+                <a:latin typeface="Arial (Body)"/>
+                <a:cs typeface="Arial (Body)"/>
+              </a:rPr>
+              <a:t>Get</a:t>
+            </a:r>
+          </a:p>
+          <a:p>
+            <a:pPr>
+              <a:buNone/>
+            </a:pPr>
+            <a:r>
+              <a:rPr lang="en-US" sz="900" dirty="0" err="1" smtClean="0">
+                <a:latin typeface="Arial (Body)"/>
+                <a:cs typeface="Arial (Body)"/>
+              </a:rPr>
+              <a:t>GUnzip</a:t>
+            </a:r>
+            <a:endParaRPr lang="en-US" sz="900" dirty="0" smtClean="0">
+              <a:latin typeface="Arial (Body)"/>
+              <a:cs typeface="Arial (Body)"/>
+            </a:endParaRPr>
+          </a:p>
+          <a:p>
+            <a:pPr>
+              <a:buNone/>
+            </a:pPr>
+            <a:r>
+              <a:rPr lang="en-US" sz="900" dirty="0" err="1" smtClean="0">
+                <a:latin typeface="Arial (Body)"/>
+                <a:cs typeface="Arial (Body)"/>
+              </a:rPr>
+              <a:t>GZip</a:t>
+            </a:r>
+            <a:endParaRPr lang="en-US" sz="900" dirty="0" smtClean="0">
+              <a:latin typeface="Arial (Body)"/>
+              <a:cs typeface="Arial (Body)"/>
+            </a:endParaRPr>
+          </a:p>
+          <a:p>
+            <a:pPr>
+              <a:buNone/>
+            </a:pPr>
+            <a:r>
+              <a:rPr lang="en-US" sz="900" dirty="0" smtClean="0">
+                <a:latin typeface="Arial (Body)"/>
+                <a:cs typeface="Arial (Body)"/>
+              </a:rPr>
+              <a:t>Import</a:t>
+            </a:r>
+          </a:p>
+          <a:p>
+            <a:pPr>
+              <a:buNone/>
+            </a:pPr>
+            <a:r>
+              <a:rPr lang="en-US" sz="1800" b="1" dirty="0" smtClean="0">
+                <a:latin typeface="Arial (Body)"/>
+                <a:cs typeface="Arial (Body)"/>
+              </a:rPr>
+              <a:t>Input</a:t>
+            </a:r>
+          </a:p>
+          <a:p>
+            <a:pPr>
+              <a:buNone/>
+            </a:pPr>
+            <a:r>
+              <a:rPr lang="en-US" sz="900" dirty="0" smtClean="0">
+                <a:latin typeface="Arial (Body)"/>
+                <a:cs typeface="Arial (Body)"/>
+              </a:rPr>
+              <a:t>Jar</a:t>
+            </a:r>
+          </a:p>
+          <a:p>
+            <a:pPr>
+              <a:buNone/>
+            </a:pPr>
+            <a:r>
+              <a:rPr lang="en-US" sz="900" dirty="0" smtClean="0">
+                <a:latin typeface="Arial (Body)"/>
+                <a:cs typeface="Arial (Body)"/>
+              </a:rPr>
+              <a:t>Java</a:t>
+            </a:r>
+          </a:p>
+          <a:p>
+            <a:pPr>
+              <a:buNone/>
+            </a:pPr>
+            <a:r>
+              <a:rPr lang="en-US" sz="900" dirty="0" err="1" smtClean="0">
+                <a:latin typeface="Arial (Body)"/>
+                <a:cs typeface="Arial (Body)"/>
+              </a:rPr>
+              <a:t>Javac</a:t>
+            </a:r>
+            <a:endParaRPr lang="en-US" sz="900" dirty="0" smtClean="0">
+              <a:latin typeface="Arial (Body)"/>
+              <a:cs typeface="Arial (Body)"/>
+            </a:endParaRPr>
+          </a:p>
+          <a:p>
+            <a:pPr>
+              <a:buNone/>
+            </a:pPr>
+            <a:r>
+              <a:rPr lang="en-US" sz="900" dirty="0" smtClean="0">
+                <a:latin typeface="Arial (Body)"/>
+                <a:cs typeface="Arial (Body)"/>
+              </a:rPr>
+              <a:t>Javadoc/Javadoc2</a:t>
+            </a:r>
+          </a:p>
+          <a:p>
+            <a:pPr>
+              <a:buNone/>
+            </a:pPr>
+            <a:r>
+              <a:rPr lang="en-US" sz="900" dirty="0" smtClean="0">
+                <a:latin typeface="Arial (Body)"/>
+                <a:cs typeface="Arial (Body)"/>
+              </a:rPr>
+              <a:t>Length</a:t>
+            </a:r>
+          </a:p>
+          <a:p>
+            <a:pPr>
+              <a:buNone/>
+            </a:pPr>
+            <a:r>
+              <a:rPr lang="en-US" sz="900" dirty="0" err="1" smtClean="0">
+                <a:latin typeface="Arial (Body)"/>
+                <a:cs typeface="Arial (Body)"/>
+              </a:rPr>
+              <a:t>LoadFile</a:t>
+            </a:r>
+            <a:endParaRPr lang="en-US" sz="900" dirty="0" smtClean="0">
+              <a:latin typeface="Arial (Body)"/>
+              <a:cs typeface="Arial (Body)"/>
+            </a:endParaRPr>
+          </a:p>
+          <a:p>
+            <a:pPr>
+              <a:buNone/>
+            </a:pPr>
+            <a:r>
+              <a:rPr lang="en-US" sz="900" dirty="0" err="1" smtClean="0">
+                <a:latin typeface="Arial (Body)"/>
+                <a:cs typeface="Arial (Body)"/>
+              </a:rPr>
+              <a:t>LoadProperties</a:t>
+            </a:r>
+            <a:endParaRPr lang="en-US" sz="900" dirty="0" smtClean="0">
+              <a:latin typeface="Arial (Body)"/>
+              <a:cs typeface="Arial (Body)"/>
+            </a:endParaRPr>
+          </a:p>
+          <a:p>
+            <a:pPr>
+              <a:buNone/>
+            </a:pPr>
+            <a:r>
+              <a:rPr lang="en-US" sz="900" dirty="0" err="1" smtClean="0">
+                <a:latin typeface="Arial (Body)"/>
+                <a:cs typeface="Arial (Body)"/>
+              </a:rPr>
+              <a:t>LoadResource</a:t>
+            </a:r>
+            <a:endParaRPr lang="en-US" sz="900" dirty="0" smtClean="0">
+              <a:latin typeface="Arial (Body)"/>
+              <a:cs typeface="Arial (Body)"/>
+            </a:endParaRPr>
+          </a:p>
+          <a:p>
+            <a:pPr>
+              <a:buNone/>
+            </a:pPr>
+            <a:r>
+              <a:rPr lang="en-US" sz="900" dirty="0" err="1" smtClean="0">
+                <a:latin typeface="Arial (Body)"/>
+                <a:cs typeface="Arial (Body)"/>
+              </a:rPr>
+              <a:t>MakeURL</a:t>
+            </a:r>
+            <a:endParaRPr lang="en-US" sz="900" dirty="0" smtClean="0">
+              <a:latin typeface="Arial (Body)"/>
+              <a:cs typeface="Arial (Body)"/>
+            </a:endParaRPr>
+          </a:p>
+          <a:p>
+            <a:pPr>
+              <a:buNone/>
+            </a:pPr>
+            <a:r>
+              <a:rPr lang="en-US" sz="1800" b="1" dirty="0" smtClean="0">
+                <a:latin typeface="Arial (Body)"/>
+                <a:cs typeface="Arial (Body)"/>
+              </a:rPr>
+              <a:t>Mail</a:t>
+            </a:r>
+          </a:p>
+          <a:p>
+            <a:pPr>
+              <a:buNone/>
+            </a:pPr>
+            <a:r>
+              <a:rPr lang="en-US" sz="900" dirty="0" err="1" smtClean="0">
+                <a:latin typeface="Arial (Body)"/>
+                <a:cs typeface="Arial (Body)"/>
+              </a:rPr>
+              <a:t>MacroDef</a:t>
+            </a:r>
+            <a:endParaRPr lang="en-US" sz="900" dirty="0" smtClean="0">
+              <a:latin typeface="Arial (Body)"/>
+              <a:cs typeface="Arial (Body)"/>
+            </a:endParaRPr>
+          </a:p>
+          <a:p>
+            <a:pPr>
+              <a:buNone/>
+            </a:pPr>
+            <a:r>
+              <a:rPr lang="en-US" sz="900" dirty="0" smtClean="0">
+                <a:latin typeface="Arial (Body)"/>
+                <a:cs typeface="Arial (Body)"/>
+              </a:rPr>
+              <a:t>Manifest</a:t>
+            </a:r>
+          </a:p>
+          <a:p>
+            <a:pPr>
+              <a:buNone/>
+            </a:pPr>
+            <a:r>
+              <a:rPr lang="en-US" sz="900" dirty="0" err="1" smtClean="0">
+                <a:latin typeface="Arial (Body)"/>
+                <a:cs typeface="Arial (Body)"/>
+              </a:rPr>
+              <a:t>ManifestClassPath</a:t>
+            </a:r>
+            <a:endParaRPr lang="en-US" sz="900" dirty="0" smtClean="0">
+              <a:latin typeface="Arial (Body)"/>
+              <a:cs typeface="Arial (Body)"/>
+            </a:endParaRPr>
+          </a:p>
+          <a:p>
+            <a:pPr>
+              <a:buNone/>
+            </a:pPr>
+            <a:r>
+              <a:rPr lang="en-US" sz="900" dirty="0" err="1" smtClean="0">
+                <a:latin typeface="Arial (Body)"/>
+                <a:cs typeface="Arial (Body)"/>
+              </a:rPr>
+              <a:t>Mkdir</a:t>
+            </a:r>
+            <a:endParaRPr lang="en-US" sz="900" dirty="0" smtClean="0">
+              <a:latin typeface="Arial (Body)"/>
+              <a:cs typeface="Arial (Body)"/>
+            </a:endParaRPr>
+          </a:p>
+          <a:p>
+            <a:pPr>
+              <a:buNone/>
+            </a:pPr>
+            <a:r>
+              <a:rPr lang="en-US" sz="900" dirty="0" smtClean="0">
+                <a:latin typeface="Arial (Body)"/>
+                <a:cs typeface="Arial (Body)"/>
+              </a:rPr>
+              <a:t>Move</a:t>
+            </a:r>
+          </a:p>
+          <a:p>
+            <a:pPr>
+              <a:buNone/>
+            </a:pPr>
+            <a:r>
+              <a:rPr lang="en-US" sz="900" dirty="0" smtClean="0">
+                <a:latin typeface="Arial (Body)"/>
+                <a:cs typeface="Arial (Body)"/>
+              </a:rPr>
+              <a:t>Nice</a:t>
+            </a:r>
+          </a:p>
+          <a:p>
+            <a:pPr>
+              <a:buNone/>
+            </a:pPr>
+            <a:r>
+              <a:rPr lang="en-US" sz="900" dirty="0" smtClean="0">
+                <a:latin typeface="Arial (Body)"/>
+                <a:cs typeface="Arial (Body)"/>
+              </a:rPr>
+              <a:t>Parallel</a:t>
+            </a:r>
+          </a:p>
+          <a:p>
+            <a:pPr>
+              <a:buNone/>
+            </a:pPr>
+            <a:r>
+              <a:rPr lang="en-US" sz="900" dirty="0" smtClean="0">
+                <a:latin typeface="Arial (Body)"/>
+                <a:cs typeface="Arial (Body)"/>
+              </a:rPr>
+              <a:t>Patch</a:t>
+            </a:r>
+          </a:p>
+          <a:p>
+            <a:pPr>
+              <a:buNone/>
+            </a:pPr>
+            <a:r>
+              <a:rPr lang="en-US" sz="900" dirty="0" err="1" smtClean="0">
+                <a:latin typeface="Arial (Body)"/>
+                <a:cs typeface="Arial (Body)"/>
+              </a:rPr>
+              <a:t>PathConvert</a:t>
+            </a:r>
+            <a:endParaRPr lang="en-US" sz="900" dirty="0" smtClean="0">
+              <a:latin typeface="Arial (Body)"/>
+              <a:cs typeface="Arial (Body)"/>
+            </a:endParaRPr>
+          </a:p>
+          <a:p>
+            <a:pPr>
+              <a:buNone/>
+            </a:pPr>
+            <a:r>
+              <a:rPr lang="en-US" sz="900" dirty="0" err="1" smtClean="0">
+                <a:latin typeface="Arial (Body)"/>
+                <a:cs typeface="Arial (Body)"/>
+              </a:rPr>
+              <a:t>PreSetDef</a:t>
+            </a:r>
+            <a:endParaRPr lang="en-US" sz="900" dirty="0" smtClean="0">
+              <a:latin typeface="Arial (Body)"/>
+              <a:cs typeface="Arial (Body)"/>
+            </a:endParaRPr>
+          </a:p>
+          <a:p>
+            <a:pPr>
+              <a:buNone/>
+            </a:pPr>
+            <a:r>
+              <a:rPr lang="en-US" sz="900" dirty="0" smtClean="0">
+                <a:latin typeface="Arial (Body)"/>
+                <a:cs typeface="Arial (Body)"/>
+              </a:rPr>
+              <a:t>Property</a:t>
+            </a:r>
+          </a:p>
+          <a:p>
+            <a:pPr>
+              <a:buNone/>
+            </a:pPr>
+            <a:r>
+              <a:rPr lang="en-US" sz="900" dirty="0" smtClean="0">
+                <a:latin typeface="Arial (Body)"/>
+                <a:cs typeface="Arial (Body)"/>
+              </a:rPr>
+              <a:t>Record</a:t>
+            </a:r>
+          </a:p>
+          <a:p>
+            <a:pPr>
+              <a:buNone/>
+            </a:pPr>
+            <a:r>
+              <a:rPr lang="en-US" sz="900" dirty="0" smtClean="0">
+                <a:latin typeface="Arial (Body)"/>
+                <a:cs typeface="Arial (Body)"/>
+              </a:rPr>
+              <a:t>Rename</a:t>
+            </a:r>
+          </a:p>
+          <a:p>
+            <a:pPr>
+              <a:buNone/>
+            </a:pPr>
+            <a:r>
+              <a:rPr lang="en-US" sz="1800" b="1" dirty="0" smtClean="0">
+                <a:latin typeface="Arial (Body)"/>
+                <a:cs typeface="Arial (Body)"/>
+              </a:rPr>
+              <a:t>Replace</a:t>
+            </a:r>
+          </a:p>
+          <a:p>
+            <a:pPr>
+              <a:buNone/>
+            </a:pPr>
+            <a:r>
+              <a:rPr lang="en-US" sz="900" dirty="0" err="1" smtClean="0">
+                <a:latin typeface="Arial (Body)"/>
+                <a:cs typeface="Arial (Body)"/>
+              </a:rPr>
+              <a:t>ResourceCount</a:t>
+            </a:r>
+            <a:endParaRPr lang="en-US" sz="900" dirty="0" smtClean="0">
+              <a:latin typeface="Arial (Body)"/>
+              <a:cs typeface="Arial (Body)"/>
+            </a:endParaRPr>
+          </a:p>
+          <a:p>
+            <a:pPr>
+              <a:buNone/>
+            </a:pPr>
+            <a:r>
+              <a:rPr lang="en-US" sz="900" dirty="0" smtClean="0">
+                <a:latin typeface="Arial (Body)"/>
+                <a:cs typeface="Arial (Body)"/>
+              </a:rPr>
+              <a:t>Retry</a:t>
+            </a:r>
+          </a:p>
+          <a:p>
+            <a:pPr>
+              <a:buNone/>
+            </a:pPr>
+            <a:r>
+              <a:rPr lang="en-US" sz="900" dirty="0" err="1" smtClean="0">
+                <a:latin typeface="Arial (Body)"/>
+                <a:cs typeface="Arial (Body)"/>
+              </a:rPr>
+              <a:t>Rmic</a:t>
+            </a:r>
+            <a:endParaRPr lang="en-US" sz="900" dirty="0" smtClean="0">
+              <a:latin typeface="Arial (Body)"/>
+              <a:cs typeface="Arial (Body)"/>
+            </a:endParaRPr>
+          </a:p>
+          <a:p>
+            <a:pPr>
+              <a:buNone/>
+            </a:pPr>
+            <a:r>
+              <a:rPr lang="en-US" sz="900" dirty="0" smtClean="0">
+                <a:latin typeface="Arial (Body)"/>
+                <a:cs typeface="Arial (Body)"/>
+              </a:rPr>
+              <a:t>Sequential</a:t>
+            </a:r>
+          </a:p>
+          <a:p>
+            <a:pPr>
+              <a:buNone/>
+            </a:pPr>
+            <a:r>
+              <a:rPr lang="en-US" sz="900" dirty="0" err="1" smtClean="0">
+                <a:latin typeface="Arial (Body)"/>
+                <a:cs typeface="Arial (Body)"/>
+              </a:rPr>
+              <a:t>SignJar</a:t>
+            </a:r>
+            <a:endParaRPr lang="en-US" sz="900" dirty="0" smtClean="0">
+              <a:latin typeface="Arial (Body)"/>
+              <a:cs typeface="Arial (Body)"/>
+            </a:endParaRPr>
+          </a:p>
+          <a:p>
+            <a:pPr>
+              <a:buNone/>
+            </a:pPr>
+            <a:r>
+              <a:rPr lang="en-US" sz="900" dirty="0" smtClean="0">
+                <a:latin typeface="Arial (Body)"/>
+                <a:cs typeface="Arial (Body)"/>
+              </a:rPr>
+              <a:t>Sleep</a:t>
+            </a:r>
+          </a:p>
+          <a:p>
+            <a:pPr>
+              <a:buNone/>
+            </a:pPr>
+            <a:r>
+              <a:rPr lang="en-US" sz="1800" b="1" dirty="0" err="1" smtClean="0">
+                <a:latin typeface="Arial (Body)"/>
+                <a:cs typeface="Arial (Body)"/>
+              </a:rPr>
+              <a:t>Sql</a:t>
+            </a:r>
+            <a:endParaRPr lang="en-US" sz="1800" b="1" dirty="0" smtClean="0">
+              <a:latin typeface="Arial (Body)"/>
+              <a:cs typeface="Arial (Body)"/>
+            </a:endParaRPr>
+          </a:p>
+          <a:p>
+            <a:pPr>
+              <a:buNone/>
+            </a:pPr>
+            <a:r>
+              <a:rPr lang="en-US" sz="1000" dirty="0" err="1" smtClean="0">
+                <a:latin typeface="Arial (Body)"/>
+                <a:cs typeface="Arial (Body)"/>
+              </a:rPr>
+              <a:t>S</a:t>
+            </a:r>
+            <a:r>
+              <a:rPr lang="en-US" sz="900" dirty="0" err="1" smtClean="0">
+                <a:latin typeface="Arial (Body)"/>
+                <a:cs typeface="Arial (Body)"/>
+              </a:rPr>
+              <a:t>ubant</a:t>
+            </a:r>
+            <a:endParaRPr lang="en-US" sz="900" dirty="0" smtClean="0">
+              <a:latin typeface="Arial (Body)"/>
+              <a:cs typeface="Arial (Body)"/>
+            </a:endParaRPr>
+          </a:p>
+          <a:p>
+            <a:pPr>
+              <a:buNone/>
+            </a:pPr>
+            <a:r>
+              <a:rPr lang="en-US" sz="900" dirty="0" smtClean="0">
+                <a:latin typeface="Arial (Body)"/>
+                <a:cs typeface="Arial (Body)"/>
+              </a:rPr>
+              <a:t>Sync</a:t>
+            </a:r>
+          </a:p>
+          <a:p>
+            <a:pPr>
+              <a:buNone/>
+            </a:pPr>
+            <a:r>
+              <a:rPr lang="en-US" sz="900" dirty="0" smtClean="0">
+                <a:latin typeface="Arial (Body)"/>
+                <a:cs typeface="Arial (Body)"/>
+              </a:rPr>
+              <a:t>Tar</a:t>
+            </a:r>
+          </a:p>
+          <a:p>
+            <a:pPr>
+              <a:buNone/>
+            </a:pPr>
+            <a:r>
+              <a:rPr lang="en-US" sz="900" dirty="0" err="1" smtClean="0">
+                <a:latin typeface="Arial (Body)"/>
+                <a:cs typeface="Arial (Body)"/>
+              </a:rPr>
+              <a:t>Taskdef</a:t>
+            </a:r>
+            <a:endParaRPr lang="en-US" sz="900" dirty="0" smtClean="0">
+              <a:latin typeface="Arial (Body)"/>
+              <a:cs typeface="Arial (Body)"/>
+            </a:endParaRPr>
+          </a:p>
+          <a:p>
+            <a:pPr>
+              <a:buNone/>
+            </a:pPr>
+            <a:r>
+              <a:rPr lang="en-US" sz="900" dirty="0" err="1" smtClean="0">
+                <a:latin typeface="Arial (Body)"/>
+                <a:cs typeface="Arial (Body)"/>
+              </a:rPr>
+              <a:t>Tempfile</a:t>
+            </a:r>
+            <a:endParaRPr lang="en-US" sz="900" dirty="0" smtClean="0">
+              <a:latin typeface="Arial (Body)"/>
+              <a:cs typeface="Arial (Body)"/>
+            </a:endParaRPr>
+          </a:p>
+          <a:p>
+            <a:pPr>
+              <a:buNone/>
+            </a:pPr>
+            <a:r>
+              <a:rPr lang="en-US" sz="900" dirty="0" smtClean="0">
+                <a:latin typeface="Arial (Body)"/>
+                <a:cs typeface="Arial (Body)"/>
+              </a:rPr>
+              <a:t>Touch</a:t>
+            </a:r>
+          </a:p>
+          <a:p>
+            <a:pPr>
+              <a:buNone/>
+            </a:pPr>
+            <a:r>
+              <a:rPr lang="en-US" sz="900" dirty="0" smtClean="0">
+                <a:latin typeface="Arial (Body)"/>
+                <a:cs typeface="Arial (Body)"/>
+              </a:rPr>
+              <a:t>Truncate</a:t>
+            </a:r>
+          </a:p>
+          <a:p>
+            <a:pPr>
+              <a:buNone/>
+            </a:pPr>
+            <a:r>
+              <a:rPr lang="en-US" sz="900" dirty="0" err="1" smtClean="0">
+                <a:latin typeface="Arial (Body)"/>
+                <a:cs typeface="Arial (Body)"/>
+              </a:rPr>
+              <a:t>TStamp</a:t>
+            </a:r>
+            <a:endParaRPr lang="en-US" sz="900" dirty="0" smtClean="0">
+              <a:latin typeface="Arial (Body)"/>
+              <a:cs typeface="Arial (Body)"/>
+            </a:endParaRPr>
+          </a:p>
+          <a:p>
+            <a:pPr>
+              <a:buNone/>
+            </a:pPr>
+            <a:r>
+              <a:rPr lang="en-US" sz="900" dirty="0" err="1" smtClean="0">
+                <a:latin typeface="Arial (Body)"/>
+                <a:cs typeface="Arial (Body)"/>
+              </a:rPr>
+              <a:t>Typedef</a:t>
+            </a:r>
+            <a:endParaRPr lang="en-US" sz="900" dirty="0" smtClean="0">
+              <a:latin typeface="Arial (Body)"/>
+              <a:cs typeface="Arial (Body)"/>
+            </a:endParaRPr>
+          </a:p>
+          <a:p>
+            <a:pPr>
+              <a:buNone/>
+            </a:pPr>
+            <a:r>
+              <a:rPr lang="en-US" sz="900" dirty="0" err="1" smtClean="0">
+                <a:latin typeface="Arial (Body)"/>
+                <a:cs typeface="Arial (Body)"/>
+              </a:rPr>
+              <a:t>Unjar</a:t>
+            </a:r>
+            <a:endParaRPr lang="en-US" sz="900" dirty="0" smtClean="0">
+              <a:latin typeface="Arial (Body)"/>
+              <a:cs typeface="Arial (Body)"/>
+            </a:endParaRPr>
+          </a:p>
+          <a:p>
+            <a:pPr>
+              <a:buNone/>
+            </a:pPr>
+            <a:r>
+              <a:rPr lang="en-US" sz="900" dirty="0" err="1" smtClean="0">
+                <a:latin typeface="Arial (Body)"/>
+                <a:cs typeface="Arial (Body)"/>
+              </a:rPr>
+              <a:t>Untar</a:t>
+            </a:r>
+            <a:endParaRPr lang="en-US" sz="900" dirty="0" smtClean="0">
+              <a:latin typeface="Arial (Body)"/>
+              <a:cs typeface="Arial (Body)"/>
+            </a:endParaRPr>
+          </a:p>
+          <a:p>
+            <a:pPr>
+              <a:buNone/>
+            </a:pPr>
+            <a:r>
+              <a:rPr lang="en-US" sz="900" dirty="0" err="1" smtClean="0">
+                <a:latin typeface="Arial (Body)"/>
+                <a:cs typeface="Arial (Body)"/>
+              </a:rPr>
+              <a:t>Unwar</a:t>
+            </a:r>
+            <a:endParaRPr lang="en-US" sz="900" dirty="0" smtClean="0">
+              <a:latin typeface="Arial (Body)"/>
+              <a:cs typeface="Arial (Body)"/>
+            </a:endParaRPr>
+          </a:p>
+          <a:p>
+            <a:pPr>
+              <a:buNone/>
+            </a:pPr>
+            <a:r>
+              <a:rPr lang="en-US" sz="900" dirty="0" smtClean="0">
+                <a:latin typeface="Arial (Body)"/>
+                <a:cs typeface="Arial (Body)"/>
+              </a:rPr>
+              <a:t>Unzip</a:t>
+            </a:r>
+          </a:p>
+          <a:p>
+            <a:pPr>
+              <a:buNone/>
+            </a:pPr>
+            <a:r>
+              <a:rPr lang="en-US" sz="900" dirty="0" err="1" smtClean="0">
+                <a:latin typeface="Arial (Body)"/>
+                <a:cs typeface="Arial (Body)"/>
+              </a:rPr>
+              <a:t>Uptodate</a:t>
+            </a:r>
+            <a:endParaRPr lang="en-US" sz="900" dirty="0" smtClean="0">
+              <a:latin typeface="Arial (Body)"/>
+              <a:cs typeface="Arial (Body)"/>
+            </a:endParaRPr>
+          </a:p>
+          <a:p>
+            <a:pPr>
+              <a:buNone/>
+            </a:pPr>
+            <a:r>
+              <a:rPr lang="en-US" sz="900" dirty="0" err="1" smtClean="0">
+                <a:latin typeface="Arial (Body)"/>
+                <a:cs typeface="Arial (Body)"/>
+              </a:rPr>
+              <a:t>Waitfor</a:t>
+            </a:r>
+            <a:endParaRPr lang="en-US" sz="900" dirty="0" smtClean="0">
+              <a:latin typeface="Arial (Body)"/>
+              <a:cs typeface="Arial (Body)"/>
+            </a:endParaRPr>
+          </a:p>
+          <a:p>
+            <a:pPr>
+              <a:buNone/>
+            </a:pPr>
+            <a:r>
+              <a:rPr lang="en-US" sz="900" dirty="0" err="1" smtClean="0">
+                <a:latin typeface="Arial (Body)"/>
+                <a:cs typeface="Arial (Body)"/>
+              </a:rPr>
+              <a:t>WhichResource</a:t>
+            </a:r>
+            <a:endParaRPr lang="en-US" sz="900" dirty="0" smtClean="0">
+              <a:latin typeface="Arial (Body)"/>
+              <a:cs typeface="Arial (Body)"/>
+            </a:endParaRPr>
+          </a:p>
+          <a:p>
+            <a:pPr>
+              <a:buNone/>
+            </a:pPr>
+            <a:r>
+              <a:rPr lang="en-US" sz="900" dirty="0" smtClean="0">
+                <a:latin typeface="Arial (Body)"/>
+                <a:cs typeface="Arial (Body)"/>
+              </a:rPr>
+              <a:t>War</a:t>
+            </a:r>
+          </a:p>
+          <a:p>
+            <a:pPr>
+              <a:buNone/>
+            </a:pPr>
+            <a:r>
+              <a:rPr lang="en-US" sz="900" dirty="0" err="1" smtClean="0">
+                <a:latin typeface="Arial (Body)"/>
+                <a:cs typeface="Arial (Body)"/>
+              </a:rPr>
+              <a:t>XmlProperty</a:t>
+            </a:r>
+            <a:endParaRPr lang="en-US" sz="900" dirty="0" smtClean="0">
+              <a:latin typeface="Arial (Body)"/>
+              <a:cs typeface="Arial (Body)"/>
+            </a:endParaRPr>
+          </a:p>
+          <a:p>
+            <a:pPr>
+              <a:buNone/>
+            </a:pPr>
+            <a:r>
+              <a:rPr lang="en-US" sz="900" dirty="0" smtClean="0">
+                <a:latin typeface="Arial (Body)"/>
+                <a:cs typeface="Arial (Body)"/>
+              </a:rPr>
+              <a:t>XSLT/Style</a:t>
+            </a:r>
+          </a:p>
+          <a:p>
+            <a:pPr>
+              <a:buNone/>
+            </a:pPr>
+            <a:r>
+              <a:rPr lang="en-US" sz="1800" b="1" dirty="0" smtClean="0">
+                <a:latin typeface="Arial (Body)"/>
+                <a:cs typeface="Arial (Body)"/>
+              </a:rPr>
+              <a:t>Zip</a:t>
+            </a:r>
+            <a:endParaRPr lang="en-US" sz="1800" b="1" dirty="0">
+              <a:latin typeface="Arial (Body)"/>
+              <a:cs typeface="Arial (Body)"/>
+            </a:endParaRPr>
+          </a:p>
+        </p:txBody>
+      </p:sp>
+      <p:pic>
+        <p:nvPicPr>
+          <p:cNvPr id="4" name="Picture 3"/>
+          <p:cNvPicPr>
+            <a:picLocks noChangeAspect="1"/>
+          </p:cNvPicPr>
+          <p:nvPr/>
+        </p:nvPicPr>
+        <p:blipFill>
+          <a:blip r:embed="rId2">
+            <a:clrChange>
+              <a:clrFrom>
+                <a:srgbClr val="FEFEFE"/>
+              </a:clrFrom>
+              <a:clrTo>
+                <a:srgbClr val="FEFEFE">
+                  <a:alpha val="0"/>
+                </a:srgbClr>
+              </a:clrTo>
+            </a:clrChange>
+            <a:lum/>
+          </a:blip>
+          <a:stretch>
+            <a:fillRect/>
+          </a:stretch>
+        </p:blipFill>
+        <p:spPr>
+          <a:xfrm>
+            <a:off x="7531100" y="1524000"/>
+            <a:ext cx="1612900" cy="1257300"/>
+          </a:xfrm>
+          <a:prstGeom prst="rect">
+            <a:avLst/>
+          </a:prstGeom>
+        </p:spPr>
+      </p:pic>
+    </p:spTree>
+  </p:cSld>
+  <p:clrMapOvr>
+    <a:masterClrMapping/>
+  </p:clrMapOvr>
+</p:sld>
+</file>
+
+<file path=ppt/slides/slide12.xml><?xml version="1.0" encoding="utf-8"?>
+<p:sld xmlns:a="http://schemas.openxmlformats.org/drawingml/2006/main" xmlns:r="http://schemas.openxmlformats.org/officeDocument/2006/relationships" xmlns:mc="http://schemas.openxmlformats.org/markup-compatibility/2006" xmlns:mv="urn:schemas-microsoft-com:mac:vml" xmlns:p="http://schemas.openxmlformats.org/presentationml/2006/main" mc:Ignorable="mv" mc:PreserveAttributes="mv:*">
+  <p:cSld>
+    <p:spTree>
+      <p:nvGrpSpPr>
+        <p:cNvPr id="1" name=""/>
+        <p:cNvGrpSpPr/>
+        <p:nvPr/>
+      </p:nvGrpSpPr>
+      <p:grpSpPr>
+        <a:xfrm>
+          <a:off x="0" y="0"/>
+          <a:ext cx="0" cy="0"/>
+          <a:chOff x="0" y="0"/>
+          <a:chExt cx="0" cy="0"/>
+        </a:xfrm>
+      </p:grpSpPr>
+      <p:sp>
+        <p:nvSpPr>
+          <p:cNvPr id="2" name="Title 1"/>
+          <p:cNvSpPr>
+            <a:spLocks noGrp="1"/>
+          </p:cNvSpPr>
+          <p:nvPr>
+            <p:ph type="title"/>
+          </p:nvPr>
+        </p:nvSpPr>
+        <p:spPr/>
+        <p:txBody>
+          <a:bodyPr/>
+          <a:lstStyle/>
+          <a:p>
+            <a:r>
+              <a:rPr lang="en-US" dirty="0" smtClean="0"/>
+              <a:t>Ant’s optional tasks – Depend on 3</a:t>
+            </a:r>
+            <a:r>
+              <a:rPr lang="en-US" baseline="30000" dirty="0" smtClean="0"/>
+              <a:t>rd</a:t>
+            </a:r>
+            <a:r>
+              <a:rPr lang="en-US" dirty="0" smtClean="0"/>
+              <a:t> party </a:t>
+            </a:r>
+            <a:r>
+              <a:rPr lang="en-US" dirty="0" err="1" smtClean="0"/>
+              <a:t>libs</a:t>
+            </a:r>
+            <a:endParaRPr lang="en-US" dirty="0"/>
+          </a:p>
+        </p:txBody>
+      </p:sp>
+      <p:sp>
+        <p:nvSpPr>
+          <p:cNvPr id="3" name="Content Placeholder 2"/>
+          <p:cNvSpPr>
+            <a:spLocks noGrp="1"/>
+          </p:cNvSpPr>
+          <p:nvPr>
+            <p:ph idx="1"/>
+          </p:nvPr>
+        </p:nvSpPr>
+        <p:spPr/>
+        <p:txBody>
+          <a:bodyPr numCol="4"/>
+          <a:lstStyle/>
+          <a:p>
+            <a:pPr>
+              <a:buNone/>
+            </a:pPr>
+            <a:r>
+              <a:rPr lang="en-US" sz="1200" dirty="0" smtClean="0">
+                <a:latin typeface="Arial (Body)"/>
+                <a:cs typeface="Arial (Body)"/>
+              </a:rPr>
+              <a:t>.NET Tasks</a:t>
+            </a:r>
+          </a:p>
+          <a:p>
+            <a:pPr>
+              <a:buNone/>
+            </a:pPr>
+            <a:r>
+              <a:rPr lang="en-US" sz="1200" dirty="0" smtClean="0">
+                <a:latin typeface="Arial (Body)"/>
+                <a:cs typeface="Arial (Body)"/>
+              </a:rPr>
+              <a:t>ANTLR</a:t>
+            </a:r>
+          </a:p>
+          <a:p>
+            <a:pPr>
+              <a:buNone/>
+            </a:pPr>
+            <a:r>
+              <a:rPr lang="en-US" sz="1200" dirty="0" smtClean="0">
+                <a:latin typeface="Arial (Body)"/>
+                <a:cs typeface="Arial (Body)"/>
+              </a:rPr>
+              <a:t>Attrib</a:t>
+            </a:r>
+          </a:p>
+          <a:p>
+            <a:pPr>
+              <a:buNone/>
+            </a:pPr>
+            <a:r>
+              <a:rPr lang="en-US" sz="1200" dirty="0" smtClean="0">
+                <a:latin typeface="Arial (Body)"/>
+                <a:cs typeface="Arial (Body)"/>
+              </a:rPr>
+              <a:t>Cab</a:t>
+            </a:r>
+          </a:p>
+          <a:p>
+            <a:pPr>
+              <a:buNone/>
+            </a:pPr>
+            <a:r>
+              <a:rPr lang="en-US" sz="1200" dirty="0" err="1" smtClean="0">
+                <a:latin typeface="Arial (Body)"/>
+                <a:cs typeface="Arial (Body)"/>
+              </a:rPr>
+              <a:t>Chgrp</a:t>
+            </a:r>
+            <a:endParaRPr lang="en-US" sz="1200" dirty="0" smtClean="0">
+              <a:latin typeface="Arial (Body)"/>
+              <a:cs typeface="Arial (Body)"/>
+            </a:endParaRPr>
+          </a:p>
+          <a:p>
+            <a:pPr>
+              <a:buNone/>
+            </a:pPr>
+            <a:r>
+              <a:rPr lang="en-US" sz="1200" dirty="0" err="1" smtClean="0">
+                <a:latin typeface="Arial (Body)"/>
+                <a:cs typeface="Arial (Body)"/>
+              </a:rPr>
+              <a:t>Chown</a:t>
+            </a:r>
+            <a:endParaRPr lang="en-US" sz="1200" dirty="0" smtClean="0">
+              <a:latin typeface="Arial (Body)"/>
+              <a:cs typeface="Arial (Body)"/>
+            </a:endParaRPr>
+          </a:p>
+          <a:p>
+            <a:pPr>
+              <a:buNone/>
+            </a:pPr>
+            <a:r>
+              <a:rPr lang="en-US" sz="1200" dirty="0" err="1" smtClean="0">
+                <a:latin typeface="Arial (Body)"/>
+                <a:cs typeface="Arial (Body)"/>
+              </a:rPr>
+              <a:t>Clearcase</a:t>
+            </a:r>
+            <a:r>
+              <a:rPr lang="en-US" sz="1200" dirty="0" smtClean="0">
+                <a:latin typeface="Arial (Body)"/>
+                <a:cs typeface="Arial (Body)"/>
+              </a:rPr>
+              <a:t> Tasks</a:t>
+            </a:r>
+          </a:p>
+          <a:p>
+            <a:pPr>
+              <a:buNone/>
+            </a:pPr>
+            <a:r>
+              <a:rPr lang="en-US" sz="1200" dirty="0" err="1" smtClean="0">
+                <a:latin typeface="Arial (Body)"/>
+                <a:cs typeface="Arial (Body)"/>
+              </a:rPr>
+              <a:t>Continuus</a:t>
+            </a:r>
+            <a:r>
+              <a:rPr lang="en-US" sz="1200" dirty="0" smtClean="0">
+                <a:latin typeface="Arial (Body)"/>
+                <a:cs typeface="Arial (Body)"/>
+              </a:rPr>
+              <a:t>/Synergy Tasks</a:t>
+            </a:r>
+          </a:p>
+          <a:p>
+            <a:pPr>
+              <a:buNone/>
+            </a:pPr>
+            <a:r>
+              <a:rPr lang="en-US" sz="1200" dirty="0" smtClean="0">
+                <a:latin typeface="Arial (Body)"/>
+                <a:cs typeface="Arial (Body)"/>
+              </a:rPr>
+              <a:t>Depend</a:t>
+            </a:r>
+          </a:p>
+          <a:p>
+            <a:pPr>
+              <a:buNone/>
+            </a:pPr>
+            <a:r>
+              <a:rPr lang="en-US" sz="1200" dirty="0" smtClean="0">
+                <a:latin typeface="Arial (Body)"/>
+                <a:cs typeface="Arial (Body)"/>
+              </a:rPr>
+              <a:t>EJB Tasks</a:t>
+            </a:r>
+          </a:p>
+          <a:p>
+            <a:pPr>
+              <a:buNone/>
+            </a:pPr>
+            <a:r>
+              <a:rPr lang="en-US" sz="1200" dirty="0" err="1" smtClean="0">
+                <a:latin typeface="Arial (Body)"/>
+                <a:cs typeface="Arial (Body)"/>
+              </a:rPr>
+              <a:t>Echoproperties</a:t>
+            </a:r>
+            <a:endParaRPr lang="en-US" sz="1200" dirty="0" smtClean="0">
+              <a:latin typeface="Arial (Body)"/>
+              <a:cs typeface="Arial (Body)"/>
+            </a:endParaRPr>
+          </a:p>
+          <a:p>
+            <a:pPr>
+              <a:buNone/>
+            </a:pPr>
+            <a:r>
+              <a:rPr lang="en-US" sz="2000" b="1" dirty="0" smtClean="0">
+                <a:latin typeface="Arial (Body)"/>
+                <a:cs typeface="Arial (Body)"/>
+              </a:rPr>
+              <a:t>FTP</a:t>
+            </a:r>
+          </a:p>
+          <a:p>
+            <a:pPr>
+              <a:buNone/>
+            </a:pPr>
+            <a:r>
+              <a:rPr lang="en-US" sz="1200" dirty="0" smtClean="0">
+                <a:latin typeface="Arial (Body)"/>
+                <a:cs typeface="Arial (Body)"/>
+              </a:rPr>
+              <a:t>Image</a:t>
+            </a:r>
+          </a:p>
+          <a:p>
+            <a:pPr>
+              <a:buNone/>
+            </a:pPr>
+            <a:r>
+              <a:rPr lang="en-US" sz="1200" dirty="0" err="1" smtClean="0">
+                <a:latin typeface="Arial (Body)"/>
+                <a:cs typeface="Arial (Body)"/>
+              </a:rPr>
+              <a:t>Jarlib</a:t>
+            </a:r>
+            <a:r>
+              <a:rPr lang="en-US" sz="1200" dirty="0" smtClean="0">
+                <a:latin typeface="Arial (Body)"/>
+                <a:cs typeface="Arial (Body)"/>
+              </a:rPr>
+              <a:t>-available</a:t>
+            </a:r>
+          </a:p>
+          <a:p>
+            <a:pPr>
+              <a:buNone/>
+            </a:pPr>
+            <a:r>
+              <a:rPr lang="en-US" sz="1200" dirty="0" err="1" smtClean="0">
+                <a:latin typeface="Arial (Body)"/>
+                <a:cs typeface="Arial (Body)"/>
+              </a:rPr>
+              <a:t>Jarlib</a:t>
+            </a:r>
+            <a:r>
+              <a:rPr lang="en-US" sz="1200" dirty="0" smtClean="0">
+                <a:latin typeface="Arial (Body)"/>
+                <a:cs typeface="Arial (Body)"/>
+              </a:rPr>
+              <a:t>-display</a:t>
+            </a:r>
+          </a:p>
+          <a:p>
+            <a:pPr>
+              <a:buNone/>
+            </a:pPr>
+            <a:r>
+              <a:rPr lang="en-US" sz="1200" dirty="0" err="1" smtClean="0">
+                <a:latin typeface="Arial (Body)"/>
+                <a:cs typeface="Arial (Body)"/>
+              </a:rPr>
+              <a:t>Jarlib</a:t>
+            </a:r>
+            <a:r>
+              <a:rPr lang="en-US" sz="1200" dirty="0" smtClean="0">
+                <a:latin typeface="Arial (Body)"/>
+                <a:cs typeface="Arial (Body)"/>
+              </a:rPr>
+              <a:t>-manifest</a:t>
+            </a:r>
+          </a:p>
+          <a:p>
+            <a:pPr>
+              <a:buNone/>
+            </a:pPr>
+            <a:r>
+              <a:rPr lang="en-US" sz="1200" dirty="0" err="1" smtClean="0">
+                <a:latin typeface="Arial (Body)"/>
+                <a:cs typeface="Arial (Body)"/>
+              </a:rPr>
+              <a:t>Jarlib</a:t>
+            </a:r>
+            <a:r>
+              <a:rPr lang="en-US" sz="1200" dirty="0" smtClean="0">
+                <a:latin typeface="Arial (Body)"/>
+                <a:cs typeface="Arial (Body)"/>
+              </a:rPr>
+              <a:t>-resolve</a:t>
+            </a:r>
+          </a:p>
+          <a:p>
+            <a:pPr>
+              <a:buNone/>
+            </a:pPr>
+            <a:r>
+              <a:rPr lang="en-US" sz="1200" dirty="0" err="1" smtClean="0">
+                <a:latin typeface="Arial (Body)"/>
+                <a:cs typeface="Arial (Body)"/>
+              </a:rPr>
+              <a:t>JavaCC</a:t>
+            </a:r>
+            <a:endParaRPr lang="en-US" sz="1200" dirty="0" smtClean="0">
+              <a:latin typeface="Arial (Body)"/>
+              <a:cs typeface="Arial (Body)"/>
+            </a:endParaRPr>
+          </a:p>
+          <a:p>
+            <a:pPr>
+              <a:buNone/>
+            </a:pPr>
+            <a:r>
+              <a:rPr lang="en-US" sz="1200" dirty="0" err="1" smtClean="0">
+                <a:latin typeface="Arial (Body)"/>
+                <a:cs typeface="Arial (Body)"/>
+              </a:rPr>
+              <a:t>Javah</a:t>
+            </a:r>
+            <a:endParaRPr lang="en-US" sz="1200" dirty="0" smtClean="0">
+              <a:latin typeface="Arial (Body)"/>
+              <a:cs typeface="Arial (Body)"/>
+            </a:endParaRPr>
+          </a:p>
+          <a:p>
+            <a:pPr>
+              <a:buNone/>
+            </a:pPr>
+            <a:r>
+              <a:rPr lang="en-US" sz="1200" dirty="0" err="1" smtClean="0">
+                <a:latin typeface="Arial (Body)"/>
+                <a:cs typeface="Arial (Body)"/>
+              </a:rPr>
+              <a:t>JspC</a:t>
+            </a:r>
+            <a:endParaRPr lang="en-US" sz="1200" dirty="0" smtClean="0">
+              <a:latin typeface="Arial (Body)"/>
+              <a:cs typeface="Arial (Body)"/>
+            </a:endParaRPr>
+          </a:p>
+          <a:p>
+            <a:pPr>
+              <a:buNone/>
+            </a:pPr>
+            <a:r>
+              <a:rPr lang="en-US" sz="1200" dirty="0" err="1" smtClean="0">
+                <a:latin typeface="Arial (Body)"/>
+                <a:cs typeface="Arial (Body)"/>
+              </a:rPr>
+              <a:t>JDepend</a:t>
+            </a:r>
+            <a:endParaRPr lang="en-US" sz="1200" dirty="0" smtClean="0">
+              <a:latin typeface="Arial (Body)"/>
+              <a:cs typeface="Arial (Body)"/>
+            </a:endParaRPr>
+          </a:p>
+          <a:p>
+            <a:pPr>
+              <a:buNone/>
+            </a:pPr>
+            <a:r>
+              <a:rPr lang="en-US" sz="1200" dirty="0" err="1" smtClean="0">
+                <a:latin typeface="Arial (Body)"/>
+                <a:cs typeface="Arial (Body)"/>
+              </a:rPr>
+              <a:t>JJDoc</a:t>
+            </a:r>
+            <a:endParaRPr lang="en-US" sz="1200" dirty="0" smtClean="0">
+              <a:latin typeface="Arial (Body)"/>
+              <a:cs typeface="Arial (Body)"/>
+            </a:endParaRPr>
+          </a:p>
+          <a:p>
+            <a:pPr>
+              <a:buNone/>
+            </a:pPr>
+            <a:r>
+              <a:rPr lang="en-US" sz="1200" dirty="0" err="1" smtClean="0">
+                <a:latin typeface="Arial (Body)"/>
+                <a:cs typeface="Arial (Body)"/>
+              </a:rPr>
+              <a:t>JJTree</a:t>
+            </a:r>
+            <a:endParaRPr lang="en-US" sz="1200" dirty="0" smtClean="0">
+              <a:latin typeface="Arial (Body)"/>
+              <a:cs typeface="Arial (Body)"/>
+            </a:endParaRPr>
+          </a:p>
+          <a:p>
+            <a:pPr>
+              <a:buNone/>
+            </a:pPr>
+            <a:r>
+              <a:rPr lang="en-US" sz="1200" dirty="0" err="1" smtClean="0">
+                <a:latin typeface="Arial (Body)"/>
+                <a:cs typeface="Arial (Body)"/>
+              </a:rPr>
+              <a:t>Jlink</a:t>
+            </a:r>
+            <a:endParaRPr lang="en-US" sz="1200" dirty="0" smtClean="0">
+              <a:latin typeface="Arial (Body)"/>
+              <a:cs typeface="Arial (Body)"/>
+            </a:endParaRPr>
+          </a:p>
+          <a:p>
+            <a:pPr>
+              <a:buNone/>
+            </a:pPr>
+            <a:r>
+              <a:rPr lang="en-US" sz="1200" dirty="0" err="1" smtClean="0">
+                <a:latin typeface="Arial (Body)"/>
+                <a:cs typeface="Arial (Body)"/>
+              </a:rPr>
+              <a:t>JUnit</a:t>
+            </a:r>
+            <a:endParaRPr lang="en-US" sz="1200" dirty="0" smtClean="0">
+              <a:latin typeface="Arial (Body)"/>
+              <a:cs typeface="Arial (Body)"/>
+            </a:endParaRPr>
+          </a:p>
+          <a:p>
+            <a:pPr>
+              <a:buNone/>
+            </a:pPr>
+            <a:r>
+              <a:rPr lang="en-US" sz="1200" dirty="0" err="1" smtClean="0">
+                <a:latin typeface="Arial (Body)"/>
+                <a:cs typeface="Arial (Body)"/>
+              </a:rPr>
+              <a:t>JUnitReport</a:t>
+            </a:r>
+            <a:endParaRPr lang="en-US" sz="1200" dirty="0" smtClean="0">
+              <a:latin typeface="Arial (Body)"/>
+              <a:cs typeface="Arial (Body)"/>
+            </a:endParaRPr>
+          </a:p>
+          <a:p>
+            <a:pPr>
+              <a:buNone/>
+            </a:pPr>
+            <a:r>
+              <a:rPr lang="en-US" sz="1200" dirty="0" err="1" smtClean="0">
+                <a:latin typeface="Arial (Body)"/>
+                <a:cs typeface="Arial (Body)"/>
+              </a:rPr>
+              <a:t>MimeMail</a:t>
+            </a:r>
+            <a:endParaRPr lang="en-US" sz="1200" dirty="0" smtClean="0">
+              <a:latin typeface="Arial (Body)"/>
+              <a:cs typeface="Arial (Body)"/>
+            </a:endParaRPr>
+          </a:p>
+          <a:p>
+            <a:pPr>
+              <a:buNone/>
+            </a:pPr>
+            <a:r>
+              <a:rPr lang="en-US" sz="1200" dirty="0" smtClean="0">
+                <a:latin typeface="Arial (Body)"/>
+                <a:cs typeface="Arial (Body)"/>
+              </a:rPr>
+              <a:t>Native2Ascii</a:t>
+            </a:r>
+          </a:p>
+          <a:p>
+            <a:pPr>
+              <a:buNone/>
+            </a:pPr>
+            <a:r>
+              <a:rPr lang="en-US" sz="1200" dirty="0" err="1" smtClean="0">
+                <a:latin typeface="Arial (Body)"/>
+                <a:cs typeface="Arial (Body)"/>
+              </a:rPr>
+              <a:t>NetRexxC</a:t>
+            </a:r>
+            <a:endParaRPr lang="en-US" sz="1200" dirty="0" smtClean="0">
+              <a:latin typeface="Arial (Body)"/>
+              <a:cs typeface="Arial (Body)"/>
+            </a:endParaRPr>
+          </a:p>
+          <a:p>
+            <a:pPr>
+              <a:buNone/>
+            </a:pPr>
+            <a:r>
+              <a:rPr lang="en-US" sz="1200" dirty="0" smtClean="0">
+                <a:latin typeface="Arial (Body)"/>
+                <a:cs typeface="Arial (Body)"/>
+              </a:rPr>
+              <a:t>Perforce Tasks</a:t>
+            </a:r>
+          </a:p>
+          <a:p>
+            <a:pPr>
+              <a:buNone/>
+            </a:pPr>
+            <a:r>
+              <a:rPr lang="en-US" sz="1200" dirty="0" err="1" smtClean="0">
+                <a:latin typeface="Arial (Body)"/>
+                <a:cs typeface="Arial (Body)"/>
+              </a:rPr>
+              <a:t>PropertyFile</a:t>
+            </a:r>
+            <a:endParaRPr lang="en-US" sz="1200" dirty="0" smtClean="0">
+              <a:latin typeface="Arial (Body)"/>
+              <a:cs typeface="Arial (Body)"/>
+            </a:endParaRPr>
+          </a:p>
+          <a:p>
+            <a:pPr>
+              <a:buNone/>
+            </a:pPr>
+            <a:r>
+              <a:rPr lang="en-US" sz="1200" dirty="0" err="1" smtClean="0">
+                <a:latin typeface="Arial (Body)"/>
+                <a:cs typeface="Arial (Body)"/>
+              </a:rPr>
+              <a:t>Pvcs</a:t>
+            </a:r>
+            <a:endParaRPr lang="en-US" sz="1200" dirty="0" smtClean="0">
+              <a:latin typeface="Arial (Body)"/>
+              <a:cs typeface="Arial (Body)"/>
+            </a:endParaRPr>
+          </a:p>
+          <a:p>
+            <a:pPr>
+              <a:buNone/>
+            </a:pPr>
+            <a:r>
+              <a:rPr lang="en-US" sz="1200" dirty="0" err="1" smtClean="0">
+                <a:latin typeface="Arial (Body)"/>
+                <a:cs typeface="Arial (Body)"/>
+              </a:rPr>
+              <a:t>RenameExtensions</a:t>
+            </a:r>
+            <a:endParaRPr lang="en-US" sz="1200" dirty="0" smtClean="0">
+              <a:latin typeface="Arial (Body)"/>
+              <a:cs typeface="Arial (Body)"/>
+            </a:endParaRPr>
+          </a:p>
+          <a:p>
+            <a:pPr>
+              <a:buNone/>
+            </a:pPr>
+            <a:r>
+              <a:rPr lang="en-US" sz="1200" dirty="0" err="1" smtClean="0">
+                <a:latin typeface="Arial (Body)"/>
+                <a:cs typeface="Arial (Body)"/>
+              </a:rPr>
+              <a:t>ReplaceRegExp</a:t>
+            </a:r>
+            <a:endParaRPr lang="en-US" sz="1200" dirty="0" smtClean="0">
+              <a:latin typeface="Arial (Body)"/>
+              <a:cs typeface="Arial (Body)"/>
+            </a:endParaRPr>
+          </a:p>
+          <a:p>
+            <a:pPr>
+              <a:buNone/>
+            </a:pPr>
+            <a:r>
+              <a:rPr lang="en-US" sz="1200" dirty="0" err="1" smtClean="0">
+                <a:latin typeface="Arial (Body)"/>
+                <a:cs typeface="Arial (Body)"/>
+              </a:rPr>
+              <a:t>RExec</a:t>
+            </a:r>
+            <a:endParaRPr lang="en-US" sz="1200" dirty="0" smtClean="0">
+              <a:latin typeface="Arial (Body)"/>
+              <a:cs typeface="Arial (Body)"/>
+            </a:endParaRPr>
+          </a:p>
+          <a:p>
+            <a:pPr>
+              <a:buNone/>
+            </a:pPr>
+            <a:r>
+              <a:rPr lang="en-US" sz="1200" dirty="0" smtClean="0">
+                <a:latin typeface="Arial (Body)"/>
+                <a:cs typeface="Arial (Body)"/>
+              </a:rPr>
+              <a:t>Rpm</a:t>
+            </a:r>
+          </a:p>
+          <a:p>
+            <a:pPr>
+              <a:buNone/>
+            </a:pPr>
+            <a:r>
+              <a:rPr lang="en-US" sz="1200" dirty="0" err="1" smtClean="0">
+                <a:latin typeface="Arial (Body)"/>
+                <a:cs typeface="Arial (Body)"/>
+              </a:rPr>
+              <a:t>SchemaValidate</a:t>
+            </a:r>
+            <a:endParaRPr lang="en-US" sz="1200" dirty="0" smtClean="0">
+              <a:latin typeface="Arial (Body)"/>
+              <a:cs typeface="Arial (Body)"/>
+            </a:endParaRPr>
+          </a:p>
+          <a:p>
+            <a:pPr>
+              <a:buNone/>
+            </a:pPr>
+            <a:r>
+              <a:rPr lang="en-US" sz="1200" dirty="0" err="1" smtClean="0">
+                <a:latin typeface="Arial (Body)"/>
+                <a:cs typeface="Arial (Body)"/>
+              </a:rPr>
+              <a:t>Scp</a:t>
+            </a:r>
+            <a:endParaRPr lang="en-US" sz="1200" dirty="0" smtClean="0">
+              <a:latin typeface="Arial (Body)"/>
+              <a:cs typeface="Arial (Body)"/>
+            </a:endParaRPr>
+          </a:p>
+          <a:p>
+            <a:pPr>
+              <a:buNone/>
+            </a:pPr>
+            <a:r>
+              <a:rPr lang="en-US" sz="1200" dirty="0" smtClean="0">
+                <a:latin typeface="Arial (Body)"/>
+                <a:cs typeface="Arial (Body)"/>
+              </a:rPr>
+              <a:t>Script</a:t>
+            </a:r>
+          </a:p>
+          <a:p>
+            <a:pPr>
+              <a:buNone/>
+            </a:pPr>
+            <a:r>
+              <a:rPr lang="en-US" sz="1200" dirty="0" err="1" smtClean="0">
+                <a:latin typeface="Arial (Body)"/>
+                <a:cs typeface="Arial (Body)"/>
+              </a:rPr>
+              <a:t>Scriptdef</a:t>
+            </a:r>
+            <a:endParaRPr lang="en-US" sz="1200" dirty="0" smtClean="0">
+              <a:latin typeface="Arial (Body)"/>
+              <a:cs typeface="Arial (Body)"/>
+            </a:endParaRPr>
+          </a:p>
+          <a:p>
+            <a:pPr>
+              <a:buNone/>
+            </a:pPr>
+            <a:r>
+              <a:rPr lang="en-US" sz="1200" dirty="0" err="1" smtClean="0">
+                <a:latin typeface="Arial (Body)"/>
+                <a:cs typeface="Arial (Body)"/>
+              </a:rPr>
+              <a:t>ServerDeploy</a:t>
+            </a:r>
+            <a:endParaRPr lang="en-US" sz="1200" dirty="0" smtClean="0">
+              <a:latin typeface="Arial (Body)"/>
+              <a:cs typeface="Arial (Body)"/>
+            </a:endParaRPr>
+          </a:p>
+          <a:p>
+            <a:pPr>
+              <a:buNone/>
+            </a:pPr>
+            <a:r>
+              <a:rPr lang="en-US" sz="1200" dirty="0" err="1" smtClean="0">
+                <a:latin typeface="Arial (Body)"/>
+                <a:cs typeface="Arial (Body)"/>
+              </a:rPr>
+              <a:t>Setproxy</a:t>
+            </a:r>
+            <a:endParaRPr lang="en-US" sz="1200" dirty="0" smtClean="0">
+              <a:latin typeface="Arial (Body)"/>
+              <a:cs typeface="Arial (Body)"/>
+            </a:endParaRPr>
+          </a:p>
+          <a:p>
+            <a:pPr>
+              <a:buNone/>
+            </a:pPr>
+            <a:r>
+              <a:rPr lang="en-US" sz="1200" dirty="0" smtClean="0">
+                <a:latin typeface="Arial (Body)"/>
+                <a:cs typeface="Arial (Body)"/>
+              </a:rPr>
+              <a:t>Sound</a:t>
+            </a:r>
+          </a:p>
+          <a:p>
+            <a:pPr>
+              <a:buNone/>
+            </a:pPr>
+            <a:r>
+              <a:rPr lang="en-US" sz="1200" dirty="0" err="1" smtClean="0">
+                <a:latin typeface="Arial (Body)"/>
+                <a:cs typeface="Arial (Body)"/>
+              </a:rPr>
+              <a:t>SourceOffSite</a:t>
+            </a:r>
+            <a:endParaRPr lang="en-US" sz="1200" dirty="0" smtClean="0">
+              <a:latin typeface="Arial (Body)"/>
+              <a:cs typeface="Arial (Body)"/>
+            </a:endParaRPr>
+          </a:p>
+          <a:p>
+            <a:pPr>
+              <a:buNone/>
+            </a:pPr>
+            <a:r>
+              <a:rPr lang="en-US" sz="1200" dirty="0" smtClean="0">
+                <a:latin typeface="Arial (Body)"/>
+                <a:cs typeface="Arial (Body)"/>
+              </a:rPr>
+              <a:t>Splash</a:t>
+            </a:r>
+          </a:p>
+          <a:p>
+            <a:pPr>
+              <a:buNone/>
+            </a:pPr>
+            <a:r>
+              <a:rPr lang="en-US" sz="1200" dirty="0" err="1" smtClean="0">
+                <a:latin typeface="Arial (Body)"/>
+                <a:cs typeface="Arial (Body)"/>
+              </a:rPr>
+              <a:t>Sshexec</a:t>
+            </a:r>
+            <a:endParaRPr lang="en-US" sz="1200" dirty="0" smtClean="0">
+              <a:latin typeface="Arial (Body)"/>
+              <a:cs typeface="Arial (Body)"/>
+            </a:endParaRPr>
+          </a:p>
+          <a:p>
+            <a:pPr>
+              <a:buNone/>
+            </a:pPr>
+            <a:r>
+              <a:rPr lang="en-US" sz="1200" dirty="0" err="1" smtClean="0">
+                <a:latin typeface="Arial (Body)"/>
+                <a:cs typeface="Arial (Body)"/>
+              </a:rPr>
+              <a:t>Starteam</a:t>
+            </a:r>
+            <a:r>
+              <a:rPr lang="en-US" sz="1200" dirty="0" smtClean="0">
+                <a:latin typeface="Arial (Body)"/>
+                <a:cs typeface="Arial (Body)"/>
+              </a:rPr>
+              <a:t> Tasks</a:t>
+            </a:r>
+          </a:p>
+          <a:p>
+            <a:pPr>
+              <a:buNone/>
+            </a:pPr>
+            <a:r>
+              <a:rPr lang="en-US" sz="1200" dirty="0" smtClean="0">
+                <a:latin typeface="Arial (Body)"/>
+                <a:cs typeface="Arial (Body)"/>
+              </a:rPr>
+              <a:t>Stylebook</a:t>
+            </a:r>
+          </a:p>
+          <a:p>
+            <a:pPr>
+              <a:buNone/>
+            </a:pPr>
+            <a:r>
+              <a:rPr lang="en-US" sz="1200" dirty="0" err="1" smtClean="0">
+                <a:latin typeface="Arial (Body)"/>
+                <a:cs typeface="Arial (Body)"/>
+              </a:rPr>
+              <a:t>Symlink</a:t>
+            </a:r>
+            <a:endParaRPr lang="en-US" sz="1200" dirty="0" smtClean="0">
+              <a:latin typeface="Arial (Body)"/>
+              <a:cs typeface="Arial (Body)"/>
+            </a:endParaRPr>
+          </a:p>
+          <a:p>
+            <a:pPr>
+              <a:buNone/>
+            </a:pPr>
+            <a:r>
+              <a:rPr lang="en-US" sz="1200" dirty="0" smtClean="0">
+                <a:latin typeface="Arial (Body)"/>
+                <a:cs typeface="Arial (Body)"/>
+              </a:rPr>
+              <a:t>Telnet</a:t>
+            </a:r>
+          </a:p>
+          <a:p>
+            <a:pPr>
+              <a:buNone/>
+            </a:pPr>
+            <a:r>
+              <a:rPr lang="en-US" sz="1200" dirty="0" smtClean="0">
+                <a:latin typeface="Arial (Body)"/>
+                <a:cs typeface="Arial (Body)"/>
+              </a:rPr>
+              <a:t>Translate</a:t>
+            </a:r>
+          </a:p>
+          <a:p>
+            <a:pPr>
+              <a:buNone/>
+            </a:pPr>
+            <a:r>
+              <a:rPr lang="en-US" sz="1200" dirty="0" smtClean="0">
+                <a:latin typeface="Arial (Body)"/>
+                <a:cs typeface="Arial (Body)"/>
+              </a:rPr>
+              <a:t>VSS Tasks</a:t>
+            </a:r>
+          </a:p>
+          <a:p>
+            <a:pPr>
+              <a:buNone/>
+            </a:pPr>
+            <a:r>
+              <a:rPr lang="en-US" sz="1200" dirty="0" err="1" smtClean="0">
+                <a:latin typeface="Arial (Body)"/>
+                <a:cs typeface="Arial (Body)"/>
+              </a:rPr>
+              <a:t>Weblogic</a:t>
+            </a:r>
+            <a:r>
+              <a:rPr lang="en-US" sz="1200" dirty="0" smtClean="0">
+                <a:latin typeface="Arial (Body)"/>
+                <a:cs typeface="Arial (Body)"/>
+              </a:rPr>
+              <a:t> JSP Compiler</a:t>
+            </a:r>
+          </a:p>
+          <a:p>
+            <a:pPr>
+              <a:buNone/>
+            </a:pPr>
+            <a:r>
+              <a:rPr lang="en-US" sz="1200" dirty="0" err="1" smtClean="0">
+                <a:latin typeface="Arial (Body)"/>
+                <a:cs typeface="Arial (Body)"/>
+              </a:rPr>
+              <a:t>XmlValidate</a:t>
+            </a:r>
+            <a:endParaRPr lang="en-US" sz="1200" dirty="0"/>
+          </a:p>
+        </p:txBody>
+      </p:sp>
+      <p:pic>
+        <p:nvPicPr>
+          <p:cNvPr id="4" name="Picture 3"/>
+          <p:cNvPicPr>
+            <a:picLocks noChangeAspect="1"/>
+          </p:cNvPicPr>
+          <p:nvPr/>
+        </p:nvPicPr>
+        <p:blipFill>
+          <a:blip r:embed="rId2">
+            <a:clrChange>
+              <a:clrFrom>
+                <a:srgbClr val="FFFFFF"/>
+              </a:clrFrom>
+              <a:clrTo>
+                <a:srgbClr val="FFFFFF">
+                  <a:alpha val="0"/>
+                </a:srgbClr>
+              </a:clrTo>
+            </a:clrChange>
+          </a:blip>
+          <a:stretch>
+            <a:fillRect/>
+          </a:stretch>
+        </p:blipFill>
+        <p:spPr>
+          <a:xfrm>
+            <a:off x="7265766" y="2032007"/>
+            <a:ext cx="1574800" cy="1612900"/>
+          </a:xfrm>
+          <a:prstGeom prst="rect">
+            <a:avLst/>
+          </a:prstGeom>
+        </p:spPr>
+      </p:pic>
+    </p:spTree>
+  </p:cSld>
+  <p:clrMapOvr>
+    <a:masterClrMapping/>
+  </p:clrMapOvr>
+</p:sld>
+</file>
+
+<file path=ppt/slides/slide13.xml><?xml version="1.0" encoding="utf-8"?>
+<p:sld xmlns:a="http://schemas.openxmlformats.org/drawingml/2006/main" xmlns:r="http://schemas.openxmlformats.org/officeDocument/2006/relationships" xmlns:mc="http://schemas.openxmlformats.org/markup-compatibility/2006" xmlns:mv="urn:schemas-microsoft-com:mac:vml" xmlns:p="http://schemas.openxmlformats.org/presentationml/2006/main" mc:Ignorable="mv" mc:PreserveAttributes="mv:*">
+  <p:cSld>
+    <p:spTree>
+      <p:nvGrpSpPr>
+        <p:cNvPr id="1" name=""/>
+        <p:cNvGrpSpPr/>
+        <p:nvPr/>
+      </p:nvGrpSpPr>
+      <p:grpSpPr>
+        <a:xfrm>
+          <a:off x="0" y="0"/>
+          <a:ext cx="0" cy="0"/>
+          <a:chOff x="0" y="0"/>
+          <a:chExt cx="0" cy="0"/>
+        </a:xfrm>
+      </p:grpSpPr>
+      <p:sp>
+        <p:nvSpPr>
+          <p:cNvPr id="2" name="Title 1"/>
+          <p:cNvSpPr>
+            <a:spLocks noGrp="1"/>
+          </p:cNvSpPr>
+          <p:nvPr>
+            <p:ph type="title"/>
+          </p:nvPr>
+        </p:nvSpPr>
+        <p:spPr/>
+        <p:txBody>
+          <a:bodyPr/>
+          <a:lstStyle/>
+          <a:p>
+            <a:r>
+              <a:rPr lang="en-US" dirty="0" smtClean="0"/>
+              <a:t>There is a wealth of third party </a:t>
+            </a:r>
+            <a:r>
+              <a:rPr lang="en-US" dirty="0"/>
+              <a:t>A</a:t>
+            </a:r>
+            <a:r>
+              <a:rPr lang="en-US" dirty="0" smtClean="0"/>
+              <a:t>nt support</a:t>
+            </a:r>
+            <a:endParaRPr lang="en-US" dirty="0"/>
+          </a:p>
+        </p:txBody>
+      </p:sp>
+      <p:sp>
+        <p:nvSpPr>
+          <p:cNvPr id="3" name="Content Placeholder 2"/>
+          <p:cNvSpPr>
+            <a:spLocks noGrp="1"/>
+          </p:cNvSpPr>
+          <p:nvPr>
+            <p:ph idx="1"/>
+          </p:nvPr>
+        </p:nvSpPr>
+        <p:spPr/>
+        <p:txBody>
+          <a:bodyPr/>
+          <a:lstStyle/>
+          <a:p>
+            <a:r>
+              <a:rPr lang="en-US" dirty="0" err="1" smtClean="0"/>
+              <a:t>XmlTask</a:t>
+            </a:r>
+            <a:endParaRPr lang="en-US" dirty="0" smtClean="0"/>
+          </a:p>
+          <a:p>
+            <a:r>
+              <a:rPr lang="en-US" dirty="0" smtClean="0"/>
+              <a:t>Flex Ant Tasks</a:t>
+            </a:r>
+          </a:p>
+          <a:p>
+            <a:r>
+              <a:rPr lang="en-US" dirty="0" smtClean="0"/>
+              <a:t>Ant4CF </a:t>
+            </a:r>
+          </a:p>
+          <a:p>
+            <a:r>
+              <a:rPr lang="en-US" dirty="0" smtClean="0"/>
+              <a:t>Integration with Eclipse and other </a:t>
+            </a:r>
+            <a:r>
+              <a:rPr lang="en-US" dirty="0" err="1" smtClean="0"/>
+              <a:t>IDEs</a:t>
+            </a:r>
+            <a:endParaRPr lang="en-US" dirty="0" smtClean="0"/>
+          </a:p>
+          <a:p>
+            <a:r>
+              <a:rPr lang="en-US" dirty="0" smtClean="0"/>
+              <a:t>Much, much more…</a:t>
+            </a:r>
+          </a:p>
+          <a:p>
+            <a:pPr lvl="1"/>
+            <a:r>
+              <a:rPr lang="en-US" dirty="0" smtClean="0">
+                <a:hlinkClick r:id="rId3"/>
+              </a:rPr>
+              <a:t>http://ant.apache.org/external.html</a:t>
+            </a:r>
+            <a:endParaRPr lang="en-US" dirty="0" smtClean="0"/>
+          </a:p>
+          <a:p>
+            <a:pPr lvl="1">
+              <a:buNone/>
+            </a:pPr>
+            <a:endParaRPr lang="en-US" dirty="0" smtClean="0"/>
+          </a:p>
+        </p:txBody>
+      </p:sp>
+      <p:pic>
+        <p:nvPicPr>
+          <p:cNvPr id="5" name="Picture 4"/>
+          <p:cNvPicPr>
+            <a:picLocks noChangeAspect="1"/>
+          </p:cNvPicPr>
+          <p:nvPr/>
+        </p:nvPicPr>
+        <p:blipFill>
+          <a:blip r:embed="rId4">
+            <a:clrChange>
+              <a:clrFrom>
+                <a:srgbClr val="FEFEFE"/>
+              </a:clrFrom>
+              <a:clrTo>
+                <a:srgbClr val="FEFEFE">
+                  <a:alpha val="0"/>
+                </a:srgbClr>
+              </a:clrTo>
+            </a:clrChange>
+          </a:blip>
+          <a:stretch>
+            <a:fillRect/>
+          </a:stretch>
+        </p:blipFill>
+        <p:spPr>
+          <a:xfrm>
+            <a:off x="6934200" y="1295400"/>
+            <a:ext cx="1872747" cy="1872747"/>
+          </a:xfrm>
+          <a:prstGeom prst="rect">
+            <a:avLst/>
+          </a:prstGeom>
+        </p:spPr>
+      </p:pic>
+    </p:spTree>
+  </p:cSld>
+  <p:clrMapOvr>
+    <a:masterClrMapping/>
+  </p:clrMapOvr>
+</p:sld>
+</file>
+
 <file path=ppt/slides/slide2.xml><?xml version="1.0" encoding="utf-8"?>
 <p:sld xmlns:a="http://schemas.openxmlformats.org/drawingml/2006/main" xmlns:r="http://schemas.openxmlformats.org/officeDocument/2006/relationships" xmlns:mc="http://schemas.openxmlformats.org/markup-compatibility/2006" xmlns:mv="urn:schemas-microsoft-com:mac:vml" xmlns:p="http://schemas.openxmlformats.org/presentationml/2006/main" mc:Ignorable="mv" mc:PreserveAttributes="mv:*">
   <p:cSld>
@@ -3643,7 +6614,18 @@
           <p:nvPr/>
         </p:nvPicPr>
         <p:blipFill>
-          <a:blip r:embed="rId3"/>
+          <a:blip r:embed="rId3">
+            <a:clrChange>
+              <a:clrFrom>
+                <a:srgbClr val="FFFFFF"/>
+              </a:clrFrom>
+              <a:clrTo>
+                <a:srgbClr val="FFFFFF">
+                  <a:alpha val="0"/>
+                </a:srgbClr>
+              </a:clrTo>
+            </a:clrChange>
+          </a:blip>
           <a:stretch>
             <a:fillRect/>
           </a:stretch>
@@ -3813,7 +6795,15 @@
           <a:p>
             <a:r>
               <a:rPr lang="en-US" dirty="0" smtClean="0"/>
-              <a:t>How do you deploy applications?</a:t>
+              <a:t>How do </a:t>
+            </a:r>
+            <a:r>
+              <a:rPr lang="en-US" i="1" dirty="0" smtClean="0"/>
+              <a:t>you </a:t>
+            </a:r>
+            <a:r>
+              <a:rPr lang="en-US" dirty="0" smtClean="0"/>
+              <a:t>deploy applications?</a:t>
             </a:r>
             <a:endParaRPr lang="en-US" dirty="0"/>
           </a:p>
@@ -3935,7 +6925,7 @@
           <a:p>
             <a:r>
               <a:rPr lang="en-US" dirty="0" smtClean="0"/>
-              <a:t>How often do you screw up?</a:t>
+              <a:t>How often do you screw up this process?</a:t>
             </a:r>
             <a:endParaRPr lang="en-US" dirty="0"/>
           </a:p>
@@ -3955,6 +6945,348 @@
         <p:txBody>
           <a:bodyPr/>
           <a:lstStyle/>
+          <a:p>
+            <a:endParaRPr lang="en-US" dirty="0"/>
+          </a:p>
+        </p:txBody>
+      </p:sp>
+    </p:spTree>
+  </p:cSld>
+  <p:clrMapOvr>
+    <a:masterClrMapping/>
+  </p:clrMapOvr>
+</p:sld>
+</file>
+
+<file path=ppt/slides/slide6.xml><?xml version="1.0" encoding="utf-8"?>
+<p:sld xmlns:a="http://schemas.openxmlformats.org/drawingml/2006/main" xmlns:r="http://schemas.openxmlformats.org/officeDocument/2006/relationships" xmlns:mc="http://schemas.openxmlformats.org/markup-compatibility/2006" xmlns:mv="urn:schemas-microsoft-com:mac:vml" xmlns:p="http://schemas.openxmlformats.org/presentationml/2006/main" mc:Ignorable="mv" mc:PreserveAttributes="mv:*">
+  <p:cSld>
+    <p:spTree>
+      <p:nvGrpSpPr>
+        <p:cNvPr id="1" name=""/>
+        <p:cNvGrpSpPr/>
+        <p:nvPr/>
+      </p:nvGrpSpPr>
+      <p:grpSpPr>
+        <a:xfrm>
+          <a:off x="0" y="0"/>
+          <a:ext cx="0" cy="0"/>
+          <a:chOff x="0" y="0"/>
+          <a:chExt cx="0" cy="0"/>
+        </a:xfrm>
+      </p:grpSpPr>
+      <p:sp>
+        <p:nvSpPr>
+          <p:cNvPr id="2" name="Title 1"/>
+          <p:cNvSpPr>
+            <a:spLocks noGrp="1"/>
+          </p:cNvSpPr>
+          <p:nvPr>
+            <p:ph type="title"/>
+          </p:nvPr>
+        </p:nvSpPr>
+        <p:spPr/>
+        <p:txBody>
+          <a:bodyPr/>
+          <a:lstStyle/>
+          <a:p>
+            <a:r>
+              <a:rPr lang="en-US" dirty="0" smtClean="0"/>
+              <a:t>How often do you screw up this process?</a:t>
+            </a:r>
+            <a:endParaRPr lang="en-US" dirty="0"/>
+          </a:p>
+        </p:txBody>
+      </p:sp>
+      <p:sp>
+        <p:nvSpPr>
+          <p:cNvPr id="3" name="Content Placeholder 2"/>
+          <p:cNvSpPr>
+            <a:spLocks noGrp="1"/>
+          </p:cNvSpPr>
+          <p:nvPr>
+            <p:ph idx="1"/>
+          </p:nvPr>
+        </p:nvSpPr>
+        <p:spPr/>
+        <p:txBody>
+          <a:bodyPr/>
+          <a:lstStyle/>
+          <a:p>
+            <a:r>
+              <a:rPr lang="en-US" dirty="0" smtClean="0"/>
+              <a:t>I don’t know about you… but I think most people screw this up a lot!</a:t>
+            </a:r>
+            <a:endParaRPr lang="en-US" dirty="0"/>
+          </a:p>
+        </p:txBody>
+      </p:sp>
+    </p:spTree>
+  </p:cSld>
+  <p:clrMapOvr>
+    <a:masterClrMapping/>
+  </p:clrMapOvr>
+</p:sld>
+</file>
+
+<file path=ppt/slides/slide7.xml><?xml version="1.0" encoding="utf-8"?>
+<p:sld xmlns:a="http://schemas.openxmlformats.org/drawingml/2006/main" xmlns:r="http://schemas.openxmlformats.org/officeDocument/2006/relationships" xmlns:mc="http://schemas.openxmlformats.org/markup-compatibility/2006" xmlns:mv="urn:schemas-microsoft-com:mac:vml" xmlns:p="http://schemas.openxmlformats.org/presentationml/2006/main" mc:Ignorable="mv" mc:PreserveAttributes="mv:*">
+  <p:cSld>
+    <p:spTree>
+      <p:nvGrpSpPr>
+        <p:cNvPr id="1" name=""/>
+        <p:cNvGrpSpPr/>
+        <p:nvPr/>
+      </p:nvGrpSpPr>
+      <p:grpSpPr>
+        <a:xfrm>
+          <a:off x="0" y="0"/>
+          <a:ext cx="0" cy="0"/>
+          <a:chOff x="0" y="0"/>
+          <a:chExt cx="0" cy="0"/>
+        </a:xfrm>
+      </p:grpSpPr>
+      <p:sp>
+        <p:nvSpPr>
+          <p:cNvPr id="2" name="Title 1"/>
+          <p:cNvSpPr>
+            <a:spLocks noGrp="1"/>
+          </p:cNvSpPr>
+          <p:nvPr>
+            <p:ph type="title"/>
+          </p:nvPr>
+        </p:nvSpPr>
+        <p:spPr/>
+        <p:txBody>
+          <a:bodyPr/>
+          <a:lstStyle/>
+          <a:p>
+            <a:r>
+              <a:rPr lang="en-US" dirty="0" smtClean="0"/>
+              <a:t>What went wrong?</a:t>
+            </a:r>
+            <a:endParaRPr lang="en-US" dirty="0"/>
+          </a:p>
+        </p:txBody>
+      </p:sp>
+      <p:sp>
+        <p:nvSpPr>
+          <p:cNvPr id="3" name="Content Placeholder 2"/>
+          <p:cNvSpPr>
+            <a:spLocks noGrp="1"/>
+          </p:cNvSpPr>
+          <p:nvPr>
+            <p:ph idx="1"/>
+          </p:nvPr>
+        </p:nvSpPr>
+        <p:spPr/>
+        <p:txBody>
+          <a:bodyPr/>
+          <a:lstStyle/>
+          <a:p>
+            <a:r>
+              <a:rPr lang="en-US" dirty="0" smtClean="0"/>
+              <a:t>Humans are fallible</a:t>
+            </a:r>
+          </a:p>
+          <a:p>
+            <a:r>
+              <a:rPr lang="en-US" dirty="0" smtClean="0"/>
+              <a:t>The process is complex</a:t>
+            </a:r>
+          </a:p>
+          <a:p>
+            <a:r>
+              <a:rPr lang="en-US" dirty="0" smtClean="0"/>
+              <a:t>Many details to remember</a:t>
+            </a:r>
+          </a:p>
+          <a:p>
+            <a:r>
+              <a:rPr lang="en-US" dirty="0" smtClean="0"/>
+              <a:t>The process is completely manual</a:t>
+            </a:r>
+          </a:p>
+          <a:p>
+            <a:endParaRPr lang="en-US" dirty="0" smtClean="0"/>
+          </a:p>
+          <a:p>
+            <a:endParaRPr lang="en-US" dirty="0"/>
+          </a:p>
+        </p:txBody>
+      </p:sp>
+    </p:spTree>
+  </p:cSld>
+  <p:clrMapOvr>
+    <a:masterClrMapping/>
+  </p:clrMapOvr>
+</p:sld>
+</file>
+
+<file path=ppt/slides/slide8.xml><?xml version="1.0" encoding="utf-8"?>
+<p:sld xmlns:a="http://schemas.openxmlformats.org/drawingml/2006/main" xmlns:r="http://schemas.openxmlformats.org/officeDocument/2006/relationships" xmlns:mc="http://schemas.openxmlformats.org/markup-compatibility/2006" xmlns:mv="urn:schemas-microsoft-com:mac:vml" xmlns:p="http://schemas.openxmlformats.org/presentationml/2006/main" mc:Ignorable="mv" mc:PreserveAttributes="mv:*">
+  <p:cSld>
+    <p:spTree>
+      <p:nvGrpSpPr>
+        <p:cNvPr id="1" name=""/>
+        <p:cNvGrpSpPr/>
+        <p:nvPr/>
+      </p:nvGrpSpPr>
+      <p:grpSpPr>
+        <a:xfrm>
+          <a:off x="0" y="0"/>
+          <a:ext cx="0" cy="0"/>
+          <a:chOff x="0" y="0"/>
+          <a:chExt cx="0" cy="0"/>
+        </a:xfrm>
+      </p:grpSpPr>
+      <p:sp>
+        <p:nvSpPr>
+          <p:cNvPr id="2" name="Title 1"/>
+          <p:cNvSpPr>
+            <a:spLocks noGrp="1"/>
+          </p:cNvSpPr>
+          <p:nvPr>
+            <p:ph type="title"/>
+          </p:nvPr>
+        </p:nvSpPr>
+        <p:spPr/>
+        <p:txBody>
+          <a:bodyPr/>
+          <a:lstStyle/>
+          <a:p>
+            <a:r>
+              <a:rPr lang="en-US" dirty="0" smtClean="0"/>
+              <a:t>Other things to consider</a:t>
+            </a:r>
+            <a:endParaRPr lang="en-US" dirty="0"/>
+          </a:p>
+        </p:txBody>
+      </p:sp>
+      <p:sp>
+        <p:nvSpPr>
+          <p:cNvPr id="3" name="Content Placeholder 2"/>
+          <p:cNvSpPr>
+            <a:spLocks noGrp="1"/>
+          </p:cNvSpPr>
+          <p:nvPr>
+            <p:ph idx="1"/>
+          </p:nvPr>
+        </p:nvSpPr>
+        <p:spPr/>
+        <p:txBody>
+          <a:bodyPr/>
+          <a:lstStyle/>
+          <a:p>
+            <a:r>
+              <a:rPr lang="en-US" dirty="0" smtClean="0"/>
+              <a:t>Differences between staging and production</a:t>
+            </a:r>
+          </a:p>
+          <a:p>
+            <a:r>
+              <a:rPr lang="en-US" dirty="0" smtClean="0"/>
+              <a:t>Even simply deployments can take several minutes to do manually</a:t>
+            </a:r>
+          </a:p>
+          <a:p>
+            <a:r>
+              <a:rPr lang="en-US" dirty="0" smtClean="0"/>
+              <a:t>What if you have multiple production servers?</a:t>
+            </a:r>
+          </a:p>
+          <a:p>
+            <a:pPr lvl="1"/>
+            <a:r>
+              <a:rPr lang="en-US" dirty="0" smtClean="0"/>
+              <a:t>Messing up something on only on server can create hard to catch problems	</a:t>
+            </a:r>
+          </a:p>
+          <a:p>
+            <a:endParaRPr lang="en-US" dirty="0"/>
+          </a:p>
+        </p:txBody>
+      </p:sp>
+    </p:spTree>
+  </p:cSld>
+  <p:clrMapOvr>
+    <a:masterClrMapping/>
+  </p:clrMapOvr>
+</p:sld>
+</file>
+
+<file path=ppt/slides/slide9.xml><?xml version="1.0" encoding="utf-8"?>
+<p:sld xmlns:a="http://schemas.openxmlformats.org/drawingml/2006/main" xmlns:r="http://schemas.openxmlformats.org/officeDocument/2006/relationships" xmlns:mc="http://schemas.openxmlformats.org/markup-compatibility/2006" xmlns:mv="urn:schemas-microsoft-com:mac:vml" xmlns:p="http://schemas.openxmlformats.org/presentationml/2006/main" mc:Ignorable="mv" mc:PreserveAttributes="mv:*">
+  <p:cSld>
+    <p:spTree>
+      <p:nvGrpSpPr>
+        <p:cNvPr id="1" name=""/>
+        <p:cNvGrpSpPr/>
+        <p:nvPr/>
+      </p:nvGrpSpPr>
+      <p:grpSpPr>
+        <a:xfrm>
+          <a:off x="0" y="0"/>
+          <a:ext cx="0" cy="0"/>
+          <a:chOff x="0" y="0"/>
+          <a:chExt cx="0" cy="0"/>
+        </a:xfrm>
+      </p:grpSpPr>
+      <p:sp>
+        <p:nvSpPr>
+          <p:cNvPr id="2" name="Title 1"/>
+          <p:cNvSpPr>
+            <a:spLocks noGrp="1"/>
+          </p:cNvSpPr>
+          <p:nvPr>
+            <p:ph type="title"/>
+          </p:nvPr>
+        </p:nvSpPr>
+        <p:spPr/>
+        <p:txBody>
+          <a:bodyPr/>
+          <a:lstStyle/>
+          <a:p>
+            <a:r>
+              <a:rPr lang="en-US" dirty="0" smtClean="0"/>
+              <a:t>What can we do about this?</a:t>
+            </a:r>
+            <a:endParaRPr lang="en-US" dirty="0"/>
+          </a:p>
+        </p:txBody>
+      </p:sp>
+      <p:sp>
+        <p:nvSpPr>
+          <p:cNvPr id="3" name="Content Placeholder 2"/>
+          <p:cNvSpPr>
+            <a:spLocks noGrp="1"/>
+          </p:cNvSpPr>
+          <p:nvPr>
+            <p:ph idx="1"/>
+          </p:nvPr>
+        </p:nvSpPr>
+        <p:spPr/>
+        <p:txBody>
+          <a:bodyPr/>
+          <a:lstStyle/>
+          <a:p>
+            <a:r>
+              <a:rPr lang="en-US" dirty="0" smtClean="0"/>
+              <a:t>Remove the human’s ability to screw up</a:t>
+            </a:r>
+          </a:p>
+          <a:p>
+            <a:r>
+              <a:rPr lang="en-US" dirty="0" smtClean="0"/>
+              <a:t>Automate the process!</a:t>
+            </a:r>
+          </a:p>
+          <a:p>
+            <a:pPr>
+              <a:buNone/>
+            </a:pPr>
+            <a:endParaRPr lang="en-US" dirty="0" smtClean="0"/>
+          </a:p>
           <a:p>
             <a:endParaRPr lang="en-US" dirty="0"/>
           </a:p>
